--- a/project/Presentation/SlidesResults.pptx
+++ b/project/Presentation/SlidesResults.pptx
@@ -1,24 +1,126 @@
 
 <file path=ppt/presentation.xml><?xml version="1.0" encoding="utf-8"?>
-<p:presentation xmlns:a="http://schemas.openxmlformats.org/drawingml/2006/main" xmlns:p="http://schemas.openxmlformats.org/presentationml/2006/main" xmlns:r="http://schemas.openxmlformats.org/officeDocument/2006/relationships" xmlns:p14="http://schemas.microsoft.com/office/powerpoint/2010/main" xmlns:p15="http://schemas.microsoft.com/office/powerpoint/2012/main" xmlns:mc="http://schemas.openxmlformats.org/markup-compatibility/2006">
+<p:presentation xmlns:a="http://schemas.openxmlformats.org/drawingml/2006/main" xmlns:r="http://schemas.openxmlformats.org/officeDocument/2006/relationships" xmlns:p="http://schemas.openxmlformats.org/presentationml/2006/main">
   <p:sldMasterIdLst>
-    <p:sldMasterId id="2147483648" r:id="rId2"/>
+    <p:sldMasterId id="2147483648" r:id="rId1"/>
   </p:sldMasterIdLst>
   <p:notesMasterIdLst>
-    <p:notesMasterId r:id="rId3"/>
+    <p:notesMasterId r:id="rId6"/>
   </p:notesMasterIdLst>
   <p:sldIdLst>
-    <p:sldId id="256" r:id="rId4"/>
-    <p:sldId id="257" r:id="rId5"/>
+    <p:sldId id="256" r:id="rId2"/>
+    <p:sldId id="257" r:id="rId3"/>
+    <p:sldId id="258" r:id="rId4"/>
+    <p:sldId id="259" r:id="rId5"/>
   </p:sldIdLst>
   <p:sldSz cx="10080625" cy="7559675"/>
-  <p:notesSz cx="7559675" cy="10691812"/>
+  <p:notesSz cx="7559675" cy="10691813"/>
+  <p:defaultTextStyle>
+    <a:defPPr>
+      <a:defRPr lang="de-DE"/>
+    </a:defPPr>
+    <a:lvl1pPr marL="0" algn="l" defTabSz="914400" rtl="0" eaLnBrk="1" latinLnBrk="0" hangingPunct="1">
+      <a:defRPr sz="1800" kern="1200">
+        <a:solidFill>
+          <a:schemeClr val="tx1"/>
+        </a:solidFill>
+        <a:latin typeface="+mn-lt"/>
+        <a:ea typeface="+mn-ea"/>
+        <a:cs typeface="+mn-cs"/>
+      </a:defRPr>
+    </a:lvl1pPr>
+    <a:lvl2pPr marL="457200" algn="l" defTabSz="914400" rtl="0" eaLnBrk="1" latinLnBrk="0" hangingPunct="1">
+      <a:defRPr sz="1800" kern="1200">
+        <a:solidFill>
+          <a:schemeClr val="tx1"/>
+        </a:solidFill>
+        <a:latin typeface="+mn-lt"/>
+        <a:ea typeface="+mn-ea"/>
+        <a:cs typeface="+mn-cs"/>
+      </a:defRPr>
+    </a:lvl2pPr>
+    <a:lvl3pPr marL="914400" algn="l" defTabSz="914400" rtl="0" eaLnBrk="1" latinLnBrk="0" hangingPunct="1">
+      <a:defRPr sz="1800" kern="1200">
+        <a:solidFill>
+          <a:schemeClr val="tx1"/>
+        </a:solidFill>
+        <a:latin typeface="+mn-lt"/>
+        <a:ea typeface="+mn-ea"/>
+        <a:cs typeface="+mn-cs"/>
+      </a:defRPr>
+    </a:lvl3pPr>
+    <a:lvl4pPr marL="1371600" algn="l" defTabSz="914400" rtl="0" eaLnBrk="1" latinLnBrk="0" hangingPunct="1">
+      <a:defRPr sz="1800" kern="1200">
+        <a:solidFill>
+          <a:schemeClr val="tx1"/>
+        </a:solidFill>
+        <a:latin typeface="+mn-lt"/>
+        <a:ea typeface="+mn-ea"/>
+        <a:cs typeface="+mn-cs"/>
+      </a:defRPr>
+    </a:lvl4pPr>
+    <a:lvl5pPr marL="1828800" algn="l" defTabSz="914400" rtl="0" eaLnBrk="1" latinLnBrk="0" hangingPunct="1">
+      <a:defRPr sz="1800" kern="1200">
+        <a:solidFill>
+          <a:schemeClr val="tx1"/>
+        </a:solidFill>
+        <a:latin typeface="+mn-lt"/>
+        <a:ea typeface="+mn-ea"/>
+        <a:cs typeface="+mn-cs"/>
+      </a:defRPr>
+    </a:lvl5pPr>
+    <a:lvl6pPr marL="2286000" algn="l" defTabSz="914400" rtl="0" eaLnBrk="1" latinLnBrk="0" hangingPunct="1">
+      <a:defRPr sz="1800" kern="1200">
+        <a:solidFill>
+          <a:schemeClr val="tx1"/>
+        </a:solidFill>
+        <a:latin typeface="+mn-lt"/>
+        <a:ea typeface="+mn-ea"/>
+        <a:cs typeface="+mn-cs"/>
+      </a:defRPr>
+    </a:lvl6pPr>
+    <a:lvl7pPr marL="2743200" algn="l" defTabSz="914400" rtl="0" eaLnBrk="1" latinLnBrk="0" hangingPunct="1">
+      <a:defRPr sz="1800" kern="1200">
+        <a:solidFill>
+          <a:schemeClr val="tx1"/>
+        </a:solidFill>
+        <a:latin typeface="+mn-lt"/>
+        <a:ea typeface="+mn-ea"/>
+        <a:cs typeface="+mn-cs"/>
+      </a:defRPr>
+    </a:lvl7pPr>
+    <a:lvl8pPr marL="3200400" algn="l" defTabSz="914400" rtl="0" eaLnBrk="1" latinLnBrk="0" hangingPunct="1">
+      <a:defRPr sz="1800" kern="1200">
+        <a:solidFill>
+          <a:schemeClr val="tx1"/>
+        </a:solidFill>
+        <a:latin typeface="+mn-lt"/>
+        <a:ea typeface="+mn-ea"/>
+        <a:cs typeface="+mn-cs"/>
+      </a:defRPr>
+    </a:lvl8pPr>
+    <a:lvl9pPr marL="3657600" algn="l" defTabSz="914400" rtl="0" eaLnBrk="1" latinLnBrk="0" hangingPunct="1">
+      <a:defRPr sz="1800" kern="1200">
+        <a:solidFill>
+          <a:schemeClr val="tx1"/>
+        </a:solidFill>
+        <a:latin typeface="+mn-lt"/>
+        <a:ea typeface="+mn-ea"/>
+        <a:cs typeface="+mn-cs"/>
+      </a:defRPr>
+    </a:lvl9pPr>
+  </p:defaultTextStyle>
 </p:presentation>
 </file>
 
 <file path=ppt/notesMasters/notesMaster1.xml><?xml version="1.0" encoding="utf-8"?>
-<p:notesMaster xmlns:a="http://schemas.openxmlformats.org/drawingml/2006/main" xmlns:p="http://schemas.openxmlformats.org/presentationml/2006/main" xmlns:r="http://schemas.openxmlformats.org/officeDocument/2006/relationships" xmlns:p14="http://schemas.microsoft.com/office/powerpoint/2010/main" xmlns:p15="http://schemas.microsoft.com/office/powerpoint/2012/main" xmlns:mc="http://schemas.openxmlformats.org/markup-compatibility/2006">
+<p:notesMaster xmlns:a="http://schemas.openxmlformats.org/drawingml/2006/main" xmlns:r="http://schemas.openxmlformats.org/officeDocument/2006/relationships" xmlns:p="http://schemas.openxmlformats.org/presentationml/2006/main">
   <p:cSld>
+    <p:bg>
+      <p:bgRef idx="1001">
+        <a:schemeClr val="bg1"/>
+      </p:bgRef>
+    </p:bg>
     <p:spTree>
       <p:nvGrpSpPr>
         <p:cNvPr id="1" name=""/>
@@ -53,33 +155,23 @@
           </a:prstGeom>
         </p:spPr>
         <p:txBody>
-          <a:bodyPr lIns="0" rIns="0" tIns="0" bIns="0"/>
+          <a:bodyPr lIns="0" tIns="0" rIns="0" bIns="0"/>
+          <a:lstStyle/>
           <a:p>
             <a:r>
-              <a:rPr b="0" lang="en-US" sz="2000" spc="-1" strike="noStrike">
+              <a:rPr lang="en-US" sz="2000" b="0" strike="noStrike" spc="-1">
                 <a:solidFill>
                   <a:srgbClr val="000000"/>
                 </a:solidFill>
                 <a:uFill>
                   <a:solidFill>
-                    <a:srgbClr val="ffffff"/>
+                    <a:srgbClr val="FFFFFF"/>
                   </a:solidFill>
                 </a:uFill>
                 <a:latin typeface="Arial"/>
               </a:rPr>
               <a:t>Click to edit the notes format</a:t>
             </a:r>
-            <a:endParaRPr b="0" lang="en-US" sz="2000" spc="-1" strike="noStrike">
-              <a:solidFill>
-                <a:srgbClr val="000000"/>
-              </a:solidFill>
-              <a:uFill>
-                <a:solidFill>
-                  <a:srgbClr val="ffffff"/>
-                </a:solidFill>
-              </a:uFill>
-              <a:latin typeface="Arial"/>
-            </a:endParaRPr>
           </a:p>
         </p:txBody>
       </p:sp>
@@ -103,33 +195,23 @@
           </a:prstGeom>
         </p:spPr>
         <p:txBody>
-          <a:bodyPr lIns="0" rIns="0" tIns="0" bIns="0"/>
+          <a:bodyPr lIns="0" tIns="0" rIns="0" bIns="0"/>
+          <a:lstStyle/>
           <a:p>
             <a:r>
-              <a:rPr b="0" lang="en-US" sz="1400" spc="-1" strike="noStrike">
+              <a:rPr lang="en-US" sz="1400" b="0" strike="noStrike" spc="-1">
                 <a:solidFill>
                   <a:srgbClr val="000000"/>
                 </a:solidFill>
                 <a:uFill>
                   <a:solidFill>
-                    <a:srgbClr val="ffffff"/>
+                    <a:srgbClr val="FFFFFF"/>
                   </a:solidFill>
                 </a:uFill>
                 <a:latin typeface="Times New Roman"/>
               </a:rPr>
               <a:t> </a:t>
             </a:r>
-            <a:endParaRPr b="0" lang="en-US" sz="1400" spc="-1" strike="noStrike">
-              <a:solidFill>
-                <a:srgbClr val="000000"/>
-              </a:solidFill>
-              <a:uFill>
-                <a:solidFill>
-                  <a:srgbClr val="ffffff"/>
-                </a:solidFill>
-              </a:uFill>
-              <a:latin typeface="Times New Roman"/>
-            </a:endParaRPr>
           </a:p>
         </p:txBody>
       </p:sp>
@@ -153,34 +235,24 @@
           </a:prstGeom>
         </p:spPr>
         <p:txBody>
-          <a:bodyPr lIns="0" rIns="0" tIns="0" bIns="0"/>
+          <a:bodyPr lIns="0" tIns="0" rIns="0" bIns="0"/>
+          <a:lstStyle/>
           <a:p>
             <a:pPr algn="r"/>
             <a:r>
-              <a:rPr b="0" lang="en-US" sz="1400" spc="-1" strike="noStrike">
+              <a:rPr lang="en-US" sz="1400" b="0" strike="noStrike" spc="-1">
                 <a:solidFill>
                   <a:srgbClr val="000000"/>
                 </a:solidFill>
                 <a:uFill>
                   <a:solidFill>
-                    <a:srgbClr val="ffffff"/>
+                    <a:srgbClr val="FFFFFF"/>
                   </a:solidFill>
                 </a:uFill>
                 <a:latin typeface="Times New Roman"/>
               </a:rPr>
               <a:t> </a:t>
             </a:r>
-            <a:endParaRPr b="0" lang="en-US" sz="1400" spc="-1" strike="noStrike">
-              <a:solidFill>
-                <a:srgbClr val="000000"/>
-              </a:solidFill>
-              <a:uFill>
-                <a:solidFill>
-                  <a:srgbClr val="ffffff"/>
-                </a:solidFill>
-              </a:uFill>
-              <a:latin typeface="Times New Roman"/>
-            </a:endParaRPr>
           </a:p>
         </p:txBody>
       </p:sp>
@@ -204,33 +276,23 @@
           </a:prstGeom>
         </p:spPr>
         <p:txBody>
-          <a:bodyPr lIns="0" rIns="0" tIns="0" bIns="0" anchor="b"/>
+          <a:bodyPr lIns="0" tIns="0" rIns="0" bIns="0" anchor="b"/>
+          <a:lstStyle/>
           <a:p>
             <a:r>
-              <a:rPr b="0" lang="en-US" sz="1400" spc="-1" strike="noStrike">
+              <a:rPr lang="en-US" sz="1400" b="0" strike="noStrike" spc="-1">
                 <a:solidFill>
                   <a:srgbClr val="000000"/>
                 </a:solidFill>
                 <a:uFill>
                   <a:solidFill>
-                    <a:srgbClr val="ffffff"/>
+                    <a:srgbClr val="FFFFFF"/>
                   </a:solidFill>
                 </a:uFill>
                 <a:latin typeface="Times New Roman"/>
               </a:rPr>
               <a:t> </a:t>
             </a:r>
-            <a:endParaRPr b="0" lang="en-US" sz="1400" spc="-1" strike="noStrike">
-              <a:solidFill>
-                <a:srgbClr val="000000"/>
-              </a:solidFill>
-              <a:uFill>
-                <a:solidFill>
-                  <a:srgbClr val="ffffff"/>
-                </a:solidFill>
-              </a:uFill>
-              <a:latin typeface="Times New Roman"/>
-            </a:endParaRPr>
           </a:p>
         </p:txBody>
       </p:sp>
@@ -254,30 +316,31 @@
           </a:prstGeom>
         </p:spPr>
         <p:txBody>
-          <a:bodyPr lIns="0" rIns="0" tIns="0" bIns="0" anchor="b"/>
+          <a:bodyPr lIns="0" tIns="0" rIns="0" bIns="0" anchor="b"/>
+          <a:lstStyle/>
           <a:p>
             <a:pPr algn="r"/>
             <a:fld id="{BB4FFE98-D02F-49A5-B368-CCBC3816EF6A}" type="slidenum">
-              <a:rPr b="0" lang="en-US" sz="1400" spc="-1" strike="noStrike">
+              <a:rPr lang="en-US" sz="1400" b="0" strike="noStrike" spc="-1">
                 <a:solidFill>
                   <a:srgbClr val="000000"/>
                 </a:solidFill>
                 <a:uFill>
                   <a:solidFill>
-                    <a:srgbClr val="ffffff"/>
+                    <a:srgbClr val="FFFFFF"/>
                   </a:solidFill>
                 </a:uFill>
                 <a:latin typeface="Times New Roman"/>
               </a:rPr>
-              <a:t>1</a:t>
+              <a:t>‹#›</a:t>
             </a:fld>
-            <a:endParaRPr b="0" lang="en-US" sz="1400" spc="-1" strike="noStrike">
+            <a:endParaRPr lang="en-US" sz="1400" b="0" strike="noStrike" spc="-1">
               <a:solidFill>
                 <a:srgbClr val="000000"/>
               </a:solidFill>
               <a:uFill>
                 <a:solidFill>
-                  <a:srgbClr val="ffffff"/>
+                  <a:srgbClr val="FFFFFF"/>
                 </a:solidFill>
               </a:uFill>
               <a:latin typeface="Times New Roman"/>
@@ -287,12 +350,104 @@
       </p:sp>
     </p:spTree>
   </p:cSld>
-  <p:clrMap bg1="lt1" bg2="lt2" tx1="dk1" tx2="dk2" accent1="accent1" accent2="accent2" accent3="accent3" accent4="accent4" accent5="accent5" accent6="accent6" hlink="hlink" folHlink="folHlink"/>
+  <p:clrMap bg1="lt1" tx1="dk1" bg2="lt2" tx2="dk2" accent1="accent1" accent2="accent2" accent3="accent3" accent4="accent4" accent5="accent5" accent6="accent6" hlink="hlink" folHlink="folHlink"/>
+  <p:notesStyle>
+    <a:lvl1pPr marL="0" algn="l" defTabSz="914400" rtl="0" eaLnBrk="1" latinLnBrk="0" hangingPunct="1">
+      <a:defRPr sz="1200" kern="1200">
+        <a:solidFill>
+          <a:schemeClr val="tx1"/>
+        </a:solidFill>
+        <a:latin typeface="+mn-lt"/>
+        <a:ea typeface="+mn-ea"/>
+        <a:cs typeface="+mn-cs"/>
+      </a:defRPr>
+    </a:lvl1pPr>
+    <a:lvl2pPr marL="457200" algn="l" defTabSz="914400" rtl="0" eaLnBrk="1" latinLnBrk="0" hangingPunct="1">
+      <a:defRPr sz="1200" kern="1200">
+        <a:solidFill>
+          <a:schemeClr val="tx1"/>
+        </a:solidFill>
+        <a:latin typeface="+mn-lt"/>
+        <a:ea typeface="+mn-ea"/>
+        <a:cs typeface="+mn-cs"/>
+      </a:defRPr>
+    </a:lvl2pPr>
+    <a:lvl3pPr marL="914400" algn="l" defTabSz="914400" rtl="0" eaLnBrk="1" latinLnBrk="0" hangingPunct="1">
+      <a:defRPr sz="1200" kern="1200">
+        <a:solidFill>
+          <a:schemeClr val="tx1"/>
+        </a:solidFill>
+        <a:latin typeface="+mn-lt"/>
+        <a:ea typeface="+mn-ea"/>
+        <a:cs typeface="+mn-cs"/>
+      </a:defRPr>
+    </a:lvl3pPr>
+    <a:lvl4pPr marL="1371600" algn="l" defTabSz="914400" rtl="0" eaLnBrk="1" latinLnBrk="0" hangingPunct="1">
+      <a:defRPr sz="1200" kern="1200">
+        <a:solidFill>
+          <a:schemeClr val="tx1"/>
+        </a:solidFill>
+        <a:latin typeface="+mn-lt"/>
+        <a:ea typeface="+mn-ea"/>
+        <a:cs typeface="+mn-cs"/>
+      </a:defRPr>
+    </a:lvl4pPr>
+    <a:lvl5pPr marL="1828800" algn="l" defTabSz="914400" rtl="0" eaLnBrk="1" latinLnBrk="0" hangingPunct="1">
+      <a:defRPr sz="1200" kern="1200">
+        <a:solidFill>
+          <a:schemeClr val="tx1"/>
+        </a:solidFill>
+        <a:latin typeface="+mn-lt"/>
+        <a:ea typeface="+mn-ea"/>
+        <a:cs typeface="+mn-cs"/>
+      </a:defRPr>
+    </a:lvl5pPr>
+    <a:lvl6pPr marL="2286000" algn="l" defTabSz="914400" rtl="0" eaLnBrk="1" latinLnBrk="0" hangingPunct="1">
+      <a:defRPr sz="1200" kern="1200">
+        <a:solidFill>
+          <a:schemeClr val="tx1"/>
+        </a:solidFill>
+        <a:latin typeface="+mn-lt"/>
+        <a:ea typeface="+mn-ea"/>
+        <a:cs typeface="+mn-cs"/>
+      </a:defRPr>
+    </a:lvl6pPr>
+    <a:lvl7pPr marL="2743200" algn="l" defTabSz="914400" rtl="0" eaLnBrk="1" latinLnBrk="0" hangingPunct="1">
+      <a:defRPr sz="1200" kern="1200">
+        <a:solidFill>
+          <a:schemeClr val="tx1"/>
+        </a:solidFill>
+        <a:latin typeface="+mn-lt"/>
+        <a:ea typeface="+mn-ea"/>
+        <a:cs typeface="+mn-cs"/>
+      </a:defRPr>
+    </a:lvl7pPr>
+    <a:lvl8pPr marL="3200400" algn="l" defTabSz="914400" rtl="0" eaLnBrk="1" latinLnBrk="0" hangingPunct="1">
+      <a:defRPr sz="1200" kern="1200">
+        <a:solidFill>
+          <a:schemeClr val="tx1"/>
+        </a:solidFill>
+        <a:latin typeface="+mn-lt"/>
+        <a:ea typeface="+mn-ea"/>
+        <a:cs typeface="+mn-cs"/>
+      </a:defRPr>
+    </a:lvl8pPr>
+    <a:lvl9pPr marL="3657600" algn="l" defTabSz="914400" rtl="0" eaLnBrk="1" latinLnBrk="0" hangingPunct="1">
+      <a:defRPr sz="1200" kern="1200">
+        <a:solidFill>
+          <a:schemeClr val="tx1"/>
+        </a:solidFill>
+        <a:latin typeface="+mn-lt"/>
+        <a:ea typeface="+mn-ea"/>
+        <a:cs typeface="+mn-cs"/>
+      </a:defRPr>
+    </a:lvl9pPr>
+  </p:notesStyle>
 </p:notesMaster>
 </file>
 
 <file path=ppt/notesSlides/notesSlide1.xml><?xml version="1.0" encoding="utf-8"?>
-<p:notes xmlns:a="http://schemas.openxmlformats.org/drawingml/2006/main" xmlns:p="http://schemas.openxmlformats.org/presentationml/2006/main" xmlns:r="http://schemas.openxmlformats.org/officeDocument/2006/relationships" xmlns:p14="http://schemas.microsoft.com/office/powerpoint/2010/main" xmlns:p15="http://schemas.microsoft.com/office/powerpoint/2012/main" xmlns:mc="http://schemas.openxmlformats.org/markup-compatibility/2006">
+<p:notes xmlns:a="http://schemas.openxmlformats.org/drawingml/2006/main" xmlns:r="http://schemas.openxmlformats.org/officeDocument/2006/relationships" xmlns:p="http://schemas.openxmlformats.org/presentationml/2006/main">
   <p:cSld>
     <p:spTree>
       <p:nvGrpSpPr>
@@ -328,9 +483,10 @@
           </a:prstGeom>
         </p:spPr>
         <p:txBody>
-          <a:bodyPr lIns="0" rIns="0" tIns="0" bIns="0"/>
+          <a:bodyPr lIns="0" tIns="0" rIns="0" bIns="0"/>
+          <a:lstStyle/>
           <a:p>
-            <a:pPr lvl="1" marL="216000" indent="-216000">
+            <a:pPr marL="216000" lvl="1" indent="-216000">
               <a:buClr>
                 <a:srgbClr val="000000"/>
               </a:buClr>
@@ -339,26 +495,26 @@
               <a:buChar char=""/>
             </a:pPr>
             <a:r>
-              <a:rPr b="0" lang="en-US" sz="2000" spc="-1" strike="noStrike">
+              <a:rPr lang="en-US" sz="2000" b="0" strike="noStrike" spc="-1">
                 <a:solidFill>
                   <a:srgbClr val="000000"/>
                 </a:solidFill>
                 <a:uFill>
                   <a:solidFill>
-                    <a:srgbClr val="ffffff"/>
+                    <a:srgbClr val="FFFFFF"/>
                   </a:solidFill>
                 </a:uFill>
                 <a:latin typeface="Arial"/>
               </a:rPr>
               <a:t>DQN with experience replay</a:t>
             </a:r>
-            <a:endParaRPr b="0" lang="en-US" sz="2000" spc="-1" strike="noStrike">
+            <a:endParaRPr lang="en-US" sz="2000" b="0" strike="noStrike" spc="-1">
               <a:solidFill>
                 <a:srgbClr val="000000"/>
               </a:solidFill>
               <a:uFill>
                 <a:solidFill>
-                  <a:srgbClr val="ffffff"/>
+                  <a:srgbClr val="FFFFFF"/>
                 </a:solidFill>
               </a:uFill>
               <a:latin typeface="Arial"/>
@@ -366,7 +522,7 @@
             </a:endParaRPr>
           </a:p>
           <a:p>
-            <a:pPr lvl="2" marL="216000" indent="-216000">
+            <a:pPr marL="216000" lvl="2" indent="-216000">
               <a:buClr>
                 <a:srgbClr val="000000"/>
               </a:buClr>
@@ -375,26 +531,26 @@
               <a:buChar char=""/>
             </a:pPr>
             <a:r>
-              <a:rPr b="0" lang="en-US" sz="2000" spc="-1" strike="noStrike">
+              <a:rPr lang="en-US" sz="2000" b="0" strike="noStrike" spc="-1">
                 <a:solidFill>
                   <a:srgbClr val="000000"/>
                 </a:solidFill>
                 <a:uFill>
                   <a:solidFill>
-                    <a:srgbClr val="ffffff"/>
+                    <a:srgbClr val="FFFFFF"/>
                   </a:solidFill>
                 </a:uFill>
                 <a:latin typeface="Arial"/>
               </a:rPr>
               <a:t>Solves problems with high-dimensional observation spaces, it can only handle discrete and low-dimensional action space.</a:t>
             </a:r>
-            <a:endParaRPr b="0" lang="en-US" sz="2000" spc="-1" strike="noStrike">
+            <a:endParaRPr lang="en-US" sz="2000" b="0" strike="noStrike" spc="-1">
               <a:solidFill>
                 <a:srgbClr val="000000"/>
               </a:solidFill>
               <a:uFill>
                 <a:solidFill>
-                  <a:srgbClr val="ffffff"/>
+                  <a:srgbClr val="FFFFFF"/>
                 </a:solidFill>
               </a:uFill>
               <a:latin typeface="Arial"/>
@@ -411,26 +567,26 @@
               <a:buChar char=""/>
             </a:pPr>
             <a:r>
-              <a:rPr b="0" lang="en-US" sz="2000" spc="-1" strike="noStrike">
+              <a:rPr lang="en-US" sz="2000" b="0" strike="noStrike" spc="-1">
                 <a:solidFill>
                   <a:srgbClr val="000000"/>
                 </a:solidFill>
                 <a:uFill>
                   <a:solidFill>
-                    <a:srgbClr val="ffffff"/>
+                    <a:srgbClr val="FFFFFF"/>
                   </a:solidFill>
                 </a:uFill>
                 <a:latin typeface="Arial"/>
               </a:rPr>
               <a:t>REINFORCE</a:t>
             </a:r>
-            <a:endParaRPr b="0" lang="en-US" sz="2000" spc="-1" strike="noStrike">
+            <a:endParaRPr lang="en-US" sz="2000" b="0" strike="noStrike" spc="-1">
               <a:solidFill>
                 <a:srgbClr val="000000"/>
               </a:solidFill>
               <a:uFill>
                 <a:solidFill>
-                  <a:srgbClr val="ffffff"/>
+                  <a:srgbClr val="FFFFFF"/>
                 </a:solidFill>
               </a:uFill>
               <a:latin typeface="Arial"/>
@@ -447,26 +603,26 @@
               <a:buChar char=""/>
             </a:pPr>
             <a:r>
-              <a:rPr b="0" lang="en-US" sz="2000" spc="-1" strike="noStrike">
+              <a:rPr lang="en-US" sz="2000" b="0" strike="noStrike" spc="-1">
                 <a:solidFill>
                   <a:srgbClr val="000000"/>
                 </a:solidFill>
                 <a:uFill>
                   <a:solidFill>
-                    <a:srgbClr val="ffffff"/>
+                    <a:srgbClr val="FFFFFF"/>
                   </a:solidFill>
                 </a:uFill>
                 <a:latin typeface="Arial"/>
               </a:rPr>
               <a:t>Actor-critic without / with experience replay</a:t>
             </a:r>
-            <a:endParaRPr b="0" lang="en-US" sz="2000" spc="-1" strike="noStrike">
+            <a:endParaRPr lang="en-US" sz="2000" b="0" strike="noStrike" spc="-1">
               <a:solidFill>
                 <a:srgbClr val="000000"/>
               </a:solidFill>
               <a:uFill>
                 <a:solidFill>
-                  <a:srgbClr val="ffffff"/>
+                  <a:srgbClr val="FFFFFF"/>
                 </a:solidFill>
               </a:uFill>
               <a:latin typeface="Arial"/>
@@ -474,7 +630,7 @@
             </a:endParaRPr>
           </a:p>
           <a:p>
-            <a:pPr lvl="1" marL="216000" indent="-216000">
+            <a:pPr marL="216000" lvl="1" indent="-216000">
               <a:buClr>
                 <a:srgbClr val="000000"/>
               </a:buClr>
@@ -483,26 +639,26 @@
               <a:buChar char=""/>
             </a:pPr>
             <a:r>
-              <a:rPr b="0" lang="en-US" sz="2000" spc="-1" strike="noStrike">
+              <a:rPr lang="en-US" sz="2000" b="0" strike="noStrike" spc="-1">
                 <a:solidFill>
                   <a:srgbClr val="000000"/>
                 </a:solidFill>
                 <a:uFill>
                   <a:solidFill>
-                    <a:srgbClr val="ffffff"/>
+                    <a:srgbClr val="FFFFFF"/>
                   </a:solidFill>
                 </a:uFill>
                 <a:latin typeface="Arial"/>
               </a:rPr>
               <a:t>These networks compute action predictions for the current state and generate a temporal-difference (TD) error signal each time step.</a:t>
             </a:r>
-            <a:endParaRPr b="0" lang="en-US" sz="2000" spc="-1" strike="noStrike">
+            <a:endParaRPr lang="en-US" sz="2000" b="0" strike="noStrike" spc="-1">
               <a:solidFill>
                 <a:srgbClr val="000000"/>
               </a:solidFill>
               <a:uFill>
                 <a:solidFill>
-                  <a:srgbClr val="ffffff"/>
+                  <a:srgbClr val="FFFFFF"/>
                 </a:solidFill>
               </a:uFill>
               <a:latin typeface="Arial"/>
@@ -519,26 +675,26 @@
               <a:buChar char=""/>
             </a:pPr>
             <a:r>
-              <a:rPr b="0" lang="en-US" sz="2000" spc="-1" strike="noStrike">
+              <a:rPr lang="en-US" sz="2000" b="0" strike="noStrike" spc="-1">
                 <a:solidFill>
                   <a:srgbClr val="000000"/>
                 </a:solidFill>
                 <a:uFill>
                   <a:solidFill>
-                    <a:srgbClr val="ffffff"/>
+                    <a:srgbClr val="FFFFFF"/>
                   </a:solidFill>
                 </a:uFill>
                 <a:latin typeface="Arial"/>
               </a:rPr>
               <a:t>Deep Deterministic Policy Gradient</a:t>
             </a:r>
-            <a:endParaRPr b="0" lang="en-US" sz="2000" spc="-1" strike="noStrike">
+            <a:endParaRPr lang="en-US" sz="2000" b="0" strike="noStrike" spc="-1">
               <a:solidFill>
                 <a:srgbClr val="000000"/>
               </a:solidFill>
               <a:uFill>
                 <a:solidFill>
-                  <a:srgbClr val="ffffff"/>
+                  <a:srgbClr val="FFFFFF"/>
                 </a:solidFill>
               </a:uFill>
               <a:latin typeface="Arial"/>
@@ -546,7 +702,7 @@
             </a:endParaRPr>
           </a:p>
           <a:p>
-            <a:pPr lvl="1" marL="216000" indent="-216000">
+            <a:pPr marL="216000" lvl="1" indent="-216000">
               <a:buClr>
                 <a:srgbClr val="000000"/>
               </a:buClr>
@@ -555,26 +711,26 @@
               <a:buChar char=""/>
             </a:pPr>
             <a:r>
-              <a:rPr b="0" lang="en-US" sz="2000" spc="-1" strike="noStrike">
+              <a:rPr lang="en-US" sz="2000" b="0" strike="noStrike" spc="-1">
                 <a:solidFill>
                   <a:srgbClr val="000000"/>
                 </a:solidFill>
                 <a:uFill>
                   <a:solidFill>
-                    <a:srgbClr val="ffffff"/>
+                    <a:srgbClr val="FFFFFF"/>
                   </a:solidFill>
                 </a:uFill>
                 <a:latin typeface="Arial"/>
               </a:rPr>
               <a:t>Continuos action space</a:t>
             </a:r>
-            <a:endParaRPr b="0" lang="en-US" sz="2000" spc="-1" strike="noStrike">
+            <a:endParaRPr lang="en-US" sz="2000" b="0" strike="noStrike" spc="-1">
               <a:solidFill>
                 <a:srgbClr val="000000"/>
               </a:solidFill>
               <a:uFill>
                 <a:solidFill>
-                  <a:srgbClr val="ffffff"/>
+                  <a:srgbClr val="FFFFFF"/>
                 </a:solidFill>
               </a:uFill>
               <a:latin typeface="Arial"/>
@@ -582,7 +738,7 @@
             </a:endParaRPr>
           </a:p>
           <a:p>
-            <a:pPr lvl="1" marL="216000" indent="-216000">
+            <a:pPr marL="216000" lvl="1" indent="-216000">
               <a:buClr>
                 <a:srgbClr val="000000"/>
               </a:buClr>
@@ -591,26 +747,26 @@
               <a:buChar char=""/>
             </a:pPr>
             <a:r>
-              <a:rPr b="0" lang="en-US" sz="2000" spc="-1" strike="noStrike">
+              <a:rPr lang="en-US" sz="2000" b="0" strike="noStrike" spc="-1">
                 <a:solidFill>
                   <a:srgbClr val="000000"/>
                 </a:solidFill>
                 <a:uFill>
                   <a:solidFill>
-                    <a:srgbClr val="ffffff"/>
+                    <a:srgbClr val="FFFFFF"/>
                   </a:solidFill>
                 </a:uFill>
                 <a:latin typeface="Arial"/>
               </a:rPr>
               <a:t>Gradient based method</a:t>
             </a:r>
-            <a:endParaRPr b="0" lang="en-US" sz="2000" spc="-1" strike="noStrike">
+            <a:endParaRPr lang="en-US" sz="2000" b="0" strike="noStrike" spc="-1">
               <a:solidFill>
                 <a:srgbClr val="000000"/>
               </a:solidFill>
               <a:uFill>
                 <a:solidFill>
-                  <a:srgbClr val="ffffff"/>
+                  <a:srgbClr val="FFFFFF"/>
                 </a:solidFill>
               </a:uFill>
               <a:latin typeface="Arial"/>
@@ -618,7 +774,7 @@
             </a:endParaRPr>
           </a:p>
           <a:p>
-            <a:pPr lvl="1" marL="216000" indent="-216000">
+            <a:pPr marL="216000" lvl="1" indent="-216000">
               <a:buClr>
                 <a:srgbClr val="000000"/>
               </a:buClr>
@@ -627,26 +783,26 @@
               <a:buChar char=""/>
             </a:pPr>
             <a:r>
-              <a:rPr b="0" lang="en-US" sz="2000" spc="-1" strike="noStrike">
+              <a:rPr lang="en-US" sz="2000" b="0" strike="noStrike" spc="-1">
                 <a:solidFill>
                   <a:srgbClr val="000000"/>
                 </a:solidFill>
                 <a:uFill>
                   <a:solidFill>
-                    <a:srgbClr val="ffffff"/>
+                    <a:srgbClr val="FFFFFF"/>
                   </a:solidFill>
                 </a:uFill>
                 <a:latin typeface="Arial"/>
               </a:rPr>
               <a:t>Action noise</a:t>
             </a:r>
-            <a:endParaRPr b="0" lang="en-US" sz="2000" spc="-1" strike="noStrike">
+            <a:endParaRPr lang="en-US" sz="2000" b="0" strike="noStrike" spc="-1">
               <a:solidFill>
                 <a:srgbClr val="000000"/>
               </a:solidFill>
               <a:uFill>
                 <a:solidFill>
-                  <a:srgbClr val="ffffff"/>
+                  <a:srgbClr val="FFFFFF"/>
                 </a:solidFill>
               </a:uFill>
               <a:latin typeface="Arial"/>
@@ -657,11 +813,14 @@
       </p:sp>
     </p:spTree>
   </p:cSld>
+  <p:clrMapOvr>
+    <a:masterClrMapping/>
+  </p:clrMapOvr>
 </p:notes>
 </file>
 
 <file path=ppt/slideLayouts/slideLayout1.xml><?xml version="1.0" encoding="utf-8"?>
-<p:sldLayout xmlns:a="http://schemas.openxmlformats.org/drawingml/2006/main" xmlns:p="http://schemas.openxmlformats.org/presentationml/2006/main" xmlns:r="http://schemas.openxmlformats.org/officeDocument/2006/relationships" xmlns:p14="http://schemas.microsoft.com/office/powerpoint/2010/main" xmlns:p15="http://schemas.microsoft.com/office/powerpoint/2012/main" xmlns:mc="http://schemas.openxmlformats.org/markup-compatibility/2006" type="blank" preserve="1">
+<p:sldLayout xmlns:a="http://schemas.openxmlformats.org/drawingml/2006/main" xmlns:r="http://schemas.openxmlformats.org/officeDocument/2006/relationships" xmlns:p="http://schemas.openxmlformats.org/presentationml/2006/main" type="blank" preserve="1">
   <p:cSld name="Blank Slide">
     <p:spTree>
       <p:nvGrpSpPr>
@@ -679,11 +838,14 @@
       </p:grpSpPr>
     </p:spTree>
   </p:cSld>
+  <p:clrMapOvr>
+    <a:masterClrMapping/>
+  </p:clrMapOvr>
 </p:sldLayout>
 </file>
 
 <file path=ppt/slideLayouts/slideLayout10.xml><?xml version="1.0" encoding="utf-8"?>
-<p:sldLayout xmlns:a="http://schemas.openxmlformats.org/drawingml/2006/main" xmlns:p="http://schemas.openxmlformats.org/presentationml/2006/main" xmlns:r="http://schemas.openxmlformats.org/officeDocument/2006/relationships" xmlns:p14="http://schemas.microsoft.com/office/powerpoint/2010/main" xmlns:p15="http://schemas.microsoft.com/office/powerpoint/2012/main" xmlns:mc="http://schemas.openxmlformats.org/markup-compatibility/2006" type="objOverTx" preserve="1">
+<p:sldLayout xmlns:a="http://schemas.openxmlformats.org/drawingml/2006/main" xmlns:r="http://schemas.openxmlformats.org/officeDocument/2006/relationships" xmlns:p="http://schemas.openxmlformats.org/presentationml/2006/main" type="objOverTx" preserve="1">
   <p:cSld name="Title, Content over Content">
     <p:spTree>
       <p:nvGrpSpPr>
@@ -719,16 +881,17 @@
           </a:prstGeom>
         </p:spPr>
         <p:txBody>
-          <a:bodyPr lIns="0" rIns="0" tIns="0" bIns="0" anchor="ctr"/>
+          <a:bodyPr lIns="0" tIns="0" rIns="0" bIns="0" anchor="ctr"/>
+          <a:lstStyle/>
           <a:p>
             <a:pPr algn="ctr"/>
-            <a:endParaRPr b="0" lang="en-US" sz="4400" spc="-1" strike="noStrike">
+            <a:endParaRPr lang="en-US" sz="4400" b="0" strike="noStrike" spc="-1">
               <a:solidFill>
                 <a:srgbClr val="000000"/>
               </a:solidFill>
               <a:uFill>
                 <a:solidFill>
-                  <a:srgbClr val="ffffff"/>
+                  <a:srgbClr val="FFFFFF"/>
                 </a:solidFill>
               </a:uFill>
               <a:latin typeface="Arial"/>
@@ -756,15 +919,16 @@
           </a:prstGeom>
         </p:spPr>
         <p:txBody>
-          <a:bodyPr lIns="0" rIns="0" tIns="0" bIns="0"/>
+          <a:bodyPr lIns="0" tIns="0" rIns="0" bIns="0"/>
+          <a:lstStyle/>
           <a:p>
-            <a:endParaRPr b="0" lang="en-US" sz="3200" spc="-1" strike="noStrike">
+            <a:endParaRPr lang="en-US" sz="3200" b="0" strike="noStrike" spc="-1">
               <a:solidFill>
                 <a:srgbClr val="000000"/>
               </a:solidFill>
               <a:uFill>
                 <a:solidFill>
-                  <a:srgbClr val="ffffff"/>
+                  <a:srgbClr val="FFFFFF"/>
                 </a:solidFill>
               </a:uFill>
               <a:latin typeface="Arial"/>
@@ -792,15 +956,16 @@
           </a:prstGeom>
         </p:spPr>
         <p:txBody>
-          <a:bodyPr lIns="0" rIns="0" tIns="0" bIns="0"/>
+          <a:bodyPr lIns="0" tIns="0" rIns="0" bIns="0"/>
+          <a:lstStyle/>
           <a:p>
-            <a:endParaRPr b="0" lang="en-US" sz="3200" spc="-1" strike="noStrike">
+            <a:endParaRPr lang="en-US" sz="3200" b="0" strike="noStrike" spc="-1">
               <a:solidFill>
                 <a:srgbClr val="000000"/>
               </a:solidFill>
               <a:uFill>
                 <a:solidFill>
-                  <a:srgbClr val="ffffff"/>
+                  <a:srgbClr val="FFFFFF"/>
                 </a:solidFill>
               </a:uFill>
               <a:latin typeface="Arial"/>
@@ -810,11 +975,14 @@
       </p:sp>
     </p:spTree>
   </p:cSld>
+  <p:clrMapOvr>
+    <a:masterClrMapping/>
+  </p:clrMapOvr>
 </p:sldLayout>
 </file>
 
 <file path=ppt/slideLayouts/slideLayout11.xml><?xml version="1.0" encoding="utf-8"?>
-<p:sldLayout xmlns:a="http://schemas.openxmlformats.org/drawingml/2006/main" xmlns:p="http://schemas.openxmlformats.org/presentationml/2006/main" xmlns:r="http://schemas.openxmlformats.org/officeDocument/2006/relationships" xmlns:p14="http://schemas.microsoft.com/office/powerpoint/2010/main" xmlns:p15="http://schemas.microsoft.com/office/powerpoint/2012/main" xmlns:mc="http://schemas.openxmlformats.org/markup-compatibility/2006" type="fourObj" preserve="1">
+<p:sldLayout xmlns:a="http://schemas.openxmlformats.org/drawingml/2006/main" xmlns:r="http://schemas.openxmlformats.org/officeDocument/2006/relationships" xmlns:p="http://schemas.openxmlformats.org/presentationml/2006/main" type="fourObj" preserve="1">
   <p:cSld name="Title, 4 Content">
     <p:spTree>
       <p:nvGrpSpPr>
@@ -850,16 +1018,17 @@
           </a:prstGeom>
         </p:spPr>
         <p:txBody>
-          <a:bodyPr lIns="0" rIns="0" tIns="0" bIns="0" anchor="ctr"/>
+          <a:bodyPr lIns="0" tIns="0" rIns="0" bIns="0" anchor="ctr"/>
+          <a:lstStyle/>
           <a:p>
             <a:pPr algn="ctr"/>
-            <a:endParaRPr b="0" lang="en-US" sz="4400" spc="-1" strike="noStrike">
+            <a:endParaRPr lang="en-US" sz="4400" b="0" strike="noStrike" spc="-1">
               <a:solidFill>
                 <a:srgbClr val="000000"/>
               </a:solidFill>
               <a:uFill>
                 <a:solidFill>
-                  <a:srgbClr val="ffffff"/>
+                  <a:srgbClr val="FFFFFF"/>
                 </a:solidFill>
               </a:uFill>
               <a:latin typeface="Arial"/>
@@ -887,15 +1056,16 @@
           </a:prstGeom>
         </p:spPr>
         <p:txBody>
-          <a:bodyPr lIns="0" rIns="0" tIns="0" bIns="0"/>
+          <a:bodyPr lIns="0" tIns="0" rIns="0" bIns="0"/>
+          <a:lstStyle/>
           <a:p>
-            <a:endParaRPr b="0" lang="en-US" sz="3200" spc="-1" strike="noStrike">
+            <a:endParaRPr lang="en-US" sz="3200" b="0" strike="noStrike" spc="-1">
               <a:solidFill>
                 <a:srgbClr val="000000"/>
               </a:solidFill>
               <a:uFill>
                 <a:solidFill>
-                  <a:srgbClr val="ffffff"/>
+                  <a:srgbClr val="FFFFFF"/>
                 </a:solidFill>
               </a:uFill>
               <a:latin typeface="Arial"/>
@@ -923,15 +1093,16 @@
           </a:prstGeom>
         </p:spPr>
         <p:txBody>
-          <a:bodyPr lIns="0" rIns="0" tIns="0" bIns="0"/>
+          <a:bodyPr lIns="0" tIns="0" rIns="0" bIns="0"/>
+          <a:lstStyle/>
           <a:p>
-            <a:endParaRPr b="0" lang="en-US" sz="3200" spc="-1" strike="noStrike">
+            <a:endParaRPr lang="en-US" sz="3200" b="0" strike="noStrike" spc="-1">
               <a:solidFill>
                 <a:srgbClr val="000000"/>
               </a:solidFill>
               <a:uFill>
                 <a:solidFill>
-                  <a:srgbClr val="ffffff"/>
+                  <a:srgbClr val="FFFFFF"/>
                 </a:solidFill>
               </a:uFill>
               <a:latin typeface="Arial"/>
@@ -959,15 +1130,16 @@
           </a:prstGeom>
         </p:spPr>
         <p:txBody>
-          <a:bodyPr lIns="0" rIns="0" tIns="0" bIns="0"/>
+          <a:bodyPr lIns="0" tIns="0" rIns="0" bIns="0"/>
+          <a:lstStyle/>
           <a:p>
-            <a:endParaRPr b="0" lang="en-US" sz="3200" spc="-1" strike="noStrike">
+            <a:endParaRPr lang="en-US" sz="3200" b="0" strike="noStrike" spc="-1">
               <a:solidFill>
                 <a:srgbClr val="000000"/>
               </a:solidFill>
               <a:uFill>
                 <a:solidFill>
-                  <a:srgbClr val="ffffff"/>
+                  <a:srgbClr val="FFFFFF"/>
                 </a:solidFill>
               </a:uFill>
               <a:latin typeface="Arial"/>
@@ -995,15 +1167,16 @@
           </a:prstGeom>
         </p:spPr>
         <p:txBody>
-          <a:bodyPr lIns="0" rIns="0" tIns="0" bIns="0"/>
+          <a:bodyPr lIns="0" tIns="0" rIns="0" bIns="0"/>
+          <a:lstStyle/>
           <a:p>
-            <a:endParaRPr b="0" lang="en-US" sz="3200" spc="-1" strike="noStrike">
+            <a:endParaRPr lang="en-US" sz="3200" b="0" strike="noStrike" spc="-1">
               <a:solidFill>
                 <a:srgbClr val="000000"/>
               </a:solidFill>
               <a:uFill>
                 <a:solidFill>
-                  <a:srgbClr val="ffffff"/>
+                  <a:srgbClr val="FFFFFF"/>
                 </a:solidFill>
               </a:uFill>
               <a:latin typeface="Arial"/>
@@ -1013,11 +1186,14 @@
       </p:sp>
     </p:spTree>
   </p:cSld>
+  <p:clrMapOvr>
+    <a:masterClrMapping/>
+  </p:clrMapOvr>
 </p:sldLayout>
 </file>
 
 <file path=ppt/slideLayouts/slideLayout12.xml><?xml version="1.0" encoding="utf-8"?>
-<p:sldLayout xmlns:a="http://schemas.openxmlformats.org/drawingml/2006/main" xmlns:p="http://schemas.openxmlformats.org/presentationml/2006/main" xmlns:r="http://schemas.openxmlformats.org/officeDocument/2006/relationships" xmlns:p14="http://schemas.microsoft.com/office/powerpoint/2010/main" xmlns:p15="http://schemas.microsoft.com/office/powerpoint/2012/main" xmlns:mc="http://schemas.openxmlformats.org/markup-compatibility/2006" type="blank" preserve="1">
+<p:sldLayout xmlns:a="http://schemas.openxmlformats.org/drawingml/2006/main" xmlns:r="http://schemas.openxmlformats.org/officeDocument/2006/relationships" xmlns:p="http://schemas.openxmlformats.org/presentationml/2006/main" type="blank" preserve="1">
   <p:cSld name="Title, 6 Content">
     <p:spTree>
       <p:nvGrpSpPr>
@@ -1053,16 +1229,17 @@
           </a:prstGeom>
         </p:spPr>
         <p:txBody>
-          <a:bodyPr lIns="0" rIns="0" tIns="0" bIns="0" anchor="ctr"/>
+          <a:bodyPr lIns="0" tIns="0" rIns="0" bIns="0" anchor="ctr"/>
+          <a:lstStyle/>
           <a:p>
             <a:pPr algn="ctr"/>
-            <a:endParaRPr b="0" lang="en-US" sz="4400" spc="-1" strike="noStrike">
+            <a:endParaRPr lang="en-US" sz="4400" b="0" strike="noStrike" spc="-1">
               <a:solidFill>
                 <a:srgbClr val="000000"/>
               </a:solidFill>
               <a:uFill>
                 <a:solidFill>
-                  <a:srgbClr val="ffffff"/>
+                  <a:srgbClr val="FFFFFF"/>
                 </a:solidFill>
               </a:uFill>
               <a:latin typeface="Arial"/>
@@ -1090,15 +1267,16 @@
           </a:prstGeom>
         </p:spPr>
         <p:txBody>
-          <a:bodyPr lIns="0" rIns="0" tIns="0" bIns="0"/>
+          <a:bodyPr lIns="0" tIns="0" rIns="0" bIns="0"/>
+          <a:lstStyle/>
           <a:p>
-            <a:endParaRPr b="0" lang="en-US" sz="3200" spc="-1" strike="noStrike">
+            <a:endParaRPr lang="en-US" sz="3200" b="0" strike="noStrike" spc="-1">
               <a:solidFill>
                 <a:srgbClr val="000000"/>
               </a:solidFill>
               <a:uFill>
                 <a:solidFill>
-                  <a:srgbClr val="ffffff"/>
+                  <a:srgbClr val="FFFFFF"/>
                 </a:solidFill>
               </a:uFill>
               <a:latin typeface="Arial"/>
@@ -1126,15 +1304,16 @@
           </a:prstGeom>
         </p:spPr>
         <p:txBody>
-          <a:bodyPr lIns="0" rIns="0" tIns="0" bIns="0"/>
+          <a:bodyPr lIns="0" tIns="0" rIns="0" bIns="0"/>
+          <a:lstStyle/>
           <a:p>
-            <a:endParaRPr b="0" lang="en-US" sz="3200" spc="-1" strike="noStrike">
+            <a:endParaRPr lang="en-US" sz="3200" b="0" strike="noStrike" spc="-1">
               <a:solidFill>
                 <a:srgbClr val="000000"/>
               </a:solidFill>
               <a:uFill>
                 <a:solidFill>
-                  <a:srgbClr val="ffffff"/>
+                  <a:srgbClr val="FFFFFF"/>
                 </a:solidFill>
               </a:uFill>
               <a:latin typeface="Arial"/>
@@ -1144,7 +1323,7 @@
       </p:sp>
       <p:pic>
         <p:nvPicPr>
-          <p:cNvPr id="37" name="" descr=""/>
+          <p:cNvPr id="37" name="Picture 36"/>
           <p:cNvPicPr/>
           <p:nvPr/>
         </p:nvPicPr>
@@ -1167,12 +1346,12 @@
       </p:pic>
       <p:pic>
         <p:nvPicPr>
-          <p:cNvPr id="38" name="" descr=""/>
+          <p:cNvPr id="38" name="Picture 37"/>
           <p:cNvPicPr/>
           <p:nvPr/>
         </p:nvPicPr>
         <p:blipFill>
-          <a:blip r:embed="rId3"/>
+          <a:blip r:embed="rId2"/>
           <a:stretch/>
         </p:blipFill>
         <p:spPr>
@@ -1190,11 +1369,14 @@
       </p:pic>
     </p:spTree>
   </p:cSld>
+  <p:clrMapOvr>
+    <a:masterClrMapping/>
+  </p:clrMapOvr>
 </p:sldLayout>
 </file>
 
 <file path=ppt/slideLayouts/slideLayout2.xml><?xml version="1.0" encoding="utf-8"?>
-<p:sldLayout xmlns:a="http://schemas.openxmlformats.org/drawingml/2006/main" xmlns:p="http://schemas.openxmlformats.org/presentationml/2006/main" xmlns:r="http://schemas.openxmlformats.org/officeDocument/2006/relationships" xmlns:p14="http://schemas.microsoft.com/office/powerpoint/2010/main" xmlns:p15="http://schemas.microsoft.com/office/powerpoint/2012/main" xmlns:mc="http://schemas.openxmlformats.org/markup-compatibility/2006" type="tx" preserve="1">
+<p:sldLayout xmlns:a="http://schemas.openxmlformats.org/drawingml/2006/main" xmlns:r="http://schemas.openxmlformats.org/officeDocument/2006/relationships" xmlns:p="http://schemas.openxmlformats.org/presentationml/2006/main" type="tx" preserve="1">
   <p:cSld name="Title Slide">
     <p:spTree>
       <p:nvGrpSpPr>
@@ -1230,16 +1412,17 @@
           </a:prstGeom>
         </p:spPr>
         <p:txBody>
-          <a:bodyPr lIns="0" rIns="0" tIns="0" bIns="0" anchor="ctr"/>
+          <a:bodyPr lIns="0" tIns="0" rIns="0" bIns="0" anchor="ctr"/>
+          <a:lstStyle/>
           <a:p>
             <a:pPr algn="ctr"/>
-            <a:endParaRPr b="0" lang="en-US" sz="4400" spc="-1" strike="noStrike">
+            <a:endParaRPr lang="en-US" sz="4400" b="0" strike="noStrike" spc="-1">
               <a:solidFill>
                 <a:srgbClr val="000000"/>
               </a:solidFill>
               <a:uFill>
                 <a:solidFill>
-                  <a:srgbClr val="ffffff"/>
+                  <a:srgbClr val="FFFFFF"/>
                 </a:solidFill>
               </a:uFill>
               <a:latin typeface="Arial"/>
@@ -1267,16 +1450,17 @@
           </a:prstGeom>
         </p:spPr>
         <p:txBody>
-          <a:bodyPr lIns="0" rIns="0" tIns="0" bIns="0" anchor="ctr"/>
+          <a:bodyPr lIns="0" tIns="0" rIns="0" bIns="0" anchor="ctr"/>
+          <a:lstStyle/>
           <a:p>
             <a:pPr algn="ctr"/>
-            <a:endParaRPr b="0" lang="en-US" sz="3200" spc="-1" strike="noStrike">
+            <a:endParaRPr lang="en-US" sz="3200" b="0" strike="noStrike" spc="-1">
               <a:solidFill>
                 <a:srgbClr val="000000"/>
               </a:solidFill>
               <a:uFill>
                 <a:solidFill>
-                  <a:srgbClr val="ffffff"/>
+                  <a:srgbClr val="FFFFFF"/>
                 </a:solidFill>
               </a:uFill>
               <a:latin typeface="Arial"/>
@@ -1286,11 +1470,14 @@
       </p:sp>
     </p:spTree>
   </p:cSld>
+  <p:clrMapOvr>
+    <a:masterClrMapping/>
+  </p:clrMapOvr>
 </p:sldLayout>
 </file>
 
 <file path=ppt/slideLayouts/slideLayout3.xml><?xml version="1.0" encoding="utf-8"?>
-<p:sldLayout xmlns:a="http://schemas.openxmlformats.org/drawingml/2006/main" xmlns:p="http://schemas.openxmlformats.org/presentationml/2006/main" xmlns:r="http://schemas.openxmlformats.org/officeDocument/2006/relationships" xmlns:p14="http://schemas.microsoft.com/office/powerpoint/2010/main" xmlns:p15="http://schemas.microsoft.com/office/powerpoint/2012/main" xmlns:mc="http://schemas.openxmlformats.org/markup-compatibility/2006" type="obj" preserve="1">
+<p:sldLayout xmlns:a="http://schemas.openxmlformats.org/drawingml/2006/main" xmlns:r="http://schemas.openxmlformats.org/officeDocument/2006/relationships" xmlns:p="http://schemas.openxmlformats.org/presentationml/2006/main" type="obj" preserve="1">
   <p:cSld name="Title, Content">
     <p:spTree>
       <p:nvGrpSpPr>
@@ -1326,16 +1513,17 @@
           </a:prstGeom>
         </p:spPr>
         <p:txBody>
-          <a:bodyPr lIns="0" rIns="0" tIns="0" bIns="0" anchor="ctr"/>
+          <a:bodyPr lIns="0" tIns="0" rIns="0" bIns="0" anchor="ctr"/>
+          <a:lstStyle/>
           <a:p>
             <a:pPr algn="ctr"/>
-            <a:endParaRPr b="0" lang="en-US" sz="4400" spc="-1" strike="noStrike">
+            <a:endParaRPr lang="en-US" sz="4400" b="0" strike="noStrike" spc="-1">
               <a:solidFill>
                 <a:srgbClr val="000000"/>
               </a:solidFill>
               <a:uFill>
                 <a:solidFill>
-                  <a:srgbClr val="ffffff"/>
+                  <a:srgbClr val="FFFFFF"/>
                 </a:solidFill>
               </a:uFill>
               <a:latin typeface="Arial"/>
@@ -1363,15 +1551,16 @@
           </a:prstGeom>
         </p:spPr>
         <p:txBody>
-          <a:bodyPr lIns="0" rIns="0" tIns="0" bIns="0"/>
+          <a:bodyPr lIns="0" tIns="0" rIns="0" bIns="0"/>
+          <a:lstStyle/>
           <a:p>
-            <a:endParaRPr b="0" lang="en-US" sz="3200" spc="-1" strike="noStrike">
+            <a:endParaRPr lang="en-US" sz="3200" b="0" strike="noStrike" spc="-1">
               <a:solidFill>
                 <a:srgbClr val="000000"/>
               </a:solidFill>
               <a:uFill>
                 <a:solidFill>
-                  <a:srgbClr val="ffffff"/>
+                  <a:srgbClr val="FFFFFF"/>
                 </a:solidFill>
               </a:uFill>
               <a:latin typeface="Arial"/>
@@ -1381,11 +1570,14 @@
       </p:sp>
     </p:spTree>
   </p:cSld>
+  <p:clrMapOvr>
+    <a:masterClrMapping/>
+  </p:clrMapOvr>
 </p:sldLayout>
 </file>
 
 <file path=ppt/slideLayouts/slideLayout4.xml><?xml version="1.0" encoding="utf-8"?>
-<p:sldLayout xmlns:a="http://schemas.openxmlformats.org/drawingml/2006/main" xmlns:p="http://schemas.openxmlformats.org/presentationml/2006/main" xmlns:r="http://schemas.openxmlformats.org/officeDocument/2006/relationships" xmlns:p14="http://schemas.microsoft.com/office/powerpoint/2010/main" xmlns:p15="http://schemas.microsoft.com/office/powerpoint/2012/main" xmlns:mc="http://schemas.openxmlformats.org/markup-compatibility/2006" type="twoObj" preserve="1">
+<p:sldLayout xmlns:a="http://schemas.openxmlformats.org/drawingml/2006/main" xmlns:r="http://schemas.openxmlformats.org/officeDocument/2006/relationships" xmlns:p="http://schemas.openxmlformats.org/presentationml/2006/main" type="twoObj" preserve="1">
   <p:cSld name="Title, 2 Content">
     <p:spTree>
       <p:nvGrpSpPr>
@@ -1421,16 +1613,17 @@
           </a:prstGeom>
         </p:spPr>
         <p:txBody>
-          <a:bodyPr lIns="0" rIns="0" tIns="0" bIns="0" anchor="ctr"/>
+          <a:bodyPr lIns="0" tIns="0" rIns="0" bIns="0" anchor="ctr"/>
+          <a:lstStyle/>
           <a:p>
             <a:pPr algn="ctr"/>
-            <a:endParaRPr b="0" lang="en-US" sz="4400" spc="-1" strike="noStrike">
+            <a:endParaRPr lang="en-US" sz="4400" b="0" strike="noStrike" spc="-1">
               <a:solidFill>
                 <a:srgbClr val="000000"/>
               </a:solidFill>
               <a:uFill>
                 <a:solidFill>
-                  <a:srgbClr val="ffffff"/>
+                  <a:srgbClr val="FFFFFF"/>
                 </a:solidFill>
               </a:uFill>
               <a:latin typeface="Arial"/>
@@ -1458,15 +1651,16 @@
           </a:prstGeom>
         </p:spPr>
         <p:txBody>
-          <a:bodyPr lIns="0" rIns="0" tIns="0" bIns="0"/>
+          <a:bodyPr lIns="0" tIns="0" rIns="0" bIns="0"/>
+          <a:lstStyle/>
           <a:p>
-            <a:endParaRPr b="0" lang="en-US" sz="3200" spc="-1" strike="noStrike">
+            <a:endParaRPr lang="en-US" sz="3200" b="0" strike="noStrike" spc="-1">
               <a:solidFill>
                 <a:srgbClr val="000000"/>
               </a:solidFill>
               <a:uFill>
                 <a:solidFill>
-                  <a:srgbClr val="ffffff"/>
+                  <a:srgbClr val="FFFFFF"/>
                 </a:solidFill>
               </a:uFill>
               <a:latin typeface="Arial"/>
@@ -1494,15 +1688,16 @@
           </a:prstGeom>
         </p:spPr>
         <p:txBody>
-          <a:bodyPr lIns="0" rIns="0" tIns="0" bIns="0"/>
+          <a:bodyPr lIns="0" tIns="0" rIns="0" bIns="0"/>
+          <a:lstStyle/>
           <a:p>
-            <a:endParaRPr b="0" lang="en-US" sz="3200" spc="-1" strike="noStrike">
+            <a:endParaRPr lang="en-US" sz="3200" b="0" strike="noStrike" spc="-1">
               <a:solidFill>
                 <a:srgbClr val="000000"/>
               </a:solidFill>
               <a:uFill>
                 <a:solidFill>
-                  <a:srgbClr val="ffffff"/>
+                  <a:srgbClr val="FFFFFF"/>
                 </a:solidFill>
               </a:uFill>
               <a:latin typeface="Arial"/>
@@ -1512,11 +1707,14 @@
       </p:sp>
     </p:spTree>
   </p:cSld>
+  <p:clrMapOvr>
+    <a:masterClrMapping/>
+  </p:clrMapOvr>
 </p:sldLayout>
 </file>
 
 <file path=ppt/slideLayouts/slideLayout5.xml><?xml version="1.0" encoding="utf-8"?>
-<p:sldLayout xmlns:a="http://schemas.openxmlformats.org/drawingml/2006/main" xmlns:p="http://schemas.openxmlformats.org/presentationml/2006/main" xmlns:r="http://schemas.openxmlformats.org/officeDocument/2006/relationships" xmlns:p14="http://schemas.microsoft.com/office/powerpoint/2010/main" xmlns:p15="http://schemas.microsoft.com/office/powerpoint/2012/main" xmlns:mc="http://schemas.openxmlformats.org/markup-compatibility/2006" type="titleOnly" preserve="1">
+<p:sldLayout xmlns:a="http://schemas.openxmlformats.org/drawingml/2006/main" xmlns:r="http://schemas.openxmlformats.org/officeDocument/2006/relationships" xmlns:p="http://schemas.openxmlformats.org/presentationml/2006/main" type="titleOnly" preserve="1">
   <p:cSld name="Title Only">
     <p:spTree>
       <p:nvGrpSpPr>
@@ -1552,16 +1750,17 @@
           </a:prstGeom>
         </p:spPr>
         <p:txBody>
-          <a:bodyPr lIns="0" rIns="0" tIns="0" bIns="0" anchor="ctr"/>
+          <a:bodyPr lIns="0" tIns="0" rIns="0" bIns="0" anchor="ctr"/>
+          <a:lstStyle/>
           <a:p>
             <a:pPr algn="ctr"/>
-            <a:endParaRPr b="0" lang="en-US" sz="4400" spc="-1" strike="noStrike">
+            <a:endParaRPr lang="en-US" sz="4400" b="0" strike="noStrike" spc="-1">
               <a:solidFill>
                 <a:srgbClr val="000000"/>
               </a:solidFill>
               <a:uFill>
                 <a:solidFill>
-                  <a:srgbClr val="ffffff"/>
+                  <a:srgbClr val="FFFFFF"/>
                 </a:solidFill>
               </a:uFill>
               <a:latin typeface="Arial"/>
@@ -1571,11 +1770,14 @@
       </p:sp>
     </p:spTree>
   </p:cSld>
+  <p:clrMapOvr>
+    <a:masterClrMapping/>
+  </p:clrMapOvr>
 </p:sldLayout>
 </file>
 
 <file path=ppt/slideLayouts/slideLayout6.xml><?xml version="1.0" encoding="utf-8"?>
-<p:sldLayout xmlns:a="http://schemas.openxmlformats.org/drawingml/2006/main" xmlns:p="http://schemas.openxmlformats.org/presentationml/2006/main" xmlns:r="http://schemas.openxmlformats.org/officeDocument/2006/relationships" xmlns:p14="http://schemas.microsoft.com/office/powerpoint/2010/main" xmlns:p15="http://schemas.microsoft.com/office/powerpoint/2012/main" xmlns:mc="http://schemas.openxmlformats.org/markup-compatibility/2006" type="objOnly" preserve="1">
+<p:sldLayout xmlns:a="http://schemas.openxmlformats.org/drawingml/2006/main" xmlns:r="http://schemas.openxmlformats.org/officeDocument/2006/relationships" xmlns:p="http://schemas.openxmlformats.org/presentationml/2006/main" type="objOnly" preserve="1">
   <p:cSld name="Centered Text">
     <p:spTree>
       <p:nvGrpSpPr>
@@ -1611,16 +1813,17 @@
           </a:prstGeom>
         </p:spPr>
         <p:txBody>
-          <a:bodyPr lIns="0" rIns="0" tIns="0" bIns="0" anchor="ctr"/>
+          <a:bodyPr lIns="0" tIns="0" rIns="0" bIns="0" anchor="ctr"/>
+          <a:lstStyle/>
           <a:p>
             <a:pPr algn="ctr"/>
-            <a:endParaRPr b="0" lang="en-US" sz="3200" spc="-1" strike="noStrike">
+            <a:endParaRPr lang="en-US" sz="3200" b="0" strike="noStrike" spc="-1">
               <a:solidFill>
                 <a:srgbClr val="000000"/>
               </a:solidFill>
               <a:uFill>
                 <a:solidFill>
-                  <a:srgbClr val="ffffff"/>
+                  <a:srgbClr val="FFFFFF"/>
                 </a:solidFill>
               </a:uFill>
               <a:latin typeface="Arial"/>
@@ -1630,11 +1833,14 @@
       </p:sp>
     </p:spTree>
   </p:cSld>
+  <p:clrMapOvr>
+    <a:masterClrMapping/>
+  </p:clrMapOvr>
 </p:sldLayout>
 </file>
 
 <file path=ppt/slideLayouts/slideLayout7.xml><?xml version="1.0" encoding="utf-8"?>
-<p:sldLayout xmlns:a="http://schemas.openxmlformats.org/drawingml/2006/main" xmlns:p="http://schemas.openxmlformats.org/presentationml/2006/main" xmlns:r="http://schemas.openxmlformats.org/officeDocument/2006/relationships" xmlns:p14="http://schemas.microsoft.com/office/powerpoint/2010/main" xmlns:p15="http://schemas.microsoft.com/office/powerpoint/2012/main" xmlns:mc="http://schemas.openxmlformats.org/markup-compatibility/2006" type="twoObjAndObj" preserve="1">
+<p:sldLayout xmlns:a="http://schemas.openxmlformats.org/drawingml/2006/main" xmlns:r="http://schemas.openxmlformats.org/officeDocument/2006/relationships" xmlns:p="http://schemas.openxmlformats.org/presentationml/2006/main" type="twoObjAndObj" preserve="1">
   <p:cSld name="Title, 2 Content and Content">
     <p:spTree>
       <p:nvGrpSpPr>
@@ -1670,16 +1876,17 @@
           </a:prstGeom>
         </p:spPr>
         <p:txBody>
-          <a:bodyPr lIns="0" rIns="0" tIns="0" bIns="0" anchor="ctr"/>
+          <a:bodyPr lIns="0" tIns="0" rIns="0" bIns="0" anchor="ctr"/>
+          <a:lstStyle/>
           <a:p>
             <a:pPr algn="ctr"/>
-            <a:endParaRPr b="0" lang="en-US" sz="4400" spc="-1" strike="noStrike">
+            <a:endParaRPr lang="en-US" sz="4400" b="0" strike="noStrike" spc="-1">
               <a:solidFill>
                 <a:srgbClr val="000000"/>
               </a:solidFill>
               <a:uFill>
                 <a:solidFill>
-                  <a:srgbClr val="ffffff"/>
+                  <a:srgbClr val="FFFFFF"/>
                 </a:solidFill>
               </a:uFill>
               <a:latin typeface="Arial"/>
@@ -1707,15 +1914,16 @@
           </a:prstGeom>
         </p:spPr>
         <p:txBody>
-          <a:bodyPr lIns="0" rIns="0" tIns="0" bIns="0"/>
+          <a:bodyPr lIns="0" tIns="0" rIns="0" bIns="0"/>
+          <a:lstStyle/>
           <a:p>
-            <a:endParaRPr b="0" lang="en-US" sz="3200" spc="-1" strike="noStrike">
+            <a:endParaRPr lang="en-US" sz="3200" b="0" strike="noStrike" spc="-1">
               <a:solidFill>
                 <a:srgbClr val="000000"/>
               </a:solidFill>
               <a:uFill>
                 <a:solidFill>
-                  <a:srgbClr val="ffffff"/>
+                  <a:srgbClr val="FFFFFF"/>
                 </a:solidFill>
               </a:uFill>
               <a:latin typeface="Arial"/>
@@ -1743,15 +1951,16 @@
           </a:prstGeom>
         </p:spPr>
         <p:txBody>
-          <a:bodyPr lIns="0" rIns="0" tIns="0" bIns="0"/>
+          <a:bodyPr lIns="0" tIns="0" rIns="0" bIns="0"/>
+          <a:lstStyle/>
           <a:p>
-            <a:endParaRPr b="0" lang="en-US" sz="3200" spc="-1" strike="noStrike">
+            <a:endParaRPr lang="en-US" sz="3200" b="0" strike="noStrike" spc="-1">
               <a:solidFill>
                 <a:srgbClr val="000000"/>
               </a:solidFill>
               <a:uFill>
                 <a:solidFill>
-                  <a:srgbClr val="ffffff"/>
+                  <a:srgbClr val="FFFFFF"/>
                 </a:solidFill>
               </a:uFill>
               <a:latin typeface="Arial"/>
@@ -1779,15 +1988,16 @@
           </a:prstGeom>
         </p:spPr>
         <p:txBody>
-          <a:bodyPr lIns="0" rIns="0" tIns="0" bIns="0"/>
+          <a:bodyPr lIns="0" tIns="0" rIns="0" bIns="0"/>
+          <a:lstStyle/>
           <a:p>
-            <a:endParaRPr b="0" lang="en-US" sz="3200" spc="-1" strike="noStrike">
+            <a:endParaRPr lang="en-US" sz="3200" b="0" strike="noStrike" spc="-1">
               <a:solidFill>
                 <a:srgbClr val="000000"/>
               </a:solidFill>
               <a:uFill>
                 <a:solidFill>
-                  <a:srgbClr val="ffffff"/>
+                  <a:srgbClr val="FFFFFF"/>
                 </a:solidFill>
               </a:uFill>
               <a:latin typeface="Arial"/>
@@ -1797,11 +2007,14 @@
       </p:sp>
     </p:spTree>
   </p:cSld>
+  <p:clrMapOvr>
+    <a:masterClrMapping/>
+  </p:clrMapOvr>
 </p:sldLayout>
 </file>
 
 <file path=ppt/slideLayouts/slideLayout8.xml><?xml version="1.0" encoding="utf-8"?>
-<p:sldLayout xmlns:a="http://schemas.openxmlformats.org/drawingml/2006/main" xmlns:p="http://schemas.openxmlformats.org/presentationml/2006/main" xmlns:r="http://schemas.openxmlformats.org/officeDocument/2006/relationships" xmlns:p14="http://schemas.microsoft.com/office/powerpoint/2010/main" xmlns:p15="http://schemas.microsoft.com/office/powerpoint/2012/main" xmlns:mc="http://schemas.openxmlformats.org/markup-compatibility/2006" type="objAndTwoObj" preserve="1">
+<p:sldLayout xmlns:a="http://schemas.openxmlformats.org/drawingml/2006/main" xmlns:r="http://schemas.openxmlformats.org/officeDocument/2006/relationships" xmlns:p="http://schemas.openxmlformats.org/presentationml/2006/main" type="objAndTwoObj" preserve="1">
   <p:cSld name="Title Content and 2 Content">
     <p:spTree>
       <p:nvGrpSpPr>
@@ -1837,16 +2050,17 @@
           </a:prstGeom>
         </p:spPr>
         <p:txBody>
-          <a:bodyPr lIns="0" rIns="0" tIns="0" bIns="0" anchor="ctr"/>
+          <a:bodyPr lIns="0" tIns="0" rIns="0" bIns="0" anchor="ctr"/>
+          <a:lstStyle/>
           <a:p>
             <a:pPr algn="ctr"/>
-            <a:endParaRPr b="0" lang="en-US" sz="4400" spc="-1" strike="noStrike">
+            <a:endParaRPr lang="en-US" sz="4400" b="0" strike="noStrike" spc="-1">
               <a:solidFill>
                 <a:srgbClr val="000000"/>
               </a:solidFill>
               <a:uFill>
                 <a:solidFill>
-                  <a:srgbClr val="ffffff"/>
+                  <a:srgbClr val="FFFFFF"/>
                 </a:solidFill>
               </a:uFill>
               <a:latin typeface="Arial"/>
@@ -1874,15 +2088,16 @@
           </a:prstGeom>
         </p:spPr>
         <p:txBody>
-          <a:bodyPr lIns="0" rIns="0" tIns="0" bIns="0"/>
+          <a:bodyPr lIns="0" tIns="0" rIns="0" bIns="0"/>
+          <a:lstStyle/>
           <a:p>
-            <a:endParaRPr b="0" lang="en-US" sz="3200" spc="-1" strike="noStrike">
+            <a:endParaRPr lang="en-US" sz="3200" b="0" strike="noStrike" spc="-1">
               <a:solidFill>
                 <a:srgbClr val="000000"/>
               </a:solidFill>
               <a:uFill>
                 <a:solidFill>
-                  <a:srgbClr val="ffffff"/>
+                  <a:srgbClr val="FFFFFF"/>
                 </a:solidFill>
               </a:uFill>
               <a:latin typeface="Arial"/>
@@ -1910,15 +2125,16 @@
           </a:prstGeom>
         </p:spPr>
         <p:txBody>
-          <a:bodyPr lIns="0" rIns="0" tIns="0" bIns="0"/>
+          <a:bodyPr lIns="0" tIns="0" rIns="0" bIns="0"/>
+          <a:lstStyle/>
           <a:p>
-            <a:endParaRPr b="0" lang="en-US" sz="3200" spc="-1" strike="noStrike">
+            <a:endParaRPr lang="en-US" sz="3200" b="0" strike="noStrike" spc="-1">
               <a:solidFill>
                 <a:srgbClr val="000000"/>
               </a:solidFill>
               <a:uFill>
                 <a:solidFill>
-                  <a:srgbClr val="ffffff"/>
+                  <a:srgbClr val="FFFFFF"/>
                 </a:solidFill>
               </a:uFill>
               <a:latin typeface="Arial"/>
@@ -1946,15 +2162,16 @@
           </a:prstGeom>
         </p:spPr>
         <p:txBody>
-          <a:bodyPr lIns="0" rIns="0" tIns="0" bIns="0"/>
+          <a:bodyPr lIns="0" tIns="0" rIns="0" bIns="0"/>
+          <a:lstStyle/>
           <a:p>
-            <a:endParaRPr b="0" lang="en-US" sz="3200" spc="-1" strike="noStrike">
+            <a:endParaRPr lang="en-US" sz="3200" b="0" strike="noStrike" spc="-1">
               <a:solidFill>
                 <a:srgbClr val="000000"/>
               </a:solidFill>
               <a:uFill>
                 <a:solidFill>
-                  <a:srgbClr val="ffffff"/>
+                  <a:srgbClr val="FFFFFF"/>
                 </a:solidFill>
               </a:uFill>
               <a:latin typeface="Arial"/>
@@ -1964,11 +2181,14 @@
       </p:sp>
     </p:spTree>
   </p:cSld>
+  <p:clrMapOvr>
+    <a:masterClrMapping/>
+  </p:clrMapOvr>
 </p:sldLayout>
 </file>
 
 <file path=ppt/slideLayouts/slideLayout9.xml><?xml version="1.0" encoding="utf-8"?>
-<p:sldLayout xmlns:a="http://schemas.openxmlformats.org/drawingml/2006/main" xmlns:p="http://schemas.openxmlformats.org/presentationml/2006/main" xmlns:r="http://schemas.openxmlformats.org/officeDocument/2006/relationships" xmlns:p14="http://schemas.microsoft.com/office/powerpoint/2010/main" xmlns:p15="http://schemas.microsoft.com/office/powerpoint/2012/main" xmlns:mc="http://schemas.openxmlformats.org/markup-compatibility/2006" type="twoObjOverTx" preserve="1">
+<p:sldLayout xmlns:a="http://schemas.openxmlformats.org/drawingml/2006/main" xmlns:r="http://schemas.openxmlformats.org/officeDocument/2006/relationships" xmlns:p="http://schemas.openxmlformats.org/presentationml/2006/main" type="twoObjOverTx" preserve="1">
   <p:cSld name="Title, 2 Content over Content">
     <p:spTree>
       <p:nvGrpSpPr>
@@ -2004,16 +2224,17 @@
           </a:prstGeom>
         </p:spPr>
         <p:txBody>
-          <a:bodyPr lIns="0" rIns="0" tIns="0" bIns="0" anchor="ctr"/>
+          <a:bodyPr lIns="0" tIns="0" rIns="0" bIns="0" anchor="ctr"/>
+          <a:lstStyle/>
           <a:p>
             <a:pPr algn="ctr"/>
-            <a:endParaRPr b="0" lang="en-US" sz="4400" spc="-1" strike="noStrike">
+            <a:endParaRPr lang="en-US" sz="4400" b="0" strike="noStrike" spc="-1">
               <a:solidFill>
                 <a:srgbClr val="000000"/>
               </a:solidFill>
               <a:uFill>
                 <a:solidFill>
-                  <a:srgbClr val="ffffff"/>
+                  <a:srgbClr val="FFFFFF"/>
                 </a:solidFill>
               </a:uFill>
               <a:latin typeface="Arial"/>
@@ -2041,15 +2262,16 @@
           </a:prstGeom>
         </p:spPr>
         <p:txBody>
-          <a:bodyPr lIns="0" rIns="0" tIns="0" bIns="0"/>
+          <a:bodyPr lIns="0" tIns="0" rIns="0" bIns="0"/>
+          <a:lstStyle/>
           <a:p>
-            <a:endParaRPr b="0" lang="en-US" sz="3200" spc="-1" strike="noStrike">
+            <a:endParaRPr lang="en-US" sz="3200" b="0" strike="noStrike" spc="-1">
               <a:solidFill>
                 <a:srgbClr val="000000"/>
               </a:solidFill>
               <a:uFill>
                 <a:solidFill>
-                  <a:srgbClr val="ffffff"/>
+                  <a:srgbClr val="FFFFFF"/>
                 </a:solidFill>
               </a:uFill>
               <a:latin typeface="Arial"/>
@@ -2077,15 +2299,16 @@
           </a:prstGeom>
         </p:spPr>
         <p:txBody>
-          <a:bodyPr lIns="0" rIns="0" tIns="0" bIns="0"/>
+          <a:bodyPr lIns="0" tIns="0" rIns="0" bIns="0"/>
+          <a:lstStyle/>
           <a:p>
-            <a:endParaRPr b="0" lang="en-US" sz="3200" spc="-1" strike="noStrike">
+            <a:endParaRPr lang="en-US" sz="3200" b="0" strike="noStrike" spc="-1">
               <a:solidFill>
                 <a:srgbClr val="000000"/>
               </a:solidFill>
               <a:uFill>
                 <a:solidFill>
-                  <a:srgbClr val="ffffff"/>
+                  <a:srgbClr val="FFFFFF"/>
                 </a:solidFill>
               </a:uFill>
               <a:latin typeface="Arial"/>
@@ -2113,15 +2336,16 @@
           </a:prstGeom>
         </p:spPr>
         <p:txBody>
-          <a:bodyPr lIns="0" rIns="0" tIns="0" bIns="0"/>
+          <a:bodyPr lIns="0" tIns="0" rIns="0" bIns="0"/>
+          <a:lstStyle/>
           <a:p>
-            <a:endParaRPr b="0" lang="en-US" sz="3200" spc="-1" strike="noStrike">
+            <a:endParaRPr lang="en-US" sz="3200" b="0" strike="noStrike" spc="-1">
               <a:solidFill>
                 <a:srgbClr val="000000"/>
               </a:solidFill>
               <a:uFill>
                 <a:solidFill>
-                  <a:srgbClr val="ffffff"/>
+                  <a:srgbClr val="FFFFFF"/>
                 </a:solidFill>
               </a:uFill>
               <a:latin typeface="Arial"/>
@@ -2131,12 +2355,20 @@
       </p:sp>
     </p:spTree>
   </p:cSld>
+  <p:clrMapOvr>
+    <a:masterClrMapping/>
+  </p:clrMapOvr>
 </p:sldLayout>
 </file>
 
 <file path=ppt/slideMasters/slideMaster1.xml><?xml version="1.0" encoding="utf-8"?>
-<p:sldMaster xmlns:a="http://schemas.openxmlformats.org/drawingml/2006/main" xmlns:p="http://schemas.openxmlformats.org/presentationml/2006/main" xmlns:r="http://schemas.openxmlformats.org/officeDocument/2006/relationships" xmlns:p14="http://schemas.microsoft.com/office/powerpoint/2010/main" xmlns:p15="http://schemas.microsoft.com/office/powerpoint/2012/main" xmlns:mc="http://schemas.openxmlformats.org/markup-compatibility/2006">
+<p:sldMaster xmlns:a="http://schemas.openxmlformats.org/drawingml/2006/main" xmlns:r="http://schemas.openxmlformats.org/officeDocument/2006/relationships" xmlns:p="http://schemas.openxmlformats.org/presentationml/2006/main">
   <p:cSld>
+    <p:bg>
+      <p:bgRef idx="1001">
+        <a:schemeClr val="bg1"/>
+      </p:bgRef>
+    </p:bg>
     <p:spTree>
       <p:nvGrpSpPr>
         <p:cNvPr id="1" name=""/>
@@ -2153,7 +2385,7 @@
       </p:grpSpPr>
       <p:sp>
         <p:nvSpPr>
-          <p:cNvPr id="0" name="PlaceHolder 1"/>
+          <p:cNvPr id="5" name="PlaceHolder 1"/>
           <p:cNvSpPr>
             <a:spLocks noGrp="1"/>
           </p:cNvSpPr>
@@ -2171,40 +2403,30 @@
           </a:prstGeom>
         </p:spPr>
         <p:txBody>
-          <a:bodyPr lIns="0" rIns="0" tIns="0" bIns="0" anchor="ctr"/>
+          <a:bodyPr lIns="0" tIns="0" rIns="0" bIns="0" anchor="ctr"/>
+          <a:lstStyle/>
           <a:p>
             <a:pPr algn="ctr"/>
             <a:r>
-              <a:rPr b="0" lang="en-US" sz="4400" spc="-1" strike="noStrike">
+              <a:rPr lang="en-US" sz="4400" b="0" strike="noStrike" spc="-1">
                 <a:solidFill>
                   <a:srgbClr val="000000"/>
                 </a:solidFill>
                 <a:uFill>
                   <a:solidFill>
-                    <a:srgbClr val="ffffff"/>
+                    <a:srgbClr val="FFFFFF"/>
                   </a:solidFill>
                 </a:uFill>
                 <a:latin typeface="Arial"/>
               </a:rPr>
               <a:t>Click to edit the title text format</a:t>
             </a:r>
-            <a:endParaRPr b="0" lang="en-US" sz="4400" spc="-1" strike="noStrike">
-              <a:solidFill>
-                <a:srgbClr val="000000"/>
-              </a:solidFill>
-              <a:uFill>
-                <a:solidFill>
-                  <a:srgbClr val="ffffff"/>
-                </a:solidFill>
-              </a:uFill>
-              <a:latin typeface="Arial"/>
-            </a:endParaRPr>
           </a:p>
         </p:txBody>
       </p:sp>
       <p:sp>
         <p:nvSpPr>
-          <p:cNvPr id="1" name="PlaceHolder 2"/>
+          <p:cNvPr id="6" name="PlaceHolder 2"/>
           <p:cNvSpPr>
             <a:spLocks noGrp="1"/>
           </p:cNvSpPr>
@@ -2222,7 +2444,8 @@
           </a:prstGeom>
         </p:spPr>
         <p:txBody>
-          <a:bodyPr lIns="0" rIns="0" tIns="0" bIns="0"/>
+          <a:bodyPr lIns="0" tIns="0" rIns="0" bIns="0"/>
+          <a:lstStyle/>
           <a:p>
             <a:pPr marL="432000" indent="-324000">
               <a:buClr>
@@ -2233,47 +2456,22 @@
               <a:buChar char=""/>
             </a:pPr>
             <a:r>
-              <a:rPr b="0" lang="en-US" sz="3200" spc="-1" strike="noStrike">
+              <a:rPr lang="en-US" sz="3200" b="0" strike="noStrike" spc="-1">
                 <a:solidFill>
                   <a:srgbClr val="000000"/>
                 </a:solidFill>
                 <a:uFill>
                   <a:solidFill>
-                    <a:srgbClr val="ffffff"/>
+                    <a:srgbClr val="FFFFFF"/>
                   </a:solidFill>
                 </a:uFill>
                 <a:latin typeface="Arial"/>
               </a:rPr>
-              <a:t>Click to edit the outline </a:t>
+              <a:t>Click to edit the outline text format</a:t>
             </a:r>
-            <a:r>
-              <a:rPr b="0" lang="en-US" sz="3200" spc="-1" strike="noStrike">
-                <a:solidFill>
-                  <a:srgbClr val="000000"/>
-                </a:solidFill>
-                <a:uFill>
-                  <a:solidFill>
-                    <a:srgbClr val="ffffff"/>
-                  </a:solidFill>
-                </a:uFill>
-                <a:latin typeface="Arial"/>
-              </a:rPr>
-              <a:t>text format</a:t>
-            </a:r>
-            <a:endParaRPr b="0" lang="en-US" sz="3200" spc="-1" strike="noStrike">
-              <a:solidFill>
-                <a:srgbClr val="000000"/>
-              </a:solidFill>
-              <a:uFill>
-                <a:solidFill>
-                  <a:srgbClr val="ffffff"/>
-                </a:solidFill>
-              </a:uFill>
-              <a:latin typeface="Arial"/>
-            </a:endParaRPr>
           </a:p>
           <a:p>
-            <a:pPr lvl="1" marL="864000" indent="-324000">
+            <a:pPr marL="864000" lvl="1" indent="-324000">
               <a:buClr>
                 <a:srgbClr val="000000"/>
               </a:buClr>
@@ -2282,33 +2480,22 @@
               <a:buChar char=""/>
             </a:pPr>
             <a:r>
-              <a:rPr b="0" lang="en-US" sz="2800" spc="-1" strike="noStrike">
+              <a:rPr lang="en-US" sz="2800" b="0" strike="noStrike" spc="-1">
                 <a:solidFill>
                   <a:srgbClr val="000000"/>
                 </a:solidFill>
                 <a:uFill>
                   <a:solidFill>
-                    <a:srgbClr val="ffffff"/>
+                    <a:srgbClr val="FFFFFF"/>
                   </a:solidFill>
                 </a:uFill>
                 <a:latin typeface="Arial"/>
               </a:rPr>
               <a:t>Second Outline Level</a:t>
             </a:r>
-            <a:endParaRPr b="0" lang="en-US" sz="2800" spc="-1" strike="noStrike">
-              <a:solidFill>
-                <a:srgbClr val="000000"/>
-              </a:solidFill>
-              <a:uFill>
-                <a:solidFill>
-                  <a:srgbClr val="ffffff"/>
-                </a:solidFill>
-              </a:uFill>
-              <a:latin typeface="Arial"/>
-            </a:endParaRPr>
           </a:p>
           <a:p>
-            <a:pPr lvl="2" marL="1296000" indent="-288000">
+            <a:pPr marL="1296000" lvl="2" indent="-288000">
               <a:buClr>
                 <a:srgbClr val="000000"/>
               </a:buClr>
@@ -2317,33 +2504,22 @@
               <a:buChar char=""/>
             </a:pPr>
             <a:r>
-              <a:rPr b="0" lang="en-US" sz="2400" spc="-1" strike="noStrike">
+              <a:rPr lang="en-US" sz="2400" b="0" strike="noStrike" spc="-1">
                 <a:solidFill>
                   <a:srgbClr val="000000"/>
                 </a:solidFill>
                 <a:uFill>
                   <a:solidFill>
-                    <a:srgbClr val="ffffff"/>
+                    <a:srgbClr val="FFFFFF"/>
                   </a:solidFill>
                 </a:uFill>
                 <a:latin typeface="Arial"/>
               </a:rPr>
               <a:t>Third Outline Level</a:t>
             </a:r>
-            <a:endParaRPr b="0" lang="en-US" sz="2400" spc="-1" strike="noStrike">
-              <a:solidFill>
-                <a:srgbClr val="000000"/>
-              </a:solidFill>
-              <a:uFill>
-                <a:solidFill>
-                  <a:srgbClr val="ffffff"/>
-                </a:solidFill>
-              </a:uFill>
-              <a:latin typeface="Arial"/>
-            </a:endParaRPr>
           </a:p>
           <a:p>
-            <a:pPr lvl="3" marL="1728000" indent="-216000">
+            <a:pPr marL="1728000" lvl="3" indent="-216000">
               <a:buClr>
                 <a:srgbClr val="000000"/>
               </a:buClr>
@@ -2352,33 +2528,22 @@
               <a:buChar char=""/>
             </a:pPr>
             <a:r>
-              <a:rPr b="0" lang="en-US" sz="2000" spc="-1" strike="noStrike">
+              <a:rPr lang="en-US" sz="2000" b="0" strike="noStrike" spc="-1">
                 <a:solidFill>
                   <a:srgbClr val="000000"/>
                 </a:solidFill>
                 <a:uFill>
                   <a:solidFill>
-                    <a:srgbClr val="ffffff"/>
+                    <a:srgbClr val="FFFFFF"/>
                   </a:solidFill>
                 </a:uFill>
                 <a:latin typeface="Arial"/>
               </a:rPr>
               <a:t>Fourth Outline Level</a:t>
             </a:r>
-            <a:endParaRPr b="0" lang="en-US" sz="2000" spc="-1" strike="noStrike">
-              <a:solidFill>
-                <a:srgbClr val="000000"/>
-              </a:solidFill>
-              <a:uFill>
-                <a:solidFill>
-                  <a:srgbClr val="ffffff"/>
-                </a:solidFill>
-              </a:uFill>
-              <a:latin typeface="Arial"/>
-            </a:endParaRPr>
           </a:p>
           <a:p>
-            <a:pPr lvl="4" marL="2160000" indent="-216000">
+            <a:pPr marL="2160000" lvl="4" indent="-216000">
               <a:buClr>
                 <a:srgbClr val="000000"/>
               </a:buClr>
@@ -2387,33 +2552,22 @@
               <a:buChar char=""/>
             </a:pPr>
             <a:r>
-              <a:rPr b="0" lang="en-US" sz="2000" spc="-1" strike="noStrike">
+              <a:rPr lang="en-US" sz="2000" b="0" strike="noStrike" spc="-1">
                 <a:solidFill>
                   <a:srgbClr val="000000"/>
                 </a:solidFill>
                 <a:uFill>
                   <a:solidFill>
-                    <a:srgbClr val="ffffff"/>
+                    <a:srgbClr val="FFFFFF"/>
                   </a:solidFill>
                 </a:uFill>
                 <a:latin typeface="Arial"/>
               </a:rPr>
               <a:t>Fifth Outline Level</a:t>
             </a:r>
-            <a:endParaRPr b="0" lang="en-US" sz="2000" spc="-1" strike="noStrike">
-              <a:solidFill>
-                <a:srgbClr val="000000"/>
-              </a:solidFill>
-              <a:uFill>
-                <a:solidFill>
-                  <a:srgbClr val="ffffff"/>
-                </a:solidFill>
-              </a:uFill>
-              <a:latin typeface="Arial"/>
-            </a:endParaRPr>
           </a:p>
           <a:p>
-            <a:pPr lvl="5" marL="2592000" indent="-216000">
+            <a:pPr marL="2592000" lvl="5" indent="-216000">
               <a:buClr>
                 <a:srgbClr val="000000"/>
               </a:buClr>
@@ -2422,33 +2576,22 @@
               <a:buChar char=""/>
             </a:pPr>
             <a:r>
-              <a:rPr b="0" lang="en-US" sz="2000" spc="-1" strike="noStrike">
+              <a:rPr lang="en-US" sz="2000" b="0" strike="noStrike" spc="-1">
                 <a:solidFill>
                   <a:srgbClr val="000000"/>
                 </a:solidFill>
                 <a:uFill>
                   <a:solidFill>
-                    <a:srgbClr val="ffffff"/>
+                    <a:srgbClr val="FFFFFF"/>
                   </a:solidFill>
                 </a:uFill>
                 <a:latin typeface="Arial"/>
               </a:rPr>
               <a:t>Sixth Outline Level</a:t>
             </a:r>
-            <a:endParaRPr b="0" lang="en-US" sz="2000" spc="-1" strike="noStrike">
-              <a:solidFill>
-                <a:srgbClr val="000000"/>
-              </a:solidFill>
-              <a:uFill>
-                <a:solidFill>
-                  <a:srgbClr val="ffffff"/>
-                </a:solidFill>
-              </a:uFill>
-              <a:latin typeface="Arial"/>
-            </a:endParaRPr>
           </a:p>
           <a:p>
-            <a:pPr lvl="6" marL="3024000" indent="-216000">
+            <a:pPr marL="3024000" lvl="6" indent="-216000">
               <a:buClr>
                 <a:srgbClr val="000000"/>
               </a:buClr>
@@ -2457,44 +2600,19 @@
               <a:buChar char=""/>
             </a:pPr>
             <a:r>
-              <a:rPr b="0" lang="en-US" sz="2000" spc="-1" strike="noStrike">
+              <a:rPr lang="en-US" sz="2000" b="0" strike="noStrike" spc="-1">
                 <a:solidFill>
                   <a:srgbClr val="000000"/>
                 </a:solidFill>
                 <a:uFill>
                   <a:solidFill>
-                    <a:srgbClr val="ffffff"/>
+                    <a:srgbClr val="FFFFFF"/>
                   </a:solidFill>
                 </a:uFill>
                 <a:latin typeface="Arial"/>
               </a:rPr>
-              <a:t>Seventh Outline </a:t>
+              <a:t>Seventh Outline Level</a:t>
             </a:r>
-            <a:r>
-              <a:rPr b="0" lang="en-US" sz="2000" spc="-1" strike="noStrike">
-                <a:solidFill>
-                  <a:srgbClr val="000000"/>
-                </a:solidFill>
-                <a:uFill>
-                  <a:solidFill>
-                    <a:srgbClr val="ffffff"/>
-                  </a:solidFill>
-                </a:uFill>
-                <a:latin typeface="Arial"/>
-              </a:rPr>
-              <a:t>Level</a:t>
-            </a:r>
-            <a:endParaRPr b="0" lang="en-US" sz="2000" spc="-1" strike="noStrike">
-              <a:solidFill>
-                <a:srgbClr val="000000"/>
-              </a:solidFill>
-              <a:uFill>
-                <a:solidFill>
-                  <a:srgbClr val="ffffff"/>
-                </a:solidFill>
-              </a:uFill>
-              <a:latin typeface="Arial"/>
-            </a:endParaRPr>
           </a:p>
         </p:txBody>
       </p:sp>
@@ -2518,33 +2636,23 @@
           </a:prstGeom>
         </p:spPr>
         <p:txBody>
-          <a:bodyPr lIns="0" rIns="0" tIns="0" bIns="0"/>
+          <a:bodyPr lIns="0" tIns="0" rIns="0" bIns="0"/>
+          <a:lstStyle/>
           <a:p>
             <a:r>
-              <a:rPr b="0" lang="en-US" sz="1400" spc="-1" strike="noStrike">
+              <a:rPr lang="en-US" sz="1400" b="0" strike="noStrike" spc="-1">
                 <a:solidFill>
                   <a:srgbClr val="000000"/>
                 </a:solidFill>
                 <a:uFill>
                   <a:solidFill>
-                    <a:srgbClr val="ffffff"/>
+                    <a:srgbClr val="FFFFFF"/>
                   </a:solidFill>
                 </a:uFill>
                 <a:latin typeface="Times New Roman"/>
               </a:rPr>
               <a:t>&lt;date/time&gt;</a:t>
             </a:r>
-            <a:endParaRPr b="0" lang="en-US" sz="1400" spc="-1" strike="noStrike">
-              <a:solidFill>
-                <a:srgbClr val="000000"/>
-              </a:solidFill>
-              <a:uFill>
-                <a:solidFill>
-                  <a:srgbClr val="ffffff"/>
-                </a:solidFill>
-              </a:uFill>
-              <a:latin typeface="Times New Roman"/>
-            </a:endParaRPr>
           </a:p>
         </p:txBody>
       </p:sp>
@@ -2568,34 +2676,24 @@
           </a:prstGeom>
         </p:spPr>
         <p:txBody>
-          <a:bodyPr lIns="0" rIns="0" tIns="0" bIns="0"/>
+          <a:bodyPr lIns="0" tIns="0" rIns="0" bIns="0"/>
+          <a:lstStyle/>
           <a:p>
             <a:pPr algn="ctr"/>
             <a:r>
-              <a:rPr b="0" lang="en-US" sz="1400" spc="-1" strike="noStrike">
+              <a:rPr lang="en-US" sz="1400" b="0" strike="noStrike" spc="-1">
                 <a:solidFill>
                   <a:srgbClr val="000000"/>
                 </a:solidFill>
                 <a:uFill>
                   <a:solidFill>
-                    <a:srgbClr val="ffffff"/>
+                    <a:srgbClr val="FFFFFF"/>
                   </a:solidFill>
                 </a:uFill>
                 <a:latin typeface="Times New Roman"/>
               </a:rPr>
               <a:t>&lt;footer&gt;</a:t>
             </a:r>
-            <a:endParaRPr b="0" lang="en-US" sz="1400" spc="-1" strike="noStrike">
-              <a:solidFill>
-                <a:srgbClr val="000000"/>
-              </a:solidFill>
-              <a:uFill>
-                <a:solidFill>
-                  <a:srgbClr val="ffffff"/>
-                </a:solidFill>
-              </a:uFill>
-              <a:latin typeface="Times New Roman"/>
-            </a:endParaRPr>
           </a:p>
         </p:txBody>
       </p:sp>
@@ -2619,30 +2717,31 @@
           </a:prstGeom>
         </p:spPr>
         <p:txBody>
-          <a:bodyPr lIns="0" rIns="0" tIns="0" bIns="0"/>
+          <a:bodyPr lIns="0" tIns="0" rIns="0" bIns="0"/>
+          <a:lstStyle/>
           <a:p>
             <a:pPr algn="r"/>
             <a:fld id="{80D4A1E8-2EC0-4A10-BC2B-4BB4FDCB046D}" type="slidenum">
-              <a:rPr b="0" lang="en-US" sz="1400" spc="-1" strike="noStrike">
+              <a:rPr lang="en-US" sz="1400" b="0" strike="noStrike" spc="-1">
                 <a:solidFill>
                   <a:srgbClr val="000000"/>
                 </a:solidFill>
                 <a:uFill>
                   <a:solidFill>
-                    <a:srgbClr val="ffffff"/>
+                    <a:srgbClr val="FFFFFF"/>
                   </a:solidFill>
                 </a:uFill>
                 <a:latin typeface="Times New Roman"/>
               </a:rPr>
-              <a:t>&lt;number&gt;</a:t>
+              <a:t>‹#›</a:t>
             </a:fld>
-            <a:endParaRPr b="0" lang="en-US" sz="1400" spc="-1" strike="noStrike">
+            <a:endParaRPr lang="en-US" sz="1400" b="0" strike="noStrike" spc="-1">
               <a:solidFill>
                 <a:srgbClr val="000000"/>
               </a:solidFill>
               <a:uFill>
                 <a:solidFill>
-                  <a:srgbClr val="ffffff"/>
+                  <a:srgbClr val="FFFFFF"/>
                 </a:solidFill>
               </a:uFill>
               <a:latin typeface="Times New Roman"/>
@@ -2652,26 +2751,306 @@
       </p:sp>
     </p:spTree>
   </p:cSld>
-  <p:clrMap bg1="lt1" bg2="lt2" tx1="dk1" tx2="dk2" accent1="accent1" accent2="accent2" accent3="accent3" accent4="accent4" accent5="accent5" accent6="accent6" hlink="hlink" folHlink="folHlink"/>
+  <p:clrMap bg1="lt1" tx1="dk1" bg2="lt2" tx2="dk2" accent1="accent1" accent2="accent2" accent3="accent3" accent4="accent4" accent5="accent5" accent6="accent6" hlink="hlink" folHlink="folHlink"/>
   <p:sldLayoutIdLst>
-    <p:sldLayoutId id="2147483649" r:id="rId2"/>
-    <p:sldLayoutId id="2147483650" r:id="rId3"/>
-    <p:sldLayoutId id="2147483651" r:id="rId4"/>
-    <p:sldLayoutId id="2147483652" r:id="rId5"/>
-    <p:sldLayoutId id="2147483653" r:id="rId6"/>
-    <p:sldLayoutId id="2147483654" r:id="rId7"/>
-    <p:sldLayoutId id="2147483655" r:id="rId8"/>
-    <p:sldLayoutId id="2147483656" r:id="rId9"/>
-    <p:sldLayoutId id="2147483657" r:id="rId10"/>
-    <p:sldLayoutId id="2147483658" r:id="rId11"/>
-    <p:sldLayoutId id="2147483659" r:id="rId12"/>
-    <p:sldLayoutId id="2147483660" r:id="rId13"/>
+    <p:sldLayoutId id="2147483649" r:id="rId1"/>
+    <p:sldLayoutId id="2147483650" r:id="rId2"/>
+    <p:sldLayoutId id="2147483651" r:id="rId3"/>
+    <p:sldLayoutId id="2147483652" r:id="rId4"/>
+    <p:sldLayoutId id="2147483653" r:id="rId5"/>
+    <p:sldLayoutId id="2147483654" r:id="rId6"/>
+    <p:sldLayoutId id="2147483655" r:id="rId7"/>
+    <p:sldLayoutId id="2147483656" r:id="rId8"/>
+    <p:sldLayoutId id="2147483657" r:id="rId9"/>
+    <p:sldLayoutId id="2147483658" r:id="rId10"/>
+    <p:sldLayoutId id="2147483659" r:id="rId11"/>
+    <p:sldLayoutId id="2147483660" r:id="rId12"/>
   </p:sldLayoutIdLst>
+  <p:txStyles>
+    <p:titleStyle>
+      <a:lvl1pPr algn="l" defTabSz="914400" rtl="0" eaLnBrk="1" latinLnBrk="0" hangingPunct="1">
+        <a:lnSpc>
+          <a:spcPct val="90000"/>
+        </a:lnSpc>
+        <a:spcBef>
+          <a:spcPct val="0"/>
+        </a:spcBef>
+        <a:buNone/>
+        <a:defRPr sz="4400" kern="1200">
+          <a:solidFill>
+            <a:schemeClr val="tx1"/>
+          </a:solidFill>
+          <a:latin typeface="+mj-lt"/>
+          <a:ea typeface="+mj-ea"/>
+          <a:cs typeface="+mj-cs"/>
+        </a:defRPr>
+      </a:lvl1pPr>
+    </p:titleStyle>
+    <p:bodyStyle>
+      <a:lvl1pPr marL="228600" indent="-228600" algn="l" defTabSz="914400" rtl="0" eaLnBrk="1" latinLnBrk="0" hangingPunct="1">
+        <a:lnSpc>
+          <a:spcPct val="90000"/>
+        </a:lnSpc>
+        <a:spcBef>
+          <a:spcPts val="1000"/>
+        </a:spcBef>
+        <a:buFont typeface="Arial" panose="020B0604020202020204" pitchFamily="34" charset="0"/>
+        <a:buChar char="•"/>
+        <a:defRPr sz="2800" kern="1200">
+          <a:solidFill>
+            <a:schemeClr val="tx1"/>
+          </a:solidFill>
+          <a:latin typeface="+mn-lt"/>
+          <a:ea typeface="+mn-ea"/>
+          <a:cs typeface="+mn-cs"/>
+        </a:defRPr>
+      </a:lvl1pPr>
+      <a:lvl2pPr marL="685800" indent="-228600" algn="l" defTabSz="914400" rtl="0" eaLnBrk="1" latinLnBrk="0" hangingPunct="1">
+        <a:lnSpc>
+          <a:spcPct val="90000"/>
+        </a:lnSpc>
+        <a:spcBef>
+          <a:spcPts val="500"/>
+        </a:spcBef>
+        <a:buFont typeface="Arial" panose="020B0604020202020204" pitchFamily="34" charset="0"/>
+        <a:buChar char="•"/>
+        <a:defRPr sz="2400" kern="1200">
+          <a:solidFill>
+            <a:schemeClr val="tx1"/>
+          </a:solidFill>
+          <a:latin typeface="+mn-lt"/>
+          <a:ea typeface="+mn-ea"/>
+          <a:cs typeface="+mn-cs"/>
+        </a:defRPr>
+      </a:lvl2pPr>
+      <a:lvl3pPr marL="1143000" indent="-228600" algn="l" defTabSz="914400" rtl="0" eaLnBrk="1" latinLnBrk="0" hangingPunct="1">
+        <a:lnSpc>
+          <a:spcPct val="90000"/>
+        </a:lnSpc>
+        <a:spcBef>
+          <a:spcPts val="500"/>
+        </a:spcBef>
+        <a:buFont typeface="Arial" panose="020B0604020202020204" pitchFamily="34" charset="0"/>
+        <a:buChar char="•"/>
+        <a:defRPr sz="2000" kern="1200">
+          <a:solidFill>
+            <a:schemeClr val="tx1"/>
+          </a:solidFill>
+          <a:latin typeface="+mn-lt"/>
+          <a:ea typeface="+mn-ea"/>
+          <a:cs typeface="+mn-cs"/>
+        </a:defRPr>
+      </a:lvl3pPr>
+      <a:lvl4pPr marL="1600200" indent="-228600" algn="l" defTabSz="914400" rtl="0" eaLnBrk="1" latinLnBrk="0" hangingPunct="1">
+        <a:lnSpc>
+          <a:spcPct val="90000"/>
+        </a:lnSpc>
+        <a:spcBef>
+          <a:spcPts val="500"/>
+        </a:spcBef>
+        <a:buFont typeface="Arial" panose="020B0604020202020204" pitchFamily="34" charset="0"/>
+        <a:buChar char="•"/>
+        <a:defRPr sz="1800" kern="1200">
+          <a:solidFill>
+            <a:schemeClr val="tx1"/>
+          </a:solidFill>
+          <a:latin typeface="+mn-lt"/>
+          <a:ea typeface="+mn-ea"/>
+          <a:cs typeface="+mn-cs"/>
+        </a:defRPr>
+      </a:lvl4pPr>
+      <a:lvl5pPr marL="2057400" indent="-228600" algn="l" defTabSz="914400" rtl="0" eaLnBrk="1" latinLnBrk="0" hangingPunct="1">
+        <a:lnSpc>
+          <a:spcPct val="90000"/>
+        </a:lnSpc>
+        <a:spcBef>
+          <a:spcPts val="500"/>
+        </a:spcBef>
+        <a:buFont typeface="Arial" panose="020B0604020202020204" pitchFamily="34" charset="0"/>
+        <a:buChar char="•"/>
+        <a:defRPr sz="1800" kern="1200">
+          <a:solidFill>
+            <a:schemeClr val="tx1"/>
+          </a:solidFill>
+          <a:latin typeface="+mn-lt"/>
+          <a:ea typeface="+mn-ea"/>
+          <a:cs typeface="+mn-cs"/>
+        </a:defRPr>
+      </a:lvl5pPr>
+      <a:lvl6pPr marL="2514600" indent="-228600" algn="l" defTabSz="914400" rtl="0" eaLnBrk="1" latinLnBrk="0" hangingPunct="1">
+        <a:lnSpc>
+          <a:spcPct val="90000"/>
+        </a:lnSpc>
+        <a:spcBef>
+          <a:spcPts val="500"/>
+        </a:spcBef>
+        <a:buFont typeface="Arial" panose="020B0604020202020204" pitchFamily="34" charset="0"/>
+        <a:buChar char="•"/>
+        <a:defRPr sz="1800" kern="1200">
+          <a:solidFill>
+            <a:schemeClr val="tx1"/>
+          </a:solidFill>
+          <a:latin typeface="+mn-lt"/>
+          <a:ea typeface="+mn-ea"/>
+          <a:cs typeface="+mn-cs"/>
+        </a:defRPr>
+      </a:lvl6pPr>
+      <a:lvl7pPr marL="2971800" indent="-228600" algn="l" defTabSz="914400" rtl="0" eaLnBrk="1" latinLnBrk="0" hangingPunct="1">
+        <a:lnSpc>
+          <a:spcPct val="90000"/>
+        </a:lnSpc>
+        <a:spcBef>
+          <a:spcPts val="500"/>
+        </a:spcBef>
+        <a:buFont typeface="Arial" panose="020B0604020202020204" pitchFamily="34" charset="0"/>
+        <a:buChar char="•"/>
+        <a:defRPr sz="1800" kern="1200">
+          <a:solidFill>
+            <a:schemeClr val="tx1"/>
+          </a:solidFill>
+          <a:latin typeface="+mn-lt"/>
+          <a:ea typeface="+mn-ea"/>
+          <a:cs typeface="+mn-cs"/>
+        </a:defRPr>
+      </a:lvl7pPr>
+      <a:lvl8pPr marL="3429000" indent="-228600" algn="l" defTabSz="914400" rtl="0" eaLnBrk="1" latinLnBrk="0" hangingPunct="1">
+        <a:lnSpc>
+          <a:spcPct val="90000"/>
+        </a:lnSpc>
+        <a:spcBef>
+          <a:spcPts val="500"/>
+        </a:spcBef>
+        <a:buFont typeface="Arial" panose="020B0604020202020204" pitchFamily="34" charset="0"/>
+        <a:buChar char="•"/>
+        <a:defRPr sz="1800" kern="1200">
+          <a:solidFill>
+            <a:schemeClr val="tx1"/>
+          </a:solidFill>
+          <a:latin typeface="+mn-lt"/>
+          <a:ea typeface="+mn-ea"/>
+          <a:cs typeface="+mn-cs"/>
+        </a:defRPr>
+      </a:lvl8pPr>
+      <a:lvl9pPr marL="3886200" indent="-228600" algn="l" defTabSz="914400" rtl="0" eaLnBrk="1" latinLnBrk="0" hangingPunct="1">
+        <a:lnSpc>
+          <a:spcPct val="90000"/>
+        </a:lnSpc>
+        <a:spcBef>
+          <a:spcPts val="500"/>
+        </a:spcBef>
+        <a:buFont typeface="Arial" panose="020B0604020202020204" pitchFamily="34" charset="0"/>
+        <a:buChar char="•"/>
+        <a:defRPr sz="1800" kern="1200">
+          <a:solidFill>
+            <a:schemeClr val="tx1"/>
+          </a:solidFill>
+          <a:latin typeface="+mn-lt"/>
+          <a:ea typeface="+mn-ea"/>
+          <a:cs typeface="+mn-cs"/>
+        </a:defRPr>
+      </a:lvl9pPr>
+    </p:bodyStyle>
+    <p:otherStyle>
+      <a:defPPr>
+        <a:defRPr lang="de-DE"/>
+      </a:defPPr>
+      <a:lvl1pPr marL="0" algn="l" defTabSz="914400" rtl="0" eaLnBrk="1" latinLnBrk="0" hangingPunct="1">
+        <a:defRPr sz="1800" kern="1200">
+          <a:solidFill>
+            <a:schemeClr val="tx1"/>
+          </a:solidFill>
+          <a:latin typeface="+mn-lt"/>
+          <a:ea typeface="+mn-ea"/>
+          <a:cs typeface="+mn-cs"/>
+        </a:defRPr>
+      </a:lvl1pPr>
+      <a:lvl2pPr marL="457200" algn="l" defTabSz="914400" rtl="0" eaLnBrk="1" latinLnBrk="0" hangingPunct="1">
+        <a:defRPr sz="1800" kern="1200">
+          <a:solidFill>
+            <a:schemeClr val="tx1"/>
+          </a:solidFill>
+          <a:latin typeface="+mn-lt"/>
+          <a:ea typeface="+mn-ea"/>
+          <a:cs typeface="+mn-cs"/>
+        </a:defRPr>
+      </a:lvl2pPr>
+      <a:lvl3pPr marL="914400" algn="l" defTabSz="914400" rtl="0" eaLnBrk="1" latinLnBrk="0" hangingPunct="1">
+        <a:defRPr sz="1800" kern="1200">
+          <a:solidFill>
+            <a:schemeClr val="tx1"/>
+          </a:solidFill>
+          <a:latin typeface="+mn-lt"/>
+          <a:ea typeface="+mn-ea"/>
+          <a:cs typeface="+mn-cs"/>
+        </a:defRPr>
+      </a:lvl3pPr>
+      <a:lvl4pPr marL="1371600" algn="l" defTabSz="914400" rtl="0" eaLnBrk="1" latinLnBrk="0" hangingPunct="1">
+        <a:defRPr sz="1800" kern="1200">
+          <a:solidFill>
+            <a:schemeClr val="tx1"/>
+          </a:solidFill>
+          <a:latin typeface="+mn-lt"/>
+          <a:ea typeface="+mn-ea"/>
+          <a:cs typeface="+mn-cs"/>
+        </a:defRPr>
+      </a:lvl4pPr>
+      <a:lvl5pPr marL="1828800" algn="l" defTabSz="914400" rtl="0" eaLnBrk="1" latinLnBrk="0" hangingPunct="1">
+        <a:defRPr sz="1800" kern="1200">
+          <a:solidFill>
+            <a:schemeClr val="tx1"/>
+          </a:solidFill>
+          <a:latin typeface="+mn-lt"/>
+          <a:ea typeface="+mn-ea"/>
+          <a:cs typeface="+mn-cs"/>
+        </a:defRPr>
+      </a:lvl5pPr>
+      <a:lvl6pPr marL="2286000" algn="l" defTabSz="914400" rtl="0" eaLnBrk="1" latinLnBrk="0" hangingPunct="1">
+        <a:defRPr sz="1800" kern="1200">
+          <a:solidFill>
+            <a:schemeClr val="tx1"/>
+          </a:solidFill>
+          <a:latin typeface="+mn-lt"/>
+          <a:ea typeface="+mn-ea"/>
+          <a:cs typeface="+mn-cs"/>
+        </a:defRPr>
+      </a:lvl6pPr>
+      <a:lvl7pPr marL="2743200" algn="l" defTabSz="914400" rtl="0" eaLnBrk="1" latinLnBrk="0" hangingPunct="1">
+        <a:defRPr sz="1800" kern="1200">
+          <a:solidFill>
+            <a:schemeClr val="tx1"/>
+          </a:solidFill>
+          <a:latin typeface="+mn-lt"/>
+          <a:ea typeface="+mn-ea"/>
+          <a:cs typeface="+mn-cs"/>
+        </a:defRPr>
+      </a:lvl7pPr>
+      <a:lvl8pPr marL="3200400" algn="l" defTabSz="914400" rtl="0" eaLnBrk="1" latinLnBrk="0" hangingPunct="1">
+        <a:defRPr sz="1800" kern="1200">
+          <a:solidFill>
+            <a:schemeClr val="tx1"/>
+          </a:solidFill>
+          <a:latin typeface="+mn-lt"/>
+          <a:ea typeface="+mn-ea"/>
+          <a:cs typeface="+mn-cs"/>
+        </a:defRPr>
+      </a:lvl8pPr>
+      <a:lvl9pPr marL="3657600" algn="l" defTabSz="914400" rtl="0" eaLnBrk="1" latinLnBrk="0" hangingPunct="1">
+        <a:defRPr sz="1800" kern="1200">
+          <a:solidFill>
+            <a:schemeClr val="tx1"/>
+          </a:solidFill>
+          <a:latin typeface="+mn-lt"/>
+          <a:ea typeface="+mn-ea"/>
+          <a:cs typeface="+mn-cs"/>
+        </a:defRPr>
+      </a:lvl9pPr>
+    </p:otherStyle>
+  </p:txStyles>
 </p:sldMaster>
 </file>
 
 <file path=ppt/slides/slide1.xml><?xml version="1.0" encoding="utf-8"?>
-<p:sld xmlns:a="http://schemas.openxmlformats.org/drawingml/2006/main" xmlns:p="http://schemas.openxmlformats.org/presentationml/2006/main" xmlns:r="http://schemas.openxmlformats.org/officeDocument/2006/relationships" xmlns:p14="http://schemas.microsoft.com/office/powerpoint/2010/main" xmlns:p15="http://schemas.microsoft.com/office/powerpoint/2012/main" xmlns:mc="http://schemas.openxmlformats.org/markup-compatibility/2006">
+<p:sld xmlns:a="http://schemas.openxmlformats.org/drawingml/2006/main" xmlns:r="http://schemas.openxmlformats.org/officeDocument/2006/relationships" xmlns:p="http://schemas.openxmlformats.org/presentationml/2006/main">
   <p:cSld>
     <p:spTree>
       <p:nvGrpSpPr>
@@ -2707,34 +3086,24 @@
           </a:ln>
         </p:spPr>
         <p:txBody>
-          <a:bodyPr lIns="0" rIns="0" tIns="0" bIns="0" anchor="ctr"/>
+          <a:bodyPr lIns="0" tIns="0" rIns="0" bIns="0" anchor="ctr"/>
+          <a:lstStyle/>
           <a:p>
             <a:pPr algn="ctr"/>
             <a:r>
-              <a:rPr b="0" lang="en-US" sz="4400" spc="-1" strike="noStrike">
+              <a:rPr lang="en-US" sz="4400" b="0" strike="noStrike" spc="-1">
                 <a:solidFill>
                   <a:srgbClr val="000000"/>
                 </a:solidFill>
                 <a:uFill>
                   <a:solidFill>
-                    <a:srgbClr val="ffffff"/>
+                    <a:srgbClr val="FFFFFF"/>
                   </a:solidFill>
                 </a:uFill>
                 <a:latin typeface="Arial"/>
               </a:rPr>
               <a:t>Motivation</a:t>
             </a:r>
-            <a:endParaRPr b="0" lang="en-US" sz="4400" spc="-1" strike="noStrike">
-              <a:solidFill>
-                <a:srgbClr val="000000"/>
-              </a:solidFill>
-              <a:uFill>
-                <a:solidFill>
-                  <a:srgbClr val="ffffff"/>
-                </a:solidFill>
-              </a:uFill>
-              <a:latin typeface="Arial"/>
-            </a:endParaRPr>
           </a:p>
         </p:txBody>
       </p:sp>
@@ -2758,9 +3127,10 @@
           </a:ln>
         </p:spPr>
         <p:txBody>
-          <a:bodyPr lIns="0" rIns="0" tIns="0" bIns="0" anchor="ctr"/>
+          <a:bodyPr lIns="0" tIns="0" rIns="0" bIns="0" anchor="ctr"/>
+          <a:lstStyle/>
           <a:p>
-            <a:pPr lvl="1" marL="432000" indent="-216000">
+            <a:pPr marL="432000" lvl="1" indent="-216000">
               <a:buClr>
                 <a:srgbClr val="000000"/>
               </a:buClr>
@@ -2769,33 +3139,22 @@
               <a:buChar char=""/>
             </a:pPr>
             <a:r>
-              <a:rPr b="0" lang="en-US" sz="3200" spc="-1" strike="noStrike">
+              <a:rPr lang="en-US" sz="3200" b="0" strike="noStrike" spc="-1">
                 <a:solidFill>
                   <a:srgbClr val="000000"/>
                 </a:solidFill>
                 <a:uFill>
                   <a:solidFill>
-                    <a:srgbClr val="ffffff"/>
+                    <a:srgbClr val="FFFFFF"/>
                   </a:solidFill>
                 </a:uFill>
                 <a:latin typeface="Arial"/>
               </a:rPr>
               <a:t>DQN with experience replay</a:t>
             </a:r>
-            <a:endParaRPr b="0" lang="en-US" sz="3200" spc="-1" strike="noStrike">
-              <a:solidFill>
-                <a:srgbClr val="000000"/>
-              </a:solidFill>
-              <a:uFill>
-                <a:solidFill>
-                  <a:srgbClr val="ffffff"/>
-                </a:solidFill>
-              </a:uFill>
-              <a:latin typeface="Arial"/>
-            </a:endParaRPr>
           </a:p>
           <a:p>
-            <a:pPr lvl="1" marL="432000" indent="-216000">
+            <a:pPr marL="432000" lvl="1" indent="-216000">
               <a:buClr>
                 <a:srgbClr val="000000"/>
               </a:buClr>
@@ -2804,33 +3163,22 @@
               <a:buChar char=""/>
             </a:pPr>
             <a:r>
-              <a:rPr b="0" lang="en-US" sz="3200" spc="-1" strike="noStrike">
+              <a:rPr lang="en-US" sz="3200" b="0" strike="noStrike" spc="-1">
                 <a:solidFill>
                   <a:srgbClr val="000000"/>
                 </a:solidFill>
                 <a:uFill>
                   <a:solidFill>
-                    <a:srgbClr val="ffffff"/>
+                    <a:srgbClr val="FFFFFF"/>
                   </a:solidFill>
                 </a:uFill>
                 <a:latin typeface="Arial"/>
               </a:rPr>
               <a:t>REINFORCE</a:t>
             </a:r>
-            <a:endParaRPr b="0" lang="en-US" sz="3200" spc="-1" strike="noStrike">
-              <a:solidFill>
-                <a:srgbClr val="000000"/>
-              </a:solidFill>
-              <a:uFill>
-                <a:solidFill>
-                  <a:srgbClr val="ffffff"/>
-                </a:solidFill>
-              </a:uFill>
-              <a:latin typeface="Arial"/>
-            </a:endParaRPr>
           </a:p>
           <a:p>
-            <a:pPr lvl="1" marL="432000" indent="-216000">
+            <a:pPr marL="432000" lvl="1" indent="-216000">
               <a:buClr>
                 <a:srgbClr val="000000"/>
               </a:buClr>
@@ -2839,33 +3187,22 @@
               <a:buChar char=""/>
             </a:pPr>
             <a:r>
-              <a:rPr b="0" lang="en-US" sz="3200" spc="-1" strike="noStrike">
+              <a:rPr lang="en-US" sz="3200" b="0" strike="noStrike" spc="-1">
                 <a:solidFill>
                   <a:srgbClr val="000000"/>
                 </a:solidFill>
                 <a:uFill>
                   <a:solidFill>
-                    <a:srgbClr val="ffffff"/>
+                    <a:srgbClr val="FFFFFF"/>
                   </a:solidFill>
                 </a:uFill>
                 <a:latin typeface="Arial"/>
               </a:rPr>
               <a:t>Actor-critic without / with experience replay</a:t>
             </a:r>
-            <a:endParaRPr b="0" lang="en-US" sz="3200" spc="-1" strike="noStrike">
-              <a:solidFill>
-                <a:srgbClr val="000000"/>
-              </a:solidFill>
-              <a:uFill>
-                <a:solidFill>
-                  <a:srgbClr val="ffffff"/>
-                </a:solidFill>
-              </a:uFill>
-              <a:latin typeface="Arial"/>
-            </a:endParaRPr>
           </a:p>
           <a:p>
-            <a:pPr lvl="1" marL="432000" indent="-216000">
+            <a:pPr marL="432000" lvl="1" indent="-216000">
               <a:buClr>
                 <a:srgbClr val="000000"/>
               </a:buClr>
@@ -2874,47 +3211,22 @@
               <a:buChar char=""/>
             </a:pPr>
             <a:r>
-              <a:rPr b="0" lang="en-US" sz="3200" spc="-1" strike="noStrike">
+              <a:rPr lang="en-US" sz="3200" b="0" strike="noStrike" spc="-1">
                 <a:solidFill>
                   <a:srgbClr val="000000"/>
                 </a:solidFill>
                 <a:uFill>
                   <a:solidFill>
-                    <a:srgbClr val="ffffff"/>
+                    <a:srgbClr val="FFFFFF"/>
                   </a:solidFill>
                 </a:uFill>
                 <a:latin typeface="Arial"/>
               </a:rPr>
-              <a:t>Deep Deterministic Policy Gradient</a:t>
+              <a:t>Deep Deterministic Policy Gradient </a:t>
             </a:r>
-            <a:r>
-              <a:rPr b="0" lang="en-US" sz="3200" spc="-1" strike="noStrike">
-                <a:solidFill>
-                  <a:srgbClr val="000000"/>
-                </a:solidFill>
-                <a:uFill>
-                  <a:solidFill>
-                    <a:srgbClr val="ffffff"/>
-                  </a:solidFill>
-                </a:uFill>
-                <a:latin typeface="Arial"/>
-              </a:rPr>
-              <a:t> </a:t>
-            </a:r>
-            <a:endParaRPr b="0" lang="en-US" sz="3200" spc="-1" strike="noStrike">
-              <a:solidFill>
-                <a:srgbClr val="000000"/>
-              </a:solidFill>
-              <a:uFill>
-                <a:solidFill>
-                  <a:srgbClr val="ffffff"/>
-                </a:solidFill>
-              </a:uFill>
-              <a:latin typeface="Arial"/>
-            </a:endParaRPr>
           </a:p>
           <a:p>
-            <a:pPr lvl="2" marL="648000" indent="-216000">
+            <a:pPr marL="648000" lvl="2" indent="-216000">
               <a:buClr>
                 <a:srgbClr val="000000"/>
               </a:buClr>
@@ -2923,33 +3235,33 @@
               <a:buChar char=""/>
             </a:pPr>
             <a:r>
-              <a:rPr b="0" lang="en-US" sz="2800" spc="-1" strike="noStrike">
+              <a:rPr lang="en-US" sz="2800" b="0" strike="noStrike" spc="-1">
                 <a:solidFill>
                   <a:srgbClr val="000000"/>
                 </a:solidFill>
                 <a:uFill>
                   <a:solidFill>
-                    <a:srgbClr val="ffffff"/>
+                    <a:srgbClr val="FFFFFF"/>
                   </a:solidFill>
                 </a:uFill>
                 <a:latin typeface="Arial"/>
               </a:rPr>
               <a:t>Continuos action space</a:t>
             </a:r>
-            <a:endParaRPr b="0" lang="en-US" sz="3200" spc="-1" strike="noStrike">
+            <a:endParaRPr lang="en-US" sz="3200" b="0" strike="noStrike" spc="-1">
               <a:solidFill>
                 <a:srgbClr val="000000"/>
               </a:solidFill>
               <a:uFill>
                 <a:solidFill>
-                  <a:srgbClr val="ffffff"/>
+                  <a:srgbClr val="FFFFFF"/>
                 </a:solidFill>
               </a:uFill>
               <a:latin typeface="Arial"/>
             </a:endParaRPr>
           </a:p>
           <a:p>
-            <a:pPr lvl="2" marL="648000" indent="-216000">
+            <a:pPr marL="648000" lvl="2" indent="-216000">
               <a:buClr>
                 <a:srgbClr val="000000"/>
               </a:buClr>
@@ -2958,33 +3270,33 @@
               <a:buChar char=""/>
             </a:pPr>
             <a:r>
-              <a:rPr b="0" lang="en-US" sz="2800" spc="-1" strike="noStrike">
+              <a:rPr lang="en-US" sz="2800" b="0" strike="noStrike" spc="-1">
                 <a:solidFill>
                   <a:srgbClr val="000000"/>
                 </a:solidFill>
                 <a:uFill>
                   <a:solidFill>
-                    <a:srgbClr val="ffffff"/>
+                    <a:srgbClr val="FFFFFF"/>
                   </a:solidFill>
                 </a:uFill>
                 <a:latin typeface="Arial"/>
               </a:rPr>
               <a:t>Experience replay</a:t>
             </a:r>
-            <a:endParaRPr b="0" lang="en-US" sz="3200" spc="-1" strike="noStrike">
+            <a:endParaRPr lang="en-US" sz="3200" b="0" strike="noStrike" spc="-1">
               <a:solidFill>
                 <a:srgbClr val="000000"/>
               </a:solidFill>
               <a:uFill>
                 <a:solidFill>
-                  <a:srgbClr val="ffffff"/>
+                  <a:srgbClr val="FFFFFF"/>
                 </a:solidFill>
               </a:uFill>
               <a:latin typeface="Arial"/>
             </a:endParaRPr>
           </a:p>
           <a:p>
-            <a:pPr lvl="2" marL="648000" indent="-216000">
+            <a:pPr marL="648000" lvl="2" indent="-216000">
               <a:buClr>
                 <a:srgbClr val="000000"/>
               </a:buClr>
@@ -2993,33 +3305,33 @@
               <a:buChar char=""/>
             </a:pPr>
             <a:r>
-              <a:rPr b="0" lang="en-US" sz="2800" spc="-1" strike="noStrike">
+              <a:rPr lang="en-US" sz="2800" b="0" strike="noStrike" spc="-1">
                 <a:solidFill>
                   <a:srgbClr val="000000"/>
                 </a:solidFill>
                 <a:uFill>
                   <a:solidFill>
-                    <a:srgbClr val="ffffff"/>
+                    <a:srgbClr val="FFFFFF"/>
                   </a:solidFill>
                 </a:uFill>
                 <a:latin typeface="Arial"/>
               </a:rPr>
               <a:t>Action noise</a:t>
             </a:r>
-            <a:endParaRPr b="0" lang="en-US" sz="3200" spc="-1" strike="noStrike">
+            <a:endParaRPr lang="en-US" sz="3200" b="0" strike="noStrike" spc="-1">
               <a:solidFill>
                 <a:srgbClr val="000000"/>
               </a:solidFill>
               <a:uFill>
                 <a:solidFill>
-                  <a:srgbClr val="ffffff"/>
+                  <a:srgbClr val="FFFFFF"/>
                 </a:solidFill>
               </a:uFill>
               <a:latin typeface="Arial"/>
             </a:endParaRPr>
           </a:p>
           <a:p>
-            <a:pPr lvl="2" marL="648000" indent="-216000">
+            <a:pPr marL="648000" lvl="2" indent="-216000">
               <a:buClr>
                 <a:srgbClr val="000000"/>
               </a:buClr>
@@ -3028,26 +3340,26 @@
               <a:buChar char=""/>
             </a:pPr>
             <a:r>
-              <a:rPr b="0" lang="en-US" sz="2800" spc="-1" strike="noStrike">
+              <a:rPr lang="en-US" sz="2800" b="0" strike="noStrike" spc="-1">
                 <a:solidFill>
                   <a:srgbClr val="000000"/>
                 </a:solidFill>
                 <a:uFill>
                   <a:solidFill>
-                    <a:srgbClr val="ffffff"/>
+                    <a:srgbClr val="FFFFFF"/>
                   </a:solidFill>
                 </a:uFill>
                 <a:latin typeface="Arial"/>
               </a:rPr>
               <a:t>Gradient based method</a:t>
             </a:r>
-            <a:endParaRPr b="0" lang="en-US" sz="3200" spc="-1" strike="noStrike">
+            <a:endParaRPr lang="en-US" sz="3200" b="0" strike="noStrike" spc="-1">
               <a:solidFill>
                 <a:srgbClr val="000000"/>
               </a:solidFill>
               <a:uFill>
                 <a:solidFill>
-                  <a:srgbClr val="ffffff"/>
+                  <a:srgbClr val="FFFFFF"/>
                 </a:solidFill>
               </a:uFill>
               <a:latin typeface="Arial"/>
@@ -3057,13 +3369,13 @@
       </p:sp>
       <p:pic>
         <p:nvPicPr>
-          <p:cNvPr id="46" name="" descr=""/>
+          <p:cNvPr id="46" name="Picture 45"/>
           <p:cNvPicPr/>
           <p:nvPr/>
         </p:nvPicPr>
         <p:blipFill>
-          <a:blip r:embed="rId1"/>
-          <a:srcRect l="13022" t="0" r="11512" b="0"/>
+          <a:blip r:embed="rId3"/>
+          <a:srcRect l="13022" r="11512"/>
           <a:stretch/>
         </p:blipFill>
         <p:spPr>
@@ -3081,6 +3393,9 @@
       </p:pic>
     </p:spTree>
   </p:cSld>
+  <p:clrMapOvr>
+    <a:masterClrMapping/>
+  </p:clrMapOvr>
   <p:timing>
     <p:tnLst>
       <p:par>
@@ -3102,7 +3417,7 @@
                             </p:stCondLst>
                             <p:childTnLst>
                               <p:par>
-                                <p:cTn id="5" nodeType="clickEffect" fill="hold" presetClass="entr" presetID="1">
+                                <p:cTn id="5" presetID="1" presetClass="entr" fill="hold" nodeType="clickEffect">
                                   <p:stCondLst>
                                     <p:cond delay="0"/>
                                   </p:stCondLst>
@@ -3137,14 +3452,14 @@
                 </p:childTnLst>
               </p:cTn>
               <p:prevCondLst>
-                <p:cond delay="0" evt="onPrev">
+                <p:cond evt="onPrev" delay="0">
                   <p:tgtEl>
                     <p:sldTgt/>
                   </p:tgtEl>
                 </p:cond>
               </p:prevCondLst>
               <p:nextCondLst>
-                <p:cond delay="0" evt="onNext">
+                <p:cond evt="onNext" delay="0">
                   <p:tgtEl>
                     <p:sldTgt/>
                   </p:tgtEl>
@@ -3160,7 +3475,7 @@
 </file>
 
 <file path=ppt/slides/slide2.xml><?xml version="1.0" encoding="utf-8"?>
-<p:sld xmlns:a="http://schemas.openxmlformats.org/drawingml/2006/main" xmlns:p="http://schemas.openxmlformats.org/presentationml/2006/main" xmlns:r="http://schemas.openxmlformats.org/officeDocument/2006/relationships" xmlns:p14="http://schemas.microsoft.com/office/powerpoint/2010/main" xmlns:p15="http://schemas.microsoft.com/office/powerpoint/2012/main" xmlns:mc="http://schemas.openxmlformats.org/markup-compatibility/2006">
+<p:sld xmlns:a="http://schemas.openxmlformats.org/drawingml/2006/main" xmlns:r="http://schemas.openxmlformats.org/officeDocument/2006/relationships" xmlns:p="http://schemas.openxmlformats.org/presentationml/2006/main">
   <p:cSld>
     <p:spTree>
       <p:nvGrpSpPr>
@@ -3178,12 +3493,12 @@
       </p:grpSpPr>
       <p:pic>
         <p:nvPicPr>
-          <p:cNvPr id="47" name="" descr=""/>
+          <p:cNvPr id="47" name="Picture 46"/>
           <p:cNvPicPr/>
           <p:nvPr/>
         </p:nvPicPr>
         <p:blipFill>
-          <a:blip r:embed="rId1"/>
+          <a:blip r:embed="rId2"/>
           <a:stretch/>
         </p:blipFill>
         <p:spPr>
@@ -3219,16 +3534,17 @@
           </a:ln>
         </p:spPr>
         <p:txBody>
-          <a:bodyPr lIns="0" rIns="0" tIns="0" bIns="0" anchor="ctr"/>
+          <a:bodyPr lIns="0" tIns="0" rIns="0" bIns="0" anchor="ctr"/>
+          <a:lstStyle/>
           <a:p>
             <a:pPr algn="ctr"/>
-            <a:endParaRPr b="0" lang="en-US" sz="4400" spc="-1" strike="noStrike">
+            <a:endParaRPr lang="en-US" sz="4400" b="0" strike="noStrike" spc="-1">
               <a:solidFill>
                 <a:srgbClr val="000000"/>
               </a:solidFill>
               <a:uFill>
                 <a:solidFill>
-                  <a:srgbClr val="ffffff"/>
+                  <a:srgbClr val="FFFFFF"/>
                 </a:solidFill>
               </a:uFill>
               <a:latin typeface="Arial"/>
@@ -3256,16 +3572,17 @@
           </a:ln>
         </p:spPr>
         <p:txBody>
-          <a:bodyPr lIns="0" rIns="0" tIns="0" bIns="0" anchor="ctr"/>
+          <a:bodyPr lIns="0" tIns="0" rIns="0" bIns="0" anchor="ctr"/>
+          <a:lstStyle/>
           <a:p>
             <a:pPr algn="ctr"/>
-            <a:endParaRPr b="0" lang="en-US" sz="3200" spc="-1" strike="noStrike">
+            <a:endParaRPr lang="en-US" sz="3200" b="0" strike="noStrike" spc="-1">
               <a:solidFill>
                 <a:srgbClr val="000000"/>
               </a:solidFill>
               <a:uFill>
                 <a:solidFill>
-                  <a:srgbClr val="ffffff"/>
+                  <a:srgbClr val="FFFFFF"/>
                 </a:solidFill>
               </a:uFill>
               <a:latin typeface="Arial"/>
@@ -3275,22 +3592,5353 @@
       </p:sp>
     </p:spTree>
   </p:cSld>
+  <p:clrMapOvr>
+    <a:masterClrMapping/>
+  </p:clrMapOvr>
   <p:timing>
     <p:tnLst>
       <p:par>
-        <p:cTn id="7" dur="indefinite" restart="never" nodeType="tmRoot">
+        <p:cTn id="1" dur="indefinite" restart="never" nodeType="tmRoot">
           <p:childTnLst>
             <p:seq>
-              <p:cTn id="8" nodeType="mainSeq"/>
+              <p:cTn id="2" nodeType="mainSeq"/>
               <p:prevCondLst>
-                <p:cond delay="0" evt="onPrev">
+                <p:cond evt="onPrev" delay="0">
                   <p:tgtEl>
                     <p:sldTgt/>
                   </p:tgtEl>
                 </p:cond>
               </p:prevCondLst>
               <p:nextCondLst>
-                <p:cond delay="0" evt="onNext">
+                <p:cond evt="onNext" delay="0">
+                  <p:tgtEl>
+                    <p:sldTgt/>
+                  </p:tgtEl>
+                </p:cond>
+              </p:nextCondLst>
+            </p:seq>
+          </p:childTnLst>
+        </p:cTn>
+      </p:par>
+    </p:tnLst>
+  </p:timing>
+</p:sld>
+</file>
+
+<file path=ppt/slides/slide3.xml><?xml version="1.0" encoding="utf-8"?>
+<p:sld xmlns:a="http://schemas.openxmlformats.org/drawingml/2006/main" xmlns:r="http://schemas.openxmlformats.org/officeDocument/2006/relationships" xmlns:p="http://schemas.openxmlformats.org/presentationml/2006/main">
+  <p:cSld>
+    <p:spTree>
+      <p:nvGrpSpPr>
+        <p:cNvPr id="1" name=""/>
+        <p:cNvGrpSpPr/>
+        <p:nvPr/>
+      </p:nvGrpSpPr>
+      <p:grpSpPr>
+        <a:xfrm>
+          <a:off x="0" y="0"/>
+          <a:ext cx="0" cy="0"/>
+          <a:chOff x="0" y="0"/>
+          <a:chExt cx="0" cy="0"/>
+        </a:xfrm>
+      </p:grpSpPr>
+      <p:pic>
+        <p:nvPicPr>
+          <p:cNvPr id="5" name="Picture 4">
+            <a:extLst>
+              <a:ext uri="{FF2B5EF4-FFF2-40B4-BE49-F238E27FC236}">
+                <a16:creationId xmlns:a16="http://schemas.microsoft.com/office/drawing/2014/main" id="{8C57AB2E-8BA2-46A2-832A-763AE4E6F272}"/>
+              </a:ext>
+            </a:extLst>
+          </p:cNvPr>
+          <p:cNvPicPr>
+            <a:picLocks noChangeAspect="1"/>
+          </p:cNvPicPr>
+          <p:nvPr/>
+        </p:nvPicPr>
+        <p:blipFill>
+          <a:blip r:embed="rId2">
+            <a:extLst>
+              <a:ext uri="{28A0092B-C50C-407E-A947-70E740481C1C}">
+                <a14:useLocalDpi xmlns:a14="http://schemas.microsoft.com/office/drawing/2010/main" val="0"/>
+              </a:ext>
+            </a:extLst>
+          </a:blip>
+          <a:stretch>
+            <a:fillRect/>
+          </a:stretch>
+        </p:blipFill>
+        <p:spPr>
+          <a:xfrm>
+            <a:off x="10736" y="25417"/>
+            <a:ext cx="5266086" cy="2552400"/>
+          </a:xfrm>
+          <a:prstGeom prst="rect">
+            <a:avLst/>
+          </a:prstGeom>
+        </p:spPr>
+      </p:pic>
+      <p:pic>
+        <p:nvPicPr>
+          <p:cNvPr id="7" name="Picture 6">
+            <a:extLst>
+              <a:ext uri="{FF2B5EF4-FFF2-40B4-BE49-F238E27FC236}">
+                <a16:creationId xmlns:a16="http://schemas.microsoft.com/office/drawing/2014/main" id="{E31DFEFA-838B-4C3E-95E1-CCC335E0E0CC}"/>
+              </a:ext>
+            </a:extLst>
+          </p:cNvPr>
+          <p:cNvPicPr>
+            <a:picLocks noChangeAspect="1"/>
+          </p:cNvPicPr>
+          <p:nvPr/>
+        </p:nvPicPr>
+        <p:blipFill>
+          <a:blip r:embed="rId3">
+            <a:extLst>
+              <a:ext uri="{28A0092B-C50C-407E-A947-70E740481C1C}">
+                <a14:useLocalDpi xmlns:a14="http://schemas.microsoft.com/office/drawing/2010/main" val="0"/>
+              </a:ext>
+            </a:extLst>
+          </a:blip>
+          <a:stretch>
+            <a:fillRect/>
+          </a:stretch>
+        </p:blipFill>
+        <p:spPr>
+          <a:xfrm>
+            <a:off x="4717027" y="4981857"/>
+            <a:ext cx="5346811" cy="2552400"/>
+          </a:xfrm>
+          <a:prstGeom prst="rect">
+            <a:avLst/>
+          </a:prstGeom>
+        </p:spPr>
+      </p:pic>
+      <p:pic>
+        <p:nvPicPr>
+          <p:cNvPr id="9" name="Picture 8">
+            <a:extLst>
+              <a:ext uri="{FF2B5EF4-FFF2-40B4-BE49-F238E27FC236}">
+                <a16:creationId xmlns:a16="http://schemas.microsoft.com/office/drawing/2014/main" id="{E58DB6F5-B210-43E7-9B31-B49761F91DF7}"/>
+              </a:ext>
+            </a:extLst>
+          </p:cNvPr>
+          <p:cNvPicPr>
+            <a:picLocks noChangeAspect="1"/>
+          </p:cNvPicPr>
+          <p:nvPr/>
+        </p:nvPicPr>
+        <p:blipFill>
+          <a:blip r:embed="rId4">
+            <a:extLst>
+              <a:ext uri="{28A0092B-C50C-407E-A947-70E740481C1C}">
+                <a14:useLocalDpi xmlns:a14="http://schemas.microsoft.com/office/drawing/2010/main" val="0"/>
+              </a:ext>
+            </a:extLst>
+          </a:blip>
+          <a:stretch>
+            <a:fillRect/>
+          </a:stretch>
+        </p:blipFill>
+        <p:spPr>
+          <a:xfrm>
+            <a:off x="4927001" y="2476120"/>
+            <a:ext cx="5104870" cy="2552435"/>
+          </a:xfrm>
+          <a:prstGeom prst="rect">
+            <a:avLst/>
+          </a:prstGeom>
+        </p:spPr>
+      </p:pic>
+      <p:pic>
+        <p:nvPicPr>
+          <p:cNvPr id="11" name="Picture 10">
+            <a:extLst>
+              <a:ext uri="{FF2B5EF4-FFF2-40B4-BE49-F238E27FC236}">
+                <a16:creationId xmlns:a16="http://schemas.microsoft.com/office/drawing/2014/main" id="{84702B6A-7C01-4CE7-9969-3C4D21B72727}"/>
+              </a:ext>
+            </a:extLst>
+          </p:cNvPr>
+          <p:cNvPicPr>
+            <a:picLocks noChangeAspect="1"/>
+          </p:cNvPicPr>
+          <p:nvPr/>
+        </p:nvPicPr>
+        <p:blipFill>
+          <a:blip r:embed="rId5">
+            <a:extLst>
+              <a:ext uri="{28A0092B-C50C-407E-A947-70E740481C1C}">
+                <a14:useLocalDpi xmlns:a14="http://schemas.microsoft.com/office/drawing/2010/main" val="0"/>
+              </a:ext>
+            </a:extLst>
+          </a:blip>
+          <a:stretch>
+            <a:fillRect/>
+          </a:stretch>
+        </p:blipFill>
+        <p:spPr>
+          <a:xfrm>
+            <a:off x="4927002" y="32280"/>
+            <a:ext cx="5104869" cy="2552435"/>
+          </a:xfrm>
+          <a:prstGeom prst="rect">
+            <a:avLst/>
+          </a:prstGeom>
+        </p:spPr>
+      </p:pic>
+      <p:pic>
+        <p:nvPicPr>
+          <p:cNvPr id="13" name="Picture 12">
+            <a:extLst>
+              <a:ext uri="{FF2B5EF4-FFF2-40B4-BE49-F238E27FC236}">
+                <a16:creationId xmlns:a16="http://schemas.microsoft.com/office/drawing/2014/main" id="{18D53E17-D2F6-411E-9DFF-0D703E95814E}"/>
+              </a:ext>
+            </a:extLst>
+          </p:cNvPr>
+          <p:cNvPicPr>
+            <a:picLocks noChangeAspect="1"/>
+          </p:cNvPicPr>
+          <p:nvPr/>
+        </p:nvPicPr>
+        <p:blipFill>
+          <a:blip r:embed="rId6">
+            <a:extLst>
+              <a:ext uri="{28A0092B-C50C-407E-A947-70E740481C1C}">
+                <a14:useLocalDpi xmlns:a14="http://schemas.microsoft.com/office/drawing/2010/main" val="0"/>
+              </a:ext>
+            </a:extLst>
+          </a:blip>
+          <a:stretch>
+            <a:fillRect/>
+          </a:stretch>
+        </p:blipFill>
+        <p:spPr>
+          <a:xfrm>
+            <a:off x="16787" y="4981822"/>
+            <a:ext cx="5104870" cy="2552435"/>
+          </a:xfrm>
+          <a:prstGeom prst="rect">
+            <a:avLst/>
+          </a:prstGeom>
+        </p:spPr>
+      </p:pic>
+      <p:pic>
+        <p:nvPicPr>
+          <p:cNvPr id="15" name="Picture 14">
+            <a:extLst>
+              <a:ext uri="{FF2B5EF4-FFF2-40B4-BE49-F238E27FC236}">
+                <a16:creationId xmlns:a16="http://schemas.microsoft.com/office/drawing/2014/main" id="{DE274DE4-1910-45FE-80AB-1407ECF4F8BB}"/>
+              </a:ext>
+            </a:extLst>
+          </p:cNvPr>
+          <p:cNvPicPr>
+            <a:picLocks noChangeAspect="1"/>
+          </p:cNvPicPr>
+          <p:nvPr/>
+        </p:nvPicPr>
+        <p:blipFill>
+          <a:blip r:embed="rId7">
+            <a:extLst>
+              <a:ext uri="{28A0092B-C50C-407E-A947-70E740481C1C}">
+                <a14:useLocalDpi xmlns:a14="http://schemas.microsoft.com/office/drawing/2010/main" val="0"/>
+              </a:ext>
+            </a:extLst>
+          </a:blip>
+          <a:stretch>
+            <a:fillRect/>
+          </a:stretch>
+        </p:blipFill>
+        <p:spPr>
+          <a:xfrm>
+            <a:off x="-20167" y="2591578"/>
+            <a:ext cx="5104871" cy="2552436"/>
+          </a:xfrm>
+          <a:prstGeom prst="rect">
+            <a:avLst/>
+          </a:prstGeom>
+        </p:spPr>
+      </p:pic>
+    </p:spTree>
+    <p:extLst>
+      <p:ext uri="{BB962C8B-B14F-4D97-AF65-F5344CB8AC3E}">
+        <p14:creationId xmlns:p14="http://schemas.microsoft.com/office/powerpoint/2010/main" val="89312593"/>
+      </p:ext>
+    </p:extLst>
+  </p:cSld>
+  <p:clrMapOvr>
+    <a:masterClrMapping/>
+  </p:clrMapOvr>
+  <p:timing>
+    <p:tnLst>
+      <p:par>
+        <p:cTn id="1" dur="indefinite" restart="never" nodeType="tmRoot">
+          <p:childTnLst>
+            <p:seq concurrent="1" nextAc="seek">
+              <p:cTn id="2" dur="indefinite" nodeType="mainSeq">
+                <p:childTnLst>
+                  <p:par>
+                    <p:cTn id="3" fill="hold">
+                      <p:stCondLst>
+                        <p:cond delay="indefinite"/>
+                      </p:stCondLst>
+                      <p:childTnLst>
+                        <p:par>
+                          <p:cTn id="4" fill="hold">
+                            <p:stCondLst>
+                              <p:cond delay="0"/>
+                            </p:stCondLst>
+                            <p:childTnLst>
+                              <p:par>
+                                <p:cTn id="5" presetID="42" presetClass="path" presetSubtype="0" accel="50000" decel="50000" fill="hold" nodeType="clickEffect">
+                                  <p:stCondLst>
+                                    <p:cond delay="0"/>
+                                  </p:stCondLst>
+                                  <p:childTnLst>
+                                    <p:animMotion origin="layout" path="M -4.72441E-6 3.44393E-6 L 0.22819 0.29462 " pathEditMode="relative" rAng="0" ptsTypes="AA">
+                                      <p:cBhvr>
+                                        <p:cTn id="6" dur="2000" fill="hold"/>
+                                        <p:tgtEl>
+                                          <p:spTgt spid="5"/>
+                                        </p:tgtEl>
+                                        <p:attrNameLst>
+                                          <p:attrName>ppt_x</p:attrName>
+                                          <p:attrName>ppt_y</p:attrName>
+                                        </p:attrNameLst>
+                                      </p:cBhvr>
+                                      <p:rCtr x="11402" y="14721"/>
+                                    </p:animMotion>
+                                  </p:childTnLst>
+                                </p:cTn>
+                              </p:par>
+                              <p:par>
+                                <p:cTn id="7" presetID="6" presetClass="emph" presetSubtype="0" fill="hold" nodeType="withEffect">
+                                  <p:stCondLst>
+                                    <p:cond delay="0"/>
+                                  </p:stCondLst>
+                                  <p:childTnLst>
+                                    <p:animScale>
+                                      <p:cBhvr>
+                                        <p:cTn id="8" dur="2000" fill="hold"/>
+                                        <p:tgtEl>
+                                          <p:spTgt spid="5"/>
+                                        </p:tgtEl>
+                                      </p:cBhvr>
+                                      <p:by x="200000" y="200000"/>
+                                    </p:animScale>
+                                  </p:childTnLst>
+                                </p:cTn>
+                              </p:par>
+                              <p:par>
+                                <p:cTn id="9" presetID="1" presetClass="exit" presetSubtype="0" fill="hold" nodeType="withEffect">
+                                  <p:stCondLst>
+                                    <p:cond delay="0"/>
+                                  </p:stCondLst>
+                                  <p:childTnLst>
+                                    <p:set>
+                                      <p:cBhvr>
+                                        <p:cTn id="10" dur="1" fill="hold">
+                                          <p:stCondLst>
+                                            <p:cond delay="0"/>
+                                          </p:stCondLst>
+                                        </p:cTn>
+                                        <p:tgtEl>
+                                          <p:spTgt spid="7"/>
+                                        </p:tgtEl>
+                                        <p:attrNameLst>
+                                          <p:attrName>style.visibility</p:attrName>
+                                        </p:attrNameLst>
+                                      </p:cBhvr>
+                                      <p:to>
+                                        <p:strVal val="hidden"/>
+                                      </p:to>
+                                    </p:set>
+                                  </p:childTnLst>
+                                </p:cTn>
+                              </p:par>
+                              <p:par>
+                                <p:cTn id="11" presetID="1" presetClass="exit" presetSubtype="0" fill="hold" nodeType="withEffect">
+                                  <p:stCondLst>
+                                    <p:cond delay="0"/>
+                                  </p:stCondLst>
+                                  <p:childTnLst>
+                                    <p:set>
+                                      <p:cBhvr>
+                                        <p:cTn id="12" dur="1" fill="hold">
+                                          <p:stCondLst>
+                                            <p:cond delay="0"/>
+                                          </p:stCondLst>
+                                        </p:cTn>
+                                        <p:tgtEl>
+                                          <p:spTgt spid="11"/>
+                                        </p:tgtEl>
+                                        <p:attrNameLst>
+                                          <p:attrName>style.visibility</p:attrName>
+                                        </p:attrNameLst>
+                                      </p:cBhvr>
+                                      <p:to>
+                                        <p:strVal val="hidden"/>
+                                      </p:to>
+                                    </p:set>
+                                  </p:childTnLst>
+                                </p:cTn>
+                              </p:par>
+                              <p:par>
+                                <p:cTn id="13" presetID="1" presetClass="exit" presetSubtype="0" fill="hold" nodeType="withEffect">
+                                  <p:stCondLst>
+                                    <p:cond delay="0"/>
+                                  </p:stCondLst>
+                                  <p:childTnLst>
+                                    <p:set>
+                                      <p:cBhvr>
+                                        <p:cTn id="14" dur="1" fill="hold">
+                                          <p:stCondLst>
+                                            <p:cond delay="0"/>
+                                          </p:stCondLst>
+                                        </p:cTn>
+                                        <p:tgtEl>
+                                          <p:spTgt spid="9"/>
+                                        </p:tgtEl>
+                                        <p:attrNameLst>
+                                          <p:attrName>style.visibility</p:attrName>
+                                        </p:attrNameLst>
+                                      </p:cBhvr>
+                                      <p:to>
+                                        <p:strVal val="hidden"/>
+                                      </p:to>
+                                    </p:set>
+                                  </p:childTnLst>
+                                </p:cTn>
+                              </p:par>
+                              <p:par>
+                                <p:cTn id="15" presetID="1" presetClass="exit" presetSubtype="0" fill="hold" nodeType="withEffect">
+                                  <p:stCondLst>
+                                    <p:cond delay="0"/>
+                                  </p:stCondLst>
+                                  <p:childTnLst>
+                                    <p:set>
+                                      <p:cBhvr>
+                                        <p:cTn id="16" dur="1" fill="hold">
+                                          <p:stCondLst>
+                                            <p:cond delay="0"/>
+                                          </p:stCondLst>
+                                        </p:cTn>
+                                        <p:tgtEl>
+                                          <p:spTgt spid="15"/>
+                                        </p:tgtEl>
+                                        <p:attrNameLst>
+                                          <p:attrName>style.visibility</p:attrName>
+                                        </p:attrNameLst>
+                                      </p:cBhvr>
+                                      <p:to>
+                                        <p:strVal val="hidden"/>
+                                      </p:to>
+                                    </p:set>
+                                  </p:childTnLst>
+                                </p:cTn>
+                              </p:par>
+                              <p:par>
+                                <p:cTn id="17" presetID="1" presetClass="exit" presetSubtype="0" fill="hold" nodeType="withEffect">
+                                  <p:stCondLst>
+                                    <p:cond delay="0"/>
+                                  </p:stCondLst>
+                                  <p:childTnLst>
+                                    <p:set>
+                                      <p:cBhvr>
+                                        <p:cTn id="18" dur="1" fill="hold">
+                                          <p:stCondLst>
+                                            <p:cond delay="0"/>
+                                          </p:stCondLst>
+                                        </p:cTn>
+                                        <p:tgtEl>
+                                          <p:spTgt spid="13"/>
+                                        </p:tgtEl>
+                                        <p:attrNameLst>
+                                          <p:attrName>style.visibility</p:attrName>
+                                        </p:attrNameLst>
+                                      </p:cBhvr>
+                                      <p:to>
+                                        <p:strVal val="hidden"/>
+                                      </p:to>
+                                    </p:set>
+                                  </p:childTnLst>
+                                </p:cTn>
+                              </p:par>
+                            </p:childTnLst>
+                          </p:cTn>
+                        </p:par>
+                      </p:childTnLst>
+                    </p:cTn>
+                  </p:par>
+                  <p:par>
+                    <p:cTn id="19" fill="hold">
+                      <p:stCondLst>
+                        <p:cond delay="indefinite"/>
+                      </p:stCondLst>
+                      <p:childTnLst>
+                        <p:par>
+                          <p:cTn id="20" fill="hold">
+                            <p:stCondLst>
+                              <p:cond delay="0"/>
+                            </p:stCondLst>
+                            <p:childTnLst>
+                              <p:par>
+                                <p:cTn id="21" presetID="42" presetClass="path" presetSubtype="0" accel="50000" decel="50000" fill="hold" nodeType="clickEffect">
+                                  <p:stCondLst>
+                                    <p:cond delay="0"/>
+                                  </p:stCondLst>
+                                  <p:childTnLst>
+                                    <p:animMotion origin="layout" path="M 0.22819 0.29462 L -4.72441E-6 3.44393E-6 " pathEditMode="relative" rAng="0" ptsTypes="AA">
+                                      <p:cBhvr>
+                                        <p:cTn id="22" dur="2000" fill="hold"/>
+                                        <p:tgtEl>
+                                          <p:spTgt spid="5"/>
+                                        </p:tgtEl>
+                                        <p:attrNameLst>
+                                          <p:attrName>ppt_x</p:attrName>
+                                          <p:attrName>ppt_y</p:attrName>
+                                        </p:attrNameLst>
+                                      </p:cBhvr>
+                                      <p:rCtr x="-11417" y="-14742"/>
+                                    </p:animMotion>
+                                  </p:childTnLst>
+                                </p:cTn>
+                              </p:par>
+                              <p:par>
+                                <p:cTn id="23" presetID="6" presetClass="emph" presetSubtype="0" fill="hold" nodeType="withEffect">
+                                  <p:stCondLst>
+                                    <p:cond delay="0"/>
+                                  </p:stCondLst>
+                                  <p:childTnLst>
+                                    <p:animScale>
+                                      <p:cBhvr>
+                                        <p:cTn id="24" dur="2000" fill="hold"/>
+                                        <p:tgtEl>
+                                          <p:spTgt spid="5"/>
+                                        </p:tgtEl>
+                                      </p:cBhvr>
+                                      <p:by x="50000" y="50000"/>
+                                    </p:animScale>
+                                  </p:childTnLst>
+                                </p:cTn>
+                              </p:par>
+                            </p:childTnLst>
+                          </p:cTn>
+                        </p:par>
+                        <p:par>
+                          <p:cTn id="25" fill="hold">
+                            <p:stCondLst>
+                              <p:cond delay="2000"/>
+                            </p:stCondLst>
+                            <p:childTnLst>
+                              <p:par>
+                                <p:cTn id="26" presetID="1" presetClass="entr" presetSubtype="0" fill="hold" nodeType="afterEffect">
+                                  <p:stCondLst>
+                                    <p:cond delay="0"/>
+                                  </p:stCondLst>
+                                  <p:childTnLst>
+                                    <p:set>
+                                      <p:cBhvr>
+                                        <p:cTn id="27" dur="1" fill="hold">
+                                          <p:stCondLst>
+                                            <p:cond delay="0"/>
+                                          </p:stCondLst>
+                                        </p:cTn>
+                                        <p:tgtEl>
+                                          <p:spTgt spid="7"/>
+                                        </p:tgtEl>
+                                        <p:attrNameLst>
+                                          <p:attrName>style.visibility</p:attrName>
+                                        </p:attrNameLst>
+                                      </p:cBhvr>
+                                      <p:to>
+                                        <p:strVal val="visible"/>
+                                      </p:to>
+                                    </p:set>
+                                  </p:childTnLst>
+                                </p:cTn>
+                              </p:par>
+                              <p:par>
+                                <p:cTn id="28" presetID="1" presetClass="entr" presetSubtype="0" fill="hold" nodeType="withEffect">
+                                  <p:stCondLst>
+                                    <p:cond delay="0"/>
+                                  </p:stCondLst>
+                                  <p:childTnLst>
+                                    <p:set>
+                                      <p:cBhvr>
+                                        <p:cTn id="29" dur="1" fill="hold">
+                                          <p:stCondLst>
+                                            <p:cond delay="0"/>
+                                          </p:stCondLst>
+                                        </p:cTn>
+                                        <p:tgtEl>
+                                          <p:spTgt spid="11"/>
+                                        </p:tgtEl>
+                                        <p:attrNameLst>
+                                          <p:attrName>style.visibility</p:attrName>
+                                        </p:attrNameLst>
+                                      </p:cBhvr>
+                                      <p:to>
+                                        <p:strVal val="visible"/>
+                                      </p:to>
+                                    </p:set>
+                                  </p:childTnLst>
+                                </p:cTn>
+                              </p:par>
+                              <p:par>
+                                <p:cTn id="30" presetID="1" presetClass="entr" presetSubtype="0" fill="hold" nodeType="withEffect">
+                                  <p:stCondLst>
+                                    <p:cond delay="0"/>
+                                  </p:stCondLst>
+                                  <p:childTnLst>
+                                    <p:set>
+                                      <p:cBhvr>
+                                        <p:cTn id="31" dur="1" fill="hold">
+                                          <p:stCondLst>
+                                            <p:cond delay="0"/>
+                                          </p:stCondLst>
+                                        </p:cTn>
+                                        <p:tgtEl>
+                                          <p:spTgt spid="9"/>
+                                        </p:tgtEl>
+                                        <p:attrNameLst>
+                                          <p:attrName>style.visibility</p:attrName>
+                                        </p:attrNameLst>
+                                      </p:cBhvr>
+                                      <p:to>
+                                        <p:strVal val="visible"/>
+                                      </p:to>
+                                    </p:set>
+                                  </p:childTnLst>
+                                </p:cTn>
+                              </p:par>
+                              <p:par>
+                                <p:cTn id="32" presetID="1" presetClass="entr" presetSubtype="0" fill="hold" nodeType="withEffect">
+                                  <p:stCondLst>
+                                    <p:cond delay="0"/>
+                                  </p:stCondLst>
+                                  <p:childTnLst>
+                                    <p:set>
+                                      <p:cBhvr>
+                                        <p:cTn id="33" dur="1" fill="hold">
+                                          <p:stCondLst>
+                                            <p:cond delay="0"/>
+                                          </p:stCondLst>
+                                        </p:cTn>
+                                        <p:tgtEl>
+                                          <p:spTgt spid="15"/>
+                                        </p:tgtEl>
+                                        <p:attrNameLst>
+                                          <p:attrName>style.visibility</p:attrName>
+                                        </p:attrNameLst>
+                                      </p:cBhvr>
+                                      <p:to>
+                                        <p:strVal val="visible"/>
+                                      </p:to>
+                                    </p:set>
+                                  </p:childTnLst>
+                                </p:cTn>
+                              </p:par>
+                              <p:par>
+                                <p:cTn id="34" presetID="1" presetClass="entr" presetSubtype="0" fill="hold" nodeType="withEffect">
+                                  <p:stCondLst>
+                                    <p:cond delay="0"/>
+                                  </p:stCondLst>
+                                  <p:childTnLst>
+                                    <p:set>
+                                      <p:cBhvr>
+                                        <p:cTn id="35" dur="1" fill="hold">
+                                          <p:stCondLst>
+                                            <p:cond delay="0"/>
+                                          </p:stCondLst>
+                                        </p:cTn>
+                                        <p:tgtEl>
+                                          <p:spTgt spid="13"/>
+                                        </p:tgtEl>
+                                        <p:attrNameLst>
+                                          <p:attrName>style.visibility</p:attrName>
+                                        </p:attrNameLst>
+                                      </p:cBhvr>
+                                      <p:to>
+                                        <p:strVal val="visible"/>
+                                      </p:to>
+                                    </p:set>
+                                  </p:childTnLst>
+                                </p:cTn>
+                              </p:par>
+                            </p:childTnLst>
+                          </p:cTn>
+                        </p:par>
+                      </p:childTnLst>
+                    </p:cTn>
+                  </p:par>
+                  <p:par>
+                    <p:cTn id="36" fill="hold">
+                      <p:stCondLst>
+                        <p:cond delay="indefinite"/>
+                      </p:stCondLst>
+                      <p:childTnLst>
+                        <p:par>
+                          <p:cTn id="37" fill="hold">
+                            <p:stCondLst>
+                              <p:cond delay="0"/>
+                            </p:stCondLst>
+                            <p:childTnLst>
+                              <p:par>
+                                <p:cTn id="38" presetID="56" presetClass="path" presetSubtype="0" accel="50000" decel="50000" fill="hold" nodeType="clickEffect">
+                                  <p:stCondLst>
+                                    <p:cond delay="0"/>
+                                  </p:stCondLst>
+                                  <p:childTnLst>
+                                    <p:animMotion origin="layout" path="M 1.25984E-6 2.64595E-7 L 0.23921 -0.04473 " pathEditMode="relative" rAng="0" ptsTypes="AA">
+                                      <p:cBhvr>
+                                        <p:cTn id="39" dur="2000" fill="hold"/>
+                                        <p:tgtEl>
+                                          <p:spTgt spid="15"/>
+                                        </p:tgtEl>
+                                        <p:attrNameLst>
+                                          <p:attrName>ppt_x</p:attrName>
+                                          <p:attrName>ppt_y</p:attrName>
+                                        </p:attrNameLst>
+                                      </p:cBhvr>
+                                      <p:rCtr x="12016" y="-2331"/>
+                                    </p:animMotion>
+                                  </p:childTnLst>
+                                </p:cTn>
+                              </p:par>
+                              <p:par>
+                                <p:cTn id="40" presetID="6" presetClass="emph" presetSubtype="0" fill="hold" nodeType="withEffect">
+                                  <p:stCondLst>
+                                    <p:cond delay="0"/>
+                                  </p:stCondLst>
+                                  <p:childTnLst>
+                                    <p:animScale>
+                                      <p:cBhvr>
+                                        <p:cTn id="41" dur="2000" fill="hold"/>
+                                        <p:tgtEl>
+                                          <p:spTgt spid="15"/>
+                                        </p:tgtEl>
+                                      </p:cBhvr>
+                                      <p:by x="200000" y="200000"/>
+                                    </p:animScale>
+                                  </p:childTnLst>
+                                </p:cTn>
+                              </p:par>
+                              <p:par>
+                                <p:cTn id="42" presetID="1" presetClass="exit" presetSubtype="0" fill="hold" nodeType="withEffect">
+                                  <p:stCondLst>
+                                    <p:cond delay="0"/>
+                                  </p:stCondLst>
+                                  <p:childTnLst>
+                                    <p:set>
+                                      <p:cBhvr>
+                                        <p:cTn id="43" dur="1" fill="hold">
+                                          <p:stCondLst>
+                                            <p:cond delay="0"/>
+                                          </p:stCondLst>
+                                        </p:cTn>
+                                        <p:tgtEl>
+                                          <p:spTgt spid="5"/>
+                                        </p:tgtEl>
+                                        <p:attrNameLst>
+                                          <p:attrName>style.visibility</p:attrName>
+                                        </p:attrNameLst>
+                                      </p:cBhvr>
+                                      <p:to>
+                                        <p:strVal val="hidden"/>
+                                      </p:to>
+                                    </p:set>
+                                  </p:childTnLst>
+                                </p:cTn>
+                              </p:par>
+                              <p:par>
+                                <p:cTn id="44" presetID="1" presetClass="exit" presetSubtype="0" fill="hold" nodeType="withEffect">
+                                  <p:stCondLst>
+                                    <p:cond delay="0"/>
+                                  </p:stCondLst>
+                                  <p:childTnLst>
+                                    <p:set>
+                                      <p:cBhvr>
+                                        <p:cTn id="45" dur="1" fill="hold">
+                                          <p:stCondLst>
+                                            <p:cond delay="0"/>
+                                          </p:stCondLst>
+                                        </p:cTn>
+                                        <p:tgtEl>
+                                          <p:spTgt spid="7"/>
+                                        </p:tgtEl>
+                                        <p:attrNameLst>
+                                          <p:attrName>style.visibility</p:attrName>
+                                        </p:attrNameLst>
+                                      </p:cBhvr>
+                                      <p:to>
+                                        <p:strVal val="hidden"/>
+                                      </p:to>
+                                    </p:set>
+                                  </p:childTnLst>
+                                </p:cTn>
+                              </p:par>
+                              <p:par>
+                                <p:cTn id="46" presetID="1" presetClass="exit" presetSubtype="0" fill="hold" nodeType="withEffect">
+                                  <p:stCondLst>
+                                    <p:cond delay="0"/>
+                                  </p:stCondLst>
+                                  <p:childTnLst>
+                                    <p:set>
+                                      <p:cBhvr>
+                                        <p:cTn id="47" dur="1" fill="hold">
+                                          <p:stCondLst>
+                                            <p:cond delay="0"/>
+                                          </p:stCondLst>
+                                        </p:cTn>
+                                        <p:tgtEl>
+                                          <p:spTgt spid="11"/>
+                                        </p:tgtEl>
+                                        <p:attrNameLst>
+                                          <p:attrName>style.visibility</p:attrName>
+                                        </p:attrNameLst>
+                                      </p:cBhvr>
+                                      <p:to>
+                                        <p:strVal val="hidden"/>
+                                      </p:to>
+                                    </p:set>
+                                  </p:childTnLst>
+                                </p:cTn>
+                              </p:par>
+                              <p:par>
+                                <p:cTn id="48" presetID="1" presetClass="exit" presetSubtype="0" fill="hold" nodeType="withEffect">
+                                  <p:stCondLst>
+                                    <p:cond delay="0"/>
+                                  </p:stCondLst>
+                                  <p:childTnLst>
+                                    <p:set>
+                                      <p:cBhvr>
+                                        <p:cTn id="49" dur="1" fill="hold">
+                                          <p:stCondLst>
+                                            <p:cond delay="0"/>
+                                          </p:stCondLst>
+                                        </p:cTn>
+                                        <p:tgtEl>
+                                          <p:spTgt spid="9"/>
+                                        </p:tgtEl>
+                                        <p:attrNameLst>
+                                          <p:attrName>style.visibility</p:attrName>
+                                        </p:attrNameLst>
+                                      </p:cBhvr>
+                                      <p:to>
+                                        <p:strVal val="hidden"/>
+                                      </p:to>
+                                    </p:set>
+                                  </p:childTnLst>
+                                </p:cTn>
+                              </p:par>
+                              <p:par>
+                                <p:cTn id="50" presetID="1" presetClass="exit" presetSubtype="0" fill="hold" nodeType="withEffect">
+                                  <p:stCondLst>
+                                    <p:cond delay="0"/>
+                                  </p:stCondLst>
+                                  <p:childTnLst>
+                                    <p:set>
+                                      <p:cBhvr>
+                                        <p:cTn id="51" dur="1" fill="hold">
+                                          <p:stCondLst>
+                                            <p:cond delay="0"/>
+                                          </p:stCondLst>
+                                        </p:cTn>
+                                        <p:tgtEl>
+                                          <p:spTgt spid="13"/>
+                                        </p:tgtEl>
+                                        <p:attrNameLst>
+                                          <p:attrName>style.visibility</p:attrName>
+                                        </p:attrNameLst>
+                                      </p:cBhvr>
+                                      <p:to>
+                                        <p:strVal val="hidden"/>
+                                      </p:to>
+                                    </p:set>
+                                  </p:childTnLst>
+                                </p:cTn>
+                              </p:par>
+                            </p:childTnLst>
+                          </p:cTn>
+                        </p:par>
+                      </p:childTnLst>
+                    </p:cTn>
+                  </p:par>
+                  <p:par>
+                    <p:cTn id="52" fill="hold">
+                      <p:stCondLst>
+                        <p:cond delay="indefinite"/>
+                      </p:stCondLst>
+                      <p:childTnLst>
+                        <p:par>
+                          <p:cTn id="53" fill="hold">
+                            <p:stCondLst>
+                              <p:cond delay="0"/>
+                            </p:stCondLst>
+                            <p:childTnLst>
+                              <p:par>
+                                <p:cTn id="54" presetID="49" presetClass="path" presetSubtype="0" accel="50000" decel="50000" fill="hold" nodeType="clickEffect">
+                                  <p:stCondLst>
+                                    <p:cond delay="0"/>
+                                  </p:stCondLst>
+                                  <p:childTnLst>
+                                    <p:animMotion origin="layout" path="M 0.23921 -0.04473 L 1.10236E-6 2.05796E-7 " pathEditMode="relative" rAng="0" ptsTypes="AA">
+                                      <p:cBhvr>
+                                        <p:cTn id="55" dur="2000" fill="hold"/>
+                                        <p:tgtEl>
+                                          <p:spTgt spid="15"/>
+                                        </p:tgtEl>
+                                        <p:attrNameLst>
+                                          <p:attrName>ppt_x</p:attrName>
+                                          <p:attrName>ppt_y</p:attrName>
+                                        </p:attrNameLst>
+                                      </p:cBhvr>
+                                      <p:rCtr x="-12079" y="2163"/>
+                                    </p:animMotion>
+                                  </p:childTnLst>
+                                </p:cTn>
+                              </p:par>
+                              <p:par>
+                                <p:cTn id="56" presetID="6" presetClass="emph" presetSubtype="0" fill="hold" nodeType="withEffect">
+                                  <p:stCondLst>
+                                    <p:cond delay="0"/>
+                                  </p:stCondLst>
+                                  <p:childTnLst>
+                                    <p:animScale>
+                                      <p:cBhvr>
+                                        <p:cTn id="57" dur="2000" fill="hold"/>
+                                        <p:tgtEl>
+                                          <p:spTgt spid="15"/>
+                                        </p:tgtEl>
+                                      </p:cBhvr>
+                                      <p:by x="50000" y="50000"/>
+                                    </p:animScale>
+                                  </p:childTnLst>
+                                </p:cTn>
+                              </p:par>
+                            </p:childTnLst>
+                          </p:cTn>
+                        </p:par>
+                        <p:par>
+                          <p:cTn id="58" fill="hold">
+                            <p:stCondLst>
+                              <p:cond delay="2000"/>
+                            </p:stCondLst>
+                            <p:childTnLst>
+                              <p:par>
+                                <p:cTn id="59" presetID="1" presetClass="entr" presetSubtype="0" fill="hold" nodeType="afterEffect">
+                                  <p:stCondLst>
+                                    <p:cond delay="0"/>
+                                  </p:stCondLst>
+                                  <p:childTnLst>
+                                    <p:set>
+                                      <p:cBhvr>
+                                        <p:cTn id="60" dur="1" fill="hold">
+                                          <p:stCondLst>
+                                            <p:cond delay="0"/>
+                                          </p:stCondLst>
+                                        </p:cTn>
+                                        <p:tgtEl>
+                                          <p:spTgt spid="5"/>
+                                        </p:tgtEl>
+                                        <p:attrNameLst>
+                                          <p:attrName>style.visibility</p:attrName>
+                                        </p:attrNameLst>
+                                      </p:cBhvr>
+                                      <p:to>
+                                        <p:strVal val="visible"/>
+                                      </p:to>
+                                    </p:set>
+                                  </p:childTnLst>
+                                </p:cTn>
+                              </p:par>
+                              <p:par>
+                                <p:cTn id="61" presetID="1" presetClass="entr" presetSubtype="0" fill="hold" nodeType="withEffect">
+                                  <p:stCondLst>
+                                    <p:cond delay="0"/>
+                                  </p:stCondLst>
+                                  <p:childTnLst>
+                                    <p:set>
+                                      <p:cBhvr>
+                                        <p:cTn id="62" dur="1" fill="hold">
+                                          <p:stCondLst>
+                                            <p:cond delay="0"/>
+                                          </p:stCondLst>
+                                        </p:cTn>
+                                        <p:tgtEl>
+                                          <p:spTgt spid="7"/>
+                                        </p:tgtEl>
+                                        <p:attrNameLst>
+                                          <p:attrName>style.visibility</p:attrName>
+                                        </p:attrNameLst>
+                                      </p:cBhvr>
+                                      <p:to>
+                                        <p:strVal val="visible"/>
+                                      </p:to>
+                                    </p:set>
+                                  </p:childTnLst>
+                                </p:cTn>
+                              </p:par>
+                              <p:par>
+                                <p:cTn id="63" presetID="1" presetClass="entr" presetSubtype="0" fill="hold" nodeType="withEffect">
+                                  <p:stCondLst>
+                                    <p:cond delay="0"/>
+                                  </p:stCondLst>
+                                  <p:childTnLst>
+                                    <p:set>
+                                      <p:cBhvr>
+                                        <p:cTn id="64" dur="1" fill="hold">
+                                          <p:stCondLst>
+                                            <p:cond delay="0"/>
+                                          </p:stCondLst>
+                                        </p:cTn>
+                                        <p:tgtEl>
+                                          <p:spTgt spid="11"/>
+                                        </p:tgtEl>
+                                        <p:attrNameLst>
+                                          <p:attrName>style.visibility</p:attrName>
+                                        </p:attrNameLst>
+                                      </p:cBhvr>
+                                      <p:to>
+                                        <p:strVal val="visible"/>
+                                      </p:to>
+                                    </p:set>
+                                  </p:childTnLst>
+                                </p:cTn>
+                              </p:par>
+                              <p:par>
+                                <p:cTn id="65" presetID="1" presetClass="entr" presetSubtype="0" fill="hold" nodeType="withEffect">
+                                  <p:stCondLst>
+                                    <p:cond delay="0"/>
+                                  </p:stCondLst>
+                                  <p:childTnLst>
+                                    <p:set>
+                                      <p:cBhvr>
+                                        <p:cTn id="66" dur="1" fill="hold">
+                                          <p:stCondLst>
+                                            <p:cond delay="0"/>
+                                          </p:stCondLst>
+                                        </p:cTn>
+                                        <p:tgtEl>
+                                          <p:spTgt spid="9"/>
+                                        </p:tgtEl>
+                                        <p:attrNameLst>
+                                          <p:attrName>style.visibility</p:attrName>
+                                        </p:attrNameLst>
+                                      </p:cBhvr>
+                                      <p:to>
+                                        <p:strVal val="visible"/>
+                                      </p:to>
+                                    </p:set>
+                                  </p:childTnLst>
+                                </p:cTn>
+                              </p:par>
+                              <p:par>
+                                <p:cTn id="67" presetID="1" presetClass="entr" presetSubtype="0" fill="hold" nodeType="withEffect">
+                                  <p:stCondLst>
+                                    <p:cond delay="0"/>
+                                  </p:stCondLst>
+                                  <p:childTnLst>
+                                    <p:set>
+                                      <p:cBhvr>
+                                        <p:cTn id="68" dur="1" fill="hold">
+                                          <p:stCondLst>
+                                            <p:cond delay="0"/>
+                                          </p:stCondLst>
+                                        </p:cTn>
+                                        <p:tgtEl>
+                                          <p:spTgt spid="13"/>
+                                        </p:tgtEl>
+                                        <p:attrNameLst>
+                                          <p:attrName>style.visibility</p:attrName>
+                                        </p:attrNameLst>
+                                      </p:cBhvr>
+                                      <p:to>
+                                        <p:strVal val="visible"/>
+                                      </p:to>
+                                    </p:set>
+                                  </p:childTnLst>
+                                </p:cTn>
+                              </p:par>
+                            </p:childTnLst>
+                          </p:cTn>
+                        </p:par>
+                      </p:childTnLst>
+                    </p:cTn>
+                  </p:par>
+                  <p:par>
+                    <p:cTn id="69" fill="hold">
+                      <p:stCondLst>
+                        <p:cond delay="indefinite"/>
+                      </p:stCondLst>
+                      <p:childTnLst>
+                        <p:par>
+                          <p:cTn id="70" fill="hold">
+                            <p:stCondLst>
+                              <p:cond delay="0"/>
+                            </p:stCondLst>
+                            <p:childTnLst>
+                              <p:par>
+                                <p:cTn id="71" presetID="56" presetClass="path" presetSubtype="0" accel="50000" decel="50000" fill="hold" nodeType="clickEffect">
+                                  <p:stCondLst>
+                                    <p:cond delay="0"/>
+                                  </p:stCondLst>
+                                  <p:childTnLst>
+                                    <p:animMotion origin="layout" path="M -3.14961E-6 -3.44393E-6 L 0.23559 -0.36098 " pathEditMode="relative" rAng="0" ptsTypes="AA">
+                                      <p:cBhvr>
+                                        <p:cTn id="72" dur="2000" fill="hold"/>
+                                        <p:tgtEl>
+                                          <p:spTgt spid="13"/>
+                                        </p:tgtEl>
+                                        <p:attrNameLst>
+                                          <p:attrName>ppt_x</p:attrName>
+                                          <p:attrName>ppt_y</p:attrName>
+                                        </p:attrNameLst>
+                                      </p:cBhvr>
+                                      <p:rCtr x="11780" y="-18060"/>
+                                    </p:animMotion>
+                                  </p:childTnLst>
+                                </p:cTn>
+                              </p:par>
+                              <p:par>
+                                <p:cTn id="73" presetID="6" presetClass="emph" presetSubtype="0" fill="hold" nodeType="withEffect">
+                                  <p:stCondLst>
+                                    <p:cond delay="0"/>
+                                  </p:stCondLst>
+                                  <p:childTnLst>
+                                    <p:animScale>
+                                      <p:cBhvr>
+                                        <p:cTn id="74" dur="2000" fill="hold"/>
+                                        <p:tgtEl>
+                                          <p:spTgt spid="13"/>
+                                        </p:tgtEl>
+                                      </p:cBhvr>
+                                      <p:by x="200000" y="200000"/>
+                                    </p:animScale>
+                                  </p:childTnLst>
+                                </p:cTn>
+                              </p:par>
+                              <p:par>
+                                <p:cTn id="75" presetID="1" presetClass="exit" presetSubtype="0" fill="hold" nodeType="withEffect">
+                                  <p:stCondLst>
+                                    <p:cond delay="0"/>
+                                  </p:stCondLst>
+                                  <p:childTnLst>
+                                    <p:set>
+                                      <p:cBhvr>
+                                        <p:cTn id="76" dur="1" fill="hold">
+                                          <p:stCondLst>
+                                            <p:cond delay="0"/>
+                                          </p:stCondLst>
+                                        </p:cTn>
+                                        <p:tgtEl>
+                                          <p:spTgt spid="5"/>
+                                        </p:tgtEl>
+                                        <p:attrNameLst>
+                                          <p:attrName>style.visibility</p:attrName>
+                                        </p:attrNameLst>
+                                      </p:cBhvr>
+                                      <p:to>
+                                        <p:strVal val="hidden"/>
+                                      </p:to>
+                                    </p:set>
+                                  </p:childTnLst>
+                                </p:cTn>
+                              </p:par>
+                              <p:par>
+                                <p:cTn id="77" presetID="1" presetClass="exit" presetSubtype="0" fill="hold" nodeType="withEffect">
+                                  <p:stCondLst>
+                                    <p:cond delay="0"/>
+                                  </p:stCondLst>
+                                  <p:childTnLst>
+                                    <p:set>
+                                      <p:cBhvr>
+                                        <p:cTn id="78" dur="1" fill="hold">
+                                          <p:stCondLst>
+                                            <p:cond delay="0"/>
+                                          </p:stCondLst>
+                                        </p:cTn>
+                                        <p:tgtEl>
+                                          <p:spTgt spid="7"/>
+                                        </p:tgtEl>
+                                        <p:attrNameLst>
+                                          <p:attrName>style.visibility</p:attrName>
+                                        </p:attrNameLst>
+                                      </p:cBhvr>
+                                      <p:to>
+                                        <p:strVal val="hidden"/>
+                                      </p:to>
+                                    </p:set>
+                                  </p:childTnLst>
+                                </p:cTn>
+                              </p:par>
+                              <p:par>
+                                <p:cTn id="79" presetID="1" presetClass="exit" presetSubtype="0" fill="hold" nodeType="withEffect">
+                                  <p:stCondLst>
+                                    <p:cond delay="0"/>
+                                  </p:stCondLst>
+                                  <p:childTnLst>
+                                    <p:set>
+                                      <p:cBhvr>
+                                        <p:cTn id="80" dur="1" fill="hold">
+                                          <p:stCondLst>
+                                            <p:cond delay="0"/>
+                                          </p:stCondLst>
+                                        </p:cTn>
+                                        <p:tgtEl>
+                                          <p:spTgt spid="11"/>
+                                        </p:tgtEl>
+                                        <p:attrNameLst>
+                                          <p:attrName>style.visibility</p:attrName>
+                                        </p:attrNameLst>
+                                      </p:cBhvr>
+                                      <p:to>
+                                        <p:strVal val="hidden"/>
+                                      </p:to>
+                                    </p:set>
+                                  </p:childTnLst>
+                                </p:cTn>
+                              </p:par>
+                              <p:par>
+                                <p:cTn id="81" presetID="1" presetClass="exit" presetSubtype="0" fill="hold" nodeType="withEffect">
+                                  <p:stCondLst>
+                                    <p:cond delay="0"/>
+                                  </p:stCondLst>
+                                  <p:childTnLst>
+                                    <p:set>
+                                      <p:cBhvr>
+                                        <p:cTn id="82" dur="1" fill="hold">
+                                          <p:stCondLst>
+                                            <p:cond delay="0"/>
+                                          </p:stCondLst>
+                                        </p:cTn>
+                                        <p:tgtEl>
+                                          <p:spTgt spid="9"/>
+                                        </p:tgtEl>
+                                        <p:attrNameLst>
+                                          <p:attrName>style.visibility</p:attrName>
+                                        </p:attrNameLst>
+                                      </p:cBhvr>
+                                      <p:to>
+                                        <p:strVal val="hidden"/>
+                                      </p:to>
+                                    </p:set>
+                                  </p:childTnLst>
+                                </p:cTn>
+                              </p:par>
+                              <p:par>
+                                <p:cTn id="83" presetID="1" presetClass="exit" presetSubtype="0" fill="hold" nodeType="withEffect">
+                                  <p:stCondLst>
+                                    <p:cond delay="0"/>
+                                  </p:stCondLst>
+                                  <p:childTnLst>
+                                    <p:set>
+                                      <p:cBhvr>
+                                        <p:cTn id="84" dur="1" fill="hold">
+                                          <p:stCondLst>
+                                            <p:cond delay="0"/>
+                                          </p:stCondLst>
+                                        </p:cTn>
+                                        <p:tgtEl>
+                                          <p:spTgt spid="15"/>
+                                        </p:tgtEl>
+                                        <p:attrNameLst>
+                                          <p:attrName>style.visibility</p:attrName>
+                                        </p:attrNameLst>
+                                      </p:cBhvr>
+                                      <p:to>
+                                        <p:strVal val="hidden"/>
+                                      </p:to>
+                                    </p:set>
+                                  </p:childTnLst>
+                                </p:cTn>
+                              </p:par>
+                            </p:childTnLst>
+                          </p:cTn>
+                        </p:par>
+                      </p:childTnLst>
+                    </p:cTn>
+                  </p:par>
+                  <p:par>
+                    <p:cTn id="85" fill="hold">
+                      <p:stCondLst>
+                        <p:cond delay="indefinite"/>
+                      </p:stCondLst>
+                      <p:childTnLst>
+                        <p:par>
+                          <p:cTn id="86" fill="hold">
+                            <p:stCondLst>
+                              <p:cond delay="0"/>
+                            </p:stCondLst>
+                            <p:childTnLst>
+                              <p:par>
+                                <p:cTn id="87" presetID="49" presetClass="path" presetSubtype="0" accel="50000" decel="50000" fill="hold" nodeType="clickEffect">
+                                  <p:stCondLst>
+                                    <p:cond delay="0"/>
+                                  </p:stCondLst>
+                                  <p:childTnLst>
+                                    <p:animMotion origin="layout" path="M 0.23559 -0.36098 L 1.88976E-6 -3.43553E-6 " pathEditMode="relative" rAng="0" ptsTypes="AA">
+                                      <p:cBhvr>
+                                        <p:cTn id="88" dur="2000" fill="hold"/>
+                                        <p:tgtEl>
+                                          <p:spTgt spid="13"/>
+                                        </p:tgtEl>
+                                        <p:attrNameLst>
+                                          <p:attrName>ppt_x</p:attrName>
+                                          <p:attrName>ppt_y</p:attrName>
+                                        </p:attrNameLst>
+                                      </p:cBhvr>
+                                      <p:rCtr x="-11764" y="18060"/>
+                                    </p:animMotion>
+                                  </p:childTnLst>
+                                </p:cTn>
+                              </p:par>
+                              <p:par>
+                                <p:cTn id="89" presetID="6" presetClass="emph" presetSubtype="0" fill="hold" nodeType="withEffect">
+                                  <p:stCondLst>
+                                    <p:cond delay="0"/>
+                                  </p:stCondLst>
+                                  <p:childTnLst>
+                                    <p:animScale>
+                                      <p:cBhvr>
+                                        <p:cTn id="90" dur="2000" fill="hold"/>
+                                        <p:tgtEl>
+                                          <p:spTgt spid="13"/>
+                                        </p:tgtEl>
+                                      </p:cBhvr>
+                                      <p:by x="50000" y="50000"/>
+                                    </p:animScale>
+                                  </p:childTnLst>
+                                </p:cTn>
+                              </p:par>
+                            </p:childTnLst>
+                          </p:cTn>
+                        </p:par>
+                        <p:par>
+                          <p:cTn id="91" fill="hold">
+                            <p:stCondLst>
+                              <p:cond delay="2000"/>
+                            </p:stCondLst>
+                            <p:childTnLst>
+                              <p:par>
+                                <p:cTn id="92" presetID="1" presetClass="entr" presetSubtype="0" fill="hold" nodeType="afterEffect">
+                                  <p:stCondLst>
+                                    <p:cond delay="0"/>
+                                  </p:stCondLst>
+                                  <p:childTnLst>
+                                    <p:set>
+                                      <p:cBhvr>
+                                        <p:cTn id="93" dur="1" fill="hold">
+                                          <p:stCondLst>
+                                            <p:cond delay="0"/>
+                                          </p:stCondLst>
+                                        </p:cTn>
+                                        <p:tgtEl>
+                                          <p:spTgt spid="5"/>
+                                        </p:tgtEl>
+                                        <p:attrNameLst>
+                                          <p:attrName>style.visibility</p:attrName>
+                                        </p:attrNameLst>
+                                      </p:cBhvr>
+                                      <p:to>
+                                        <p:strVal val="visible"/>
+                                      </p:to>
+                                    </p:set>
+                                  </p:childTnLst>
+                                </p:cTn>
+                              </p:par>
+                            </p:childTnLst>
+                          </p:cTn>
+                        </p:par>
+                        <p:par>
+                          <p:cTn id="94" fill="hold">
+                            <p:stCondLst>
+                              <p:cond delay="2000"/>
+                            </p:stCondLst>
+                            <p:childTnLst>
+                              <p:par>
+                                <p:cTn id="95" presetID="1" presetClass="entr" presetSubtype="0" fill="hold" nodeType="afterEffect">
+                                  <p:stCondLst>
+                                    <p:cond delay="0"/>
+                                  </p:stCondLst>
+                                  <p:childTnLst>
+                                    <p:set>
+                                      <p:cBhvr>
+                                        <p:cTn id="96" dur="1" fill="hold">
+                                          <p:stCondLst>
+                                            <p:cond delay="0"/>
+                                          </p:stCondLst>
+                                        </p:cTn>
+                                        <p:tgtEl>
+                                          <p:spTgt spid="7"/>
+                                        </p:tgtEl>
+                                        <p:attrNameLst>
+                                          <p:attrName>style.visibility</p:attrName>
+                                        </p:attrNameLst>
+                                      </p:cBhvr>
+                                      <p:to>
+                                        <p:strVal val="visible"/>
+                                      </p:to>
+                                    </p:set>
+                                  </p:childTnLst>
+                                </p:cTn>
+                              </p:par>
+                            </p:childTnLst>
+                          </p:cTn>
+                        </p:par>
+                        <p:par>
+                          <p:cTn id="97" fill="hold">
+                            <p:stCondLst>
+                              <p:cond delay="2000"/>
+                            </p:stCondLst>
+                            <p:childTnLst>
+                              <p:par>
+                                <p:cTn id="98" presetID="1" presetClass="entr" presetSubtype="0" fill="hold" nodeType="afterEffect">
+                                  <p:stCondLst>
+                                    <p:cond delay="0"/>
+                                  </p:stCondLst>
+                                  <p:childTnLst>
+                                    <p:set>
+                                      <p:cBhvr>
+                                        <p:cTn id="99" dur="1" fill="hold">
+                                          <p:stCondLst>
+                                            <p:cond delay="0"/>
+                                          </p:stCondLst>
+                                        </p:cTn>
+                                        <p:tgtEl>
+                                          <p:spTgt spid="11"/>
+                                        </p:tgtEl>
+                                        <p:attrNameLst>
+                                          <p:attrName>style.visibility</p:attrName>
+                                        </p:attrNameLst>
+                                      </p:cBhvr>
+                                      <p:to>
+                                        <p:strVal val="visible"/>
+                                      </p:to>
+                                    </p:set>
+                                  </p:childTnLst>
+                                </p:cTn>
+                              </p:par>
+                            </p:childTnLst>
+                          </p:cTn>
+                        </p:par>
+                        <p:par>
+                          <p:cTn id="100" fill="hold">
+                            <p:stCondLst>
+                              <p:cond delay="2000"/>
+                            </p:stCondLst>
+                            <p:childTnLst>
+                              <p:par>
+                                <p:cTn id="101" presetID="1" presetClass="entr" presetSubtype="0" fill="hold" nodeType="afterEffect">
+                                  <p:stCondLst>
+                                    <p:cond delay="0"/>
+                                  </p:stCondLst>
+                                  <p:childTnLst>
+                                    <p:set>
+                                      <p:cBhvr>
+                                        <p:cTn id="102" dur="1" fill="hold">
+                                          <p:stCondLst>
+                                            <p:cond delay="0"/>
+                                          </p:stCondLst>
+                                        </p:cTn>
+                                        <p:tgtEl>
+                                          <p:spTgt spid="9"/>
+                                        </p:tgtEl>
+                                        <p:attrNameLst>
+                                          <p:attrName>style.visibility</p:attrName>
+                                        </p:attrNameLst>
+                                      </p:cBhvr>
+                                      <p:to>
+                                        <p:strVal val="visible"/>
+                                      </p:to>
+                                    </p:set>
+                                  </p:childTnLst>
+                                </p:cTn>
+                              </p:par>
+                            </p:childTnLst>
+                          </p:cTn>
+                        </p:par>
+                        <p:par>
+                          <p:cTn id="103" fill="hold">
+                            <p:stCondLst>
+                              <p:cond delay="2000"/>
+                            </p:stCondLst>
+                            <p:childTnLst>
+                              <p:par>
+                                <p:cTn id="104" presetID="1" presetClass="entr" presetSubtype="0" fill="hold" nodeType="afterEffect">
+                                  <p:stCondLst>
+                                    <p:cond delay="0"/>
+                                  </p:stCondLst>
+                                  <p:childTnLst>
+                                    <p:set>
+                                      <p:cBhvr>
+                                        <p:cTn id="105" dur="1" fill="hold">
+                                          <p:stCondLst>
+                                            <p:cond delay="0"/>
+                                          </p:stCondLst>
+                                        </p:cTn>
+                                        <p:tgtEl>
+                                          <p:spTgt spid="15"/>
+                                        </p:tgtEl>
+                                        <p:attrNameLst>
+                                          <p:attrName>style.visibility</p:attrName>
+                                        </p:attrNameLst>
+                                      </p:cBhvr>
+                                      <p:to>
+                                        <p:strVal val="visible"/>
+                                      </p:to>
+                                    </p:set>
+                                  </p:childTnLst>
+                                </p:cTn>
+                              </p:par>
+                            </p:childTnLst>
+                          </p:cTn>
+                        </p:par>
+                      </p:childTnLst>
+                    </p:cTn>
+                  </p:par>
+                  <p:par>
+                    <p:cTn id="106" fill="hold">
+                      <p:stCondLst>
+                        <p:cond delay="indefinite"/>
+                      </p:stCondLst>
+                      <p:childTnLst>
+                        <p:par>
+                          <p:cTn id="107" fill="hold">
+                            <p:stCondLst>
+                              <p:cond delay="0"/>
+                            </p:stCondLst>
+                            <p:childTnLst>
+                              <p:par>
+                                <p:cTn id="108" presetID="49" presetClass="path" presetSubtype="0" accel="50000" decel="50000" fill="hold" nodeType="clickEffect">
+                                  <p:stCondLst>
+                                    <p:cond delay="0"/>
+                                  </p:stCondLst>
+                                  <p:childTnLst>
+                                    <p:animMotion origin="layout" path="M 2.3622E-7 3.46073E-6 L -0.25149 0.29378 " pathEditMode="relative" rAng="0" ptsTypes="AA">
+                                      <p:cBhvr>
+                                        <p:cTn id="109" dur="2000" fill="hold"/>
+                                        <p:tgtEl>
+                                          <p:spTgt spid="11"/>
+                                        </p:tgtEl>
+                                        <p:attrNameLst>
+                                          <p:attrName>ppt_x</p:attrName>
+                                          <p:attrName>ppt_y</p:attrName>
+                                        </p:attrNameLst>
+                                      </p:cBhvr>
+                                      <p:rCtr x="-12740" y="14742"/>
+                                    </p:animMotion>
+                                  </p:childTnLst>
+                                </p:cTn>
+                              </p:par>
+                              <p:par>
+                                <p:cTn id="110" presetID="6" presetClass="emph" presetSubtype="0" fill="hold" nodeType="withEffect">
+                                  <p:stCondLst>
+                                    <p:cond delay="0"/>
+                                  </p:stCondLst>
+                                  <p:childTnLst>
+                                    <p:animScale>
+                                      <p:cBhvr>
+                                        <p:cTn id="111" dur="2000" fill="hold"/>
+                                        <p:tgtEl>
+                                          <p:spTgt spid="11"/>
+                                        </p:tgtEl>
+                                      </p:cBhvr>
+                                      <p:by x="200000" y="200000"/>
+                                    </p:animScale>
+                                  </p:childTnLst>
+                                </p:cTn>
+                              </p:par>
+                              <p:par>
+                                <p:cTn id="112" presetID="1" presetClass="exit" presetSubtype="0" fill="hold" nodeType="withEffect">
+                                  <p:stCondLst>
+                                    <p:cond delay="0"/>
+                                  </p:stCondLst>
+                                  <p:childTnLst>
+                                    <p:set>
+                                      <p:cBhvr>
+                                        <p:cTn id="113" dur="1" fill="hold">
+                                          <p:stCondLst>
+                                            <p:cond delay="0"/>
+                                          </p:stCondLst>
+                                        </p:cTn>
+                                        <p:tgtEl>
+                                          <p:spTgt spid="5"/>
+                                        </p:tgtEl>
+                                        <p:attrNameLst>
+                                          <p:attrName>style.visibility</p:attrName>
+                                        </p:attrNameLst>
+                                      </p:cBhvr>
+                                      <p:to>
+                                        <p:strVal val="hidden"/>
+                                      </p:to>
+                                    </p:set>
+                                  </p:childTnLst>
+                                </p:cTn>
+                              </p:par>
+                              <p:par>
+                                <p:cTn id="114" presetID="1" presetClass="exit" presetSubtype="0" fill="hold" nodeType="withEffect">
+                                  <p:stCondLst>
+                                    <p:cond delay="0"/>
+                                  </p:stCondLst>
+                                  <p:childTnLst>
+                                    <p:set>
+                                      <p:cBhvr>
+                                        <p:cTn id="115" dur="1" fill="hold">
+                                          <p:stCondLst>
+                                            <p:cond delay="0"/>
+                                          </p:stCondLst>
+                                        </p:cTn>
+                                        <p:tgtEl>
+                                          <p:spTgt spid="7"/>
+                                        </p:tgtEl>
+                                        <p:attrNameLst>
+                                          <p:attrName>style.visibility</p:attrName>
+                                        </p:attrNameLst>
+                                      </p:cBhvr>
+                                      <p:to>
+                                        <p:strVal val="hidden"/>
+                                      </p:to>
+                                    </p:set>
+                                  </p:childTnLst>
+                                </p:cTn>
+                              </p:par>
+                              <p:par>
+                                <p:cTn id="116" presetID="1" presetClass="exit" presetSubtype="0" fill="hold" nodeType="withEffect">
+                                  <p:stCondLst>
+                                    <p:cond delay="0"/>
+                                  </p:stCondLst>
+                                  <p:childTnLst>
+                                    <p:set>
+                                      <p:cBhvr>
+                                        <p:cTn id="117" dur="1" fill="hold">
+                                          <p:stCondLst>
+                                            <p:cond delay="0"/>
+                                          </p:stCondLst>
+                                        </p:cTn>
+                                        <p:tgtEl>
+                                          <p:spTgt spid="9"/>
+                                        </p:tgtEl>
+                                        <p:attrNameLst>
+                                          <p:attrName>style.visibility</p:attrName>
+                                        </p:attrNameLst>
+                                      </p:cBhvr>
+                                      <p:to>
+                                        <p:strVal val="hidden"/>
+                                      </p:to>
+                                    </p:set>
+                                  </p:childTnLst>
+                                </p:cTn>
+                              </p:par>
+                              <p:par>
+                                <p:cTn id="118" presetID="1" presetClass="exit" presetSubtype="0" fill="hold" nodeType="withEffect">
+                                  <p:stCondLst>
+                                    <p:cond delay="0"/>
+                                  </p:stCondLst>
+                                  <p:childTnLst>
+                                    <p:set>
+                                      <p:cBhvr>
+                                        <p:cTn id="119" dur="1" fill="hold">
+                                          <p:stCondLst>
+                                            <p:cond delay="0"/>
+                                          </p:stCondLst>
+                                        </p:cTn>
+                                        <p:tgtEl>
+                                          <p:spTgt spid="15"/>
+                                        </p:tgtEl>
+                                        <p:attrNameLst>
+                                          <p:attrName>style.visibility</p:attrName>
+                                        </p:attrNameLst>
+                                      </p:cBhvr>
+                                      <p:to>
+                                        <p:strVal val="hidden"/>
+                                      </p:to>
+                                    </p:set>
+                                  </p:childTnLst>
+                                </p:cTn>
+                              </p:par>
+                              <p:par>
+                                <p:cTn id="120" presetID="1" presetClass="exit" presetSubtype="0" fill="hold" nodeType="withEffect">
+                                  <p:stCondLst>
+                                    <p:cond delay="0"/>
+                                  </p:stCondLst>
+                                  <p:childTnLst>
+                                    <p:set>
+                                      <p:cBhvr>
+                                        <p:cTn id="121" dur="1" fill="hold">
+                                          <p:stCondLst>
+                                            <p:cond delay="0"/>
+                                          </p:stCondLst>
+                                        </p:cTn>
+                                        <p:tgtEl>
+                                          <p:spTgt spid="13"/>
+                                        </p:tgtEl>
+                                        <p:attrNameLst>
+                                          <p:attrName>style.visibility</p:attrName>
+                                        </p:attrNameLst>
+                                      </p:cBhvr>
+                                      <p:to>
+                                        <p:strVal val="hidden"/>
+                                      </p:to>
+                                    </p:set>
+                                  </p:childTnLst>
+                                </p:cTn>
+                              </p:par>
+                            </p:childTnLst>
+                          </p:cTn>
+                        </p:par>
+                      </p:childTnLst>
+                    </p:cTn>
+                  </p:par>
+                  <p:par>
+                    <p:cTn id="122" fill="hold">
+                      <p:stCondLst>
+                        <p:cond delay="indefinite"/>
+                      </p:stCondLst>
+                      <p:childTnLst>
+                        <p:par>
+                          <p:cTn id="123" fill="hold">
+                            <p:stCondLst>
+                              <p:cond delay="0"/>
+                            </p:stCondLst>
+                            <p:childTnLst>
+                              <p:par>
+                                <p:cTn id="124" presetID="56" presetClass="path" presetSubtype="0" accel="50000" decel="50000" fill="hold" nodeType="clickEffect">
+                                  <p:stCondLst>
+                                    <p:cond delay="0"/>
+                                  </p:stCondLst>
+                                  <p:childTnLst>
+                                    <p:animMotion origin="layout" path="M -0.2515 0.29378 L 2.3622E-7 3.46073E-6 " pathEditMode="relative" rAng="0" ptsTypes="AA">
+                                      <p:cBhvr>
+                                        <p:cTn id="125" dur="2000" fill="hold"/>
+                                        <p:tgtEl>
+                                          <p:spTgt spid="11"/>
+                                        </p:tgtEl>
+                                        <p:attrNameLst>
+                                          <p:attrName>ppt_x</p:attrName>
+                                          <p:attrName>ppt_y</p:attrName>
+                                        </p:attrNameLst>
+                                      </p:cBhvr>
+                                      <p:rCtr x="12567" y="-14973"/>
+                                    </p:animMotion>
+                                  </p:childTnLst>
+                                </p:cTn>
+                              </p:par>
+                              <p:par>
+                                <p:cTn id="126" presetID="6" presetClass="emph" presetSubtype="0" fill="hold" nodeType="withEffect">
+                                  <p:stCondLst>
+                                    <p:cond delay="0"/>
+                                  </p:stCondLst>
+                                  <p:childTnLst>
+                                    <p:animScale>
+                                      <p:cBhvr>
+                                        <p:cTn id="127" dur="2000" fill="hold"/>
+                                        <p:tgtEl>
+                                          <p:spTgt spid="11"/>
+                                        </p:tgtEl>
+                                      </p:cBhvr>
+                                      <p:by x="50000" y="50000"/>
+                                    </p:animScale>
+                                  </p:childTnLst>
+                                </p:cTn>
+                              </p:par>
+                            </p:childTnLst>
+                          </p:cTn>
+                        </p:par>
+                        <p:par>
+                          <p:cTn id="128" fill="hold">
+                            <p:stCondLst>
+                              <p:cond delay="2000"/>
+                            </p:stCondLst>
+                            <p:childTnLst>
+                              <p:par>
+                                <p:cTn id="129" presetID="1" presetClass="entr" presetSubtype="0" fill="hold" nodeType="afterEffect">
+                                  <p:stCondLst>
+                                    <p:cond delay="0"/>
+                                  </p:stCondLst>
+                                  <p:childTnLst>
+                                    <p:set>
+                                      <p:cBhvr>
+                                        <p:cTn id="130" dur="1" fill="hold">
+                                          <p:stCondLst>
+                                            <p:cond delay="0"/>
+                                          </p:stCondLst>
+                                        </p:cTn>
+                                        <p:tgtEl>
+                                          <p:spTgt spid="5"/>
+                                        </p:tgtEl>
+                                        <p:attrNameLst>
+                                          <p:attrName>style.visibility</p:attrName>
+                                        </p:attrNameLst>
+                                      </p:cBhvr>
+                                      <p:to>
+                                        <p:strVal val="visible"/>
+                                      </p:to>
+                                    </p:set>
+                                  </p:childTnLst>
+                                </p:cTn>
+                              </p:par>
+                              <p:par>
+                                <p:cTn id="131" presetID="1" presetClass="entr" presetSubtype="0" fill="hold" nodeType="withEffect">
+                                  <p:stCondLst>
+                                    <p:cond delay="0"/>
+                                  </p:stCondLst>
+                                  <p:childTnLst>
+                                    <p:set>
+                                      <p:cBhvr>
+                                        <p:cTn id="132" dur="1" fill="hold">
+                                          <p:stCondLst>
+                                            <p:cond delay="0"/>
+                                          </p:stCondLst>
+                                        </p:cTn>
+                                        <p:tgtEl>
+                                          <p:spTgt spid="7"/>
+                                        </p:tgtEl>
+                                        <p:attrNameLst>
+                                          <p:attrName>style.visibility</p:attrName>
+                                        </p:attrNameLst>
+                                      </p:cBhvr>
+                                      <p:to>
+                                        <p:strVal val="visible"/>
+                                      </p:to>
+                                    </p:set>
+                                  </p:childTnLst>
+                                </p:cTn>
+                              </p:par>
+                              <p:par>
+                                <p:cTn id="133" presetID="1" presetClass="entr" presetSubtype="0" fill="hold" nodeType="withEffect">
+                                  <p:stCondLst>
+                                    <p:cond delay="0"/>
+                                  </p:stCondLst>
+                                  <p:childTnLst>
+                                    <p:set>
+                                      <p:cBhvr>
+                                        <p:cTn id="134" dur="1" fill="hold">
+                                          <p:stCondLst>
+                                            <p:cond delay="0"/>
+                                          </p:stCondLst>
+                                        </p:cTn>
+                                        <p:tgtEl>
+                                          <p:spTgt spid="9"/>
+                                        </p:tgtEl>
+                                        <p:attrNameLst>
+                                          <p:attrName>style.visibility</p:attrName>
+                                        </p:attrNameLst>
+                                      </p:cBhvr>
+                                      <p:to>
+                                        <p:strVal val="visible"/>
+                                      </p:to>
+                                    </p:set>
+                                  </p:childTnLst>
+                                </p:cTn>
+                              </p:par>
+                              <p:par>
+                                <p:cTn id="135" presetID="1" presetClass="entr" presetSubtype="0" fill="hold" nodeType="withEffect">
+                                  <p:stCondLst>
+                                    <p:cond delay="0"/>
+                                  </p:stCondLst>
+                                  <p:childTnLst>
+                                    <p:set>
+                                      <p:cBhvr>
+                                        <p:cTn id="136" dur="1" fill="hold">
+                                          <p:stCondLst>
+                                            <p:cond delay="0"/>
+                                          </p:stCondLst>
+                                        </p:cTn>
+                                        <p:tgtEl>
+                                          <p:spTgt spid="15"/>
+                                        </p:tgtEl>
+                                        <p:attrNameLst>
+                                          <p:attrName>style.visibility</p:attrName>
+                                        </p:attrNameLst>
+                                      </p:cBhvr>
+                                      <p:to>
+                                        <p:strVal val="visible"/>
+                                      </p:to>
+                                    </p:set>
+                                  </p:childTnLst>
+                                </p:cTn>
+                              </p:par>
+                              <p:par>
+                                <p:cTn id="137" presetID="1" presetClass="entr" presetSubtype="0" fill="hold" nodeType="withEffect">
+                                  <p:stCondLst>
+                                    <p:cond delay="0"/>
+                                  </p:stCondLst>
+                                  <p:childTnLst>
+                                    <p:set>
+                                      <p:cBhvr>
+                                        <p:cTn id="138" dur="1" fill="hold">
+                                          <p:stCondLst>
+                                            <p:cond delay="0"/>
+                                          </p:stCondLst>
+                                        </p:cTn>
+                                        <p:tgtEl>
+                                          <p:spTgt spid="13"/>
+                                        </p:tgtEl>
+                                        <p:attrNameLst>
+                                          <p:attrName>style.visibility</p:attrName>
+                                        </p:attrNameLst>
+                                      </p:cBhvr>
+                                      <p:to>
+                                        <p:strVal val="visible"/>
+                                      </p:to>
+                                    </p:set>
+                                  </p:childTnLst>
+                                </p:cTn>
+                              </p:par>
+                            </p:childTnLst>
+                          </p:cTn>
+                        </p:par>
+                      </p:childTnLst>
+                    </p:cTn>
+                  </p:par>
+                  <p:par>
+                    <p:cTn id="139" fill="hold">
+                      <p:stCondLst>
+                        <p:cond delay="indefinite"/>
+                      </p:stCondLst>
+                      <p:childTnLst>
+                        <p:par>
+                          <p:cTn id="140" fill="hold">
+                            <p:stCondLst>
+                              <p:cond delay="0"/>
+                            </p:stCondLst>
+                            <p:childTnLst>
+                              <p:par>
+                                <p:cTn id="141" presetID="35" presetClass="path" presetSubtype="0" accel="50000" decel="50000" fill="hold" nodeType="clickEffect">
+                                  <p:stCondLst>
+                                    <p:cond delay="0"/>
+                                  </p:stCondLst>
+                                  <p:childTnLst>
+                                    <p:animMotion origin="layout" path="M 2.3622E-7 -7.13986E-8 L -0.2515 -0.02961 " pathEditMode="relative" rAng="0" ptsTypes="AA">
+                                      <p:cBhvr>
+                                        <p:cTn id="142" dur="2000" fill="hold"/>
+                                        <p:tgtEl>
+                                          <p:spTgt spid="9"/>
+                                        </p:tgtEl>
+                                        <p:attrNameLst>
+                                          <p:attrName>ppt_x</p:attrName>
+                                          <p:attrName>ppt_y</p:attrName>
+                                        </p:attrNameLst>
+                                      </p:cBhvr>
+                                      <p:rCtr x="-12583" y="-1491"/>
+                                    </p:animMotion>
+                                  </p:childTnLst>
+                                </p:cTn>
+                              </p:par>
+                              <p:par>
+                                <p:cTn id="143" presetID="6" presetClass="emph" presetSubtype="0" fill="hold" nodeType="withEffect">
+                                  <p:stCondLst>
+                                    <p:cond delay="0"/>
+                                  </p:stCondLst>
+                                  <p:childTnLst>
+                                    <p:animScale>
+                                      <p:cBhvr>
+                                        <p:cTn id="144" dur="2000" fill="hold"/>
+                                        <p:tgtEl>
+                                          <p:spTgt spid="9"/>
+                                        </p:tgtEl>
+                                      </p:cBhvr>
+                                      <p:by x="200000" y="200000"/>
+                                    </p:animScale>
+                                  </p:childTnLst>
+                                </p:cTn>
+                              </p:par>
+                              <p:par>
+                                <p:cTn id="145" presetID="1" presetClass="exit" presetSubtype="0" fill="hold" nodeType="withEffect">
+                                  <p:stCondLst>
+                                    <p:cond delay="0"/>
+                                  </p:stCondLst>
+                                  <p:childTnLst>
+                                    <p:set>
+                                      <p:cBhvr>
+                                        <p:cTn id="146" dur="1" fill="hold">
+                                          <p:stCondLst>
+                                            <p:cond delay="0"/>
+                                          </p:stCondLst>
+                                        </p:cTn>
+                                        <p:tgtEl>
+                                          <p:spTgt spid="5"/>
+                                        </p:tgtEl>
+                                        <p:attrNameLst>
+                                          <p:attrName>style.visibility</p:attrName>
+                                        </p:attrNameLst>
+                                      </p:cBhvr>
+                                      <p:to>
+                                        <p:strVal val="hidden"/>
+                                      </p:to>
+                                    </p:set>
+                                  </p:childTnLst>
+                                </p:cTn>
+                              </p:par>
+                              <p:par>
+                                <p:cTn id="147" presetID="1" presetClass="exit" presetSubtype="0" fill="hold" nodeType="withEffect">
+                                  <p:stCondLst>
+                                    <p:cond delay="0"/>
+                                  </p:stCondLst>
+                                  <p:childTnLst>
+                                    <p:set>
+                                      <p:cBhvr>
+                                        <p:cTn id="148" dur="1" fill="hold">
+                                          <p:stCondLst>
+                                            <p:cond delay="0"/>
+                                          </p:stCondLst>
+                                        </p:cTn>
+                                        <p:tgtEl>
+                                          <p:spTgt spid="7"/>
+                                        </p:tgtEl>
+                                        <p:attrNameLst>
+                                          <p:attrName>style.visibility</p:attrName>
+                                        </p:attrNameLst>
+                                      </p:cBhvr>
+                                      <p:to>
+                                        <p:strVal val="hidden"/>
+                                      </p:to>
+                                    </p:set>
+                                  </p:childTnLst>
+                                </p:cTn>
+                              </p:par>
+                              <p:par>
+                                <p:cTn id="149" presetID="1" presetClass="exit" presetSubtype="0" fill="hold" nodeType="withEffect">
+                                  <p:stCondLst>
+                                    <p:cond delay="0"/>
+                                  </p:stCondLst>
+                                  <p:childTnLst>
+                                    <p:set>
+                                      <p:cBhvr>
+                                        <p:cTn id="150" dur="1" fill="hold">
+                                          <p:stCondLst>
+                                            <p:cond delay="0"/>
+                                          </p:stCondLst>
+                                        </p:cTn>
+                                        <p:tgtEl>
+                                          <p:spTgt spid="11"/>
+                                        </p:tgtEl>
+                                        <p:attrNameLst>
+                                          <p:attrName>style.visibility</p:attrName>
+                                        </p:attrNameLst>
+                                      </p:cBhvr>
+                                      <p:to>
+                                        <p:strVal val="hidden"/>
+                                      </p:to>
+                                    </p:set>
+                                  </p:childTnLst>
+                                </p:cTn>
+                              </p:par>
+                              <p:par>
+                                <p:cTn id="151" presetID="1" presetClass="exit" presetSubtype="0" fill="hold" nodeType="withEffect">
+                                  <p:stCondLst>
+                                    <p:cond delay="0"/>
+                                  </p:stCondLst>
+                                  <p:childTnLst>
+                                    <p:set>
+                                      <p:cBhvr>
+                                        <p:cTn id="152" dur="1" fill="hold">
+                                          <p:stCondLst>
+                                            <p:cond delay="0"/>
+                                          </p:stCondLst>
+                                        </p:cTn>
+                                        <p:tgtEl>
+                                          <p:spTgt spid="15"/>
+                                        </p:tgtEl>
+                                        <p:attrNameLst>
+                                          <p:attrName>style.visibility</p:attrName>
+                                        </p:attrNameLst>
+                                      </p:cBhvr>
+                                      <p:to>
+                                        <p:strVal val="hidden"/>
+                                      </p:to>
+                                    </p:set>
+                                  </p:childTnLst>
+                                </p:cTn>
+                              </p:par>
+                              <p:par>
+                                <p:cTn id="153" presetID="1" presetClass="exit" presetSubtype="0" fill="hold" nodeType="withEffect">
+                                  <p:stCondLst>
+                                    <p:cond delay="0"/>
+                                  </p:stCondLst>
+                                  <p:childTnLst>
+                                    <p:set>
+                                      <p:cBhvr>
+                                        <p:cTn id="154" dur="1" fill="hold">
+                                          <p:stCondLst>
+                                            <p:cond delay="0"/>
+                                          </p:stCondLst>
+                                        </p:cTn>
+                                        <p:tgtEl>
+                                          <p:spTgt spid="13"/>
+                                        </p:tgtEl>
+                                        <p:attrNameLst>
+                                          <p:attrName>style.visibility</p:attrName>
+                                        </p:attrNameLst>
+                                      </p:cBhvr>
+                                      <p:to>
+                                        <p:strVal val="hidden"/>
+                                      </p:to>
+                                    </p:set>
+                                  </p:childTnLst>
+                                </p:cTn>
+                              </p:par>
+                            </p:childTnLst>
+                          </p:cTn>
+                        </p:par>
+                      </p:childTnLst>
+                    </p:cTn>
+                  </p:par>
+                  <p:par>
+                    <p:cTn id="155" fill="hold">
+                      <p:stCondLst>
+                        <p:cond delay="indefinite"/>
+                      </p:stCondLst>
+                      <p:childTnLst>
+                        <p:par>
+                          <p:cTn id="156" fill="hold">
+                            <p:stCondLst>
+                              <p:cond delay="0"/>
+                            </p:stCondLst>
+                            <p:childTnLst>
+                              <p:par>
+                                <p:cTn id="157" presetID="63" presetClass="path" presetSubtype="0" accel="50000" decel="50000" fill="hold" nodeType="clickEffect">
+                                  <p:stCondLst>
+                                    <p:cond delay="0"/>
+                                  </p:stCondLst>
+                                  <p:childTnLst>
+                                    <p:animMotion origin="layout" path="M -0.2515 -0.02961 L 2.3622E-7 -7.13986E-8 " pathEditMode="relative" rAng="0" ptsTypes="AA">
+                                      <p:cBhvr>
+                                        <p:cTn id="158" dur="2000" fill="hold"/>
+                                        <p:tgtEl>
+                                          <p:spTgt spid="9"/>
+                                        </p:tgtEl>
+                                        <p:attrNameLst>
+                                          <p:attrName>ppt_x</p:attrName>
+                                          <p:attrName>ppt_y</p:attrName>
+                                        </p:attrNameLst>
+                                      </p:cBhvr>
+                                      <p:rCtr x="12567" y="1470"/>
+                                    </p:animMotion>
+                                  </p:childTnLst>
+                                </p:cTn>
+                              </p:par>
+                              <p:par>
+                                <p:cTn id="159" presetID="6" presetClass="emph" presetSubtype="0" fill="hold" nodeType="withEffect">
+                                  <p:stCondLst>
+                                    <p:cond delay="0"/>
+                                  </p:stCondLst>
+                                  <p:childTnLst>
+                                    <p:animScale>
+                                      <p:cBhvr>
+                                        <p:cTn id="160" dur="2000" fill="hold"/>
+                                        <p:tgtEl>
+                                          <p:spTgt spid="9"/>
+                                        </p:tgtEl>
+                                      </p:cBhvr>
+                                      <p:by x="50000" y="50000"/>
+                                    </p:animScale>
+                                  </p:childTnLst>
+                                </p:cTn>
+                              </p:par>
+                            </p:childTnLst>
+                          </p:cTn>
+                        </p:par>
+                        <p:par>
+                          <p:cTn id="161" fill="hold">
+                            <p:stCondLst>
+                              <p:cond delay="2000"/>
+                            </p:stCondLst>
+                            <p:childTnLst>
+                              <p:par>
+                                <p:cTn id="162" presetID="1" presetClass="entr" presetSubtype="0" fill="hold" nodeType="afterEffect">
+                                  <p:stCondLst>
+                                    <p:cond delay="0"/>
+                                  </p:stCondLst>
+                                  <p:childTnLst>
+                                    <p:set>
+                                      <p:cBhvr>
+                                        <p:cTn id="163" dur="1" fill="hold">
+                                          <p:stCondLst>
+                                            <p:cond delay="0"/>
+                                          </p:stCondLst>
+                                        </p:cTn>
+                                        <p:tgtEl>
+                                          <p:spTgt spid="5"/>
+                                        </p:tgtEl>
+                                        <p:attrNameLst>
+                                          <p:attrName>style.visibility</p:attrName>
+                                        </p:attrNameLst>
+                                      </p:cBhvr>
+                                      <p:to>
+                                        <p:strVal val="visible"/>
+                                      </p:to>
+                                    </p:set>
+                                  </p:childTnLst>
+                                </p:cTn>
+                              </p:par>
+                              <p:par>
+                                <p:cTn id="164" presetID="1" presetClass="entr" presetSubtype="0" fill="hold" nodeType="withEffect">
+                                  <p:stCondLst>
+                                    <p:cond delay="0"/>
+                                  </p:stCondLst>
+                                  <p:childTnLst>
+                                    <p:set>
+                                      <p:cBhvr>
+                                        <p:cTn id="165" dur="1" fill="hold">
+                                          <p:stCondLst>
+                                            <p:cond delay="0"/>
+                                          </p:stCondLst>
+                                        </p:cTn>
+                                        <p:tgtEl>
+                                          <p:spTgt spid="7"/>
+                                        </p:tgtEl>
+                                        <p:attrNameLst>
+                                          <p:attrName>style.visibility</p:attrName>
+                                        </p:attrNameLst>
+                                      </p:cBhvr>
+                                      <p:to>
+                                        <p:strVal val="visible"/>
+                                      </p:to>
+                                    </p:set>
+                                  </p:childTnLst>
+                                </p:cTn>
+                              </p:par>
+                              <p:par>
+                                <p:cTn id="166" presetID="1" presetClass="entr" presetSubtype="0" fill="hold" nodeType="withEffect">
+                                  <p:stCondLst>
+                                    <p:cond delay="0"/>
+                                  </p:stCondLst>
+                                  <p:childTnLst>
+                                    <p:set>
+                                      <p:cBhvr>
+                                        <p:cTn id="167" dur="1" fill="hold">
+                                          <p:stCondLst>
+                                            <p:cond delay="0"/>
+                                          </p:stCondLst>
+                                        </p:cTn>
+                                        <p:tgtEl>
+                                          <p:spTgt spid="11"/>
+                                        </p:tgtEl>
+                                        <p:attrNameLst>
+                                          <p:attrName>style.visibility</p:attrName>
+                                        </p:attrNameLst>
+                                      </p:cBhvr>
+                                      <p:to>
+                                        <p:strVal val="visible"/>
+                                      </p:to>
+                                    </p:set>
+                                  </p:childTnLst>
+                                </p:cTn>
+                              </p:par>
+                              <p:par>
+                                <p:cTn id="168" presetID="1" presetClass="entr" presetSubtype="0" fill="hold" nodeType="withEffect">
+                                  <p:stCondLst>
+                                    <p:cond delay="0"/>
+                                  </p:stCondLst>
+                                  <p:childTnLst>
+                                    <p:set>
+                                      <p:cBhvr>
+                                        <p:cTn id="169" dur="1" fill="hold">
+                                          <p:stCondLst>
+                                            <p:cond delay="0"/>
+                                          </p:stCondLst>
+                                        </p:cTn>
+                                        <p:tgtEl>
+                                          <p:spTgt spid="15"/>
+                                        </p:tgtEl>
+                                        <p:attrNameLst>
+                                          <p:attrName>style.visibility</p:attrName>
+                                        </p:attrNameLst>
+                                      </p:cBhvr>
+                                      <p:to>
+                                        <p:strVal val="visible"/>
+                                      </p:to>
+                                    </p:set>
+                                  </p:childTnLst>
+                                </p:cTn>
+                              </p:par>
+                              <p:par>
+                                <p:cTn id="170" presetID="1" presetClass="entr" presetSubtype="0" fill="hold" nodeType="withEffect">
+                                  <p:stCondLst>
+                                    <p:cond delay="0"/>
+                                  </p:stCondLst>
+                                  <p:childTnLst>
+                                    <p:set>
+                                      <p:cBhvr>
+                                        <p:cTn id="171" dur="1" fill="hold">
+                                          <p:stCondLst>
+                                            <p:cond delay="0"/>
+                                          </p:stCondLst>
+                                        </p:cTn>
+                                        <p:tgtEl>
+                                          <p:spTgt spid="13"/>
+                                        </p:tgtEl>
+                                        <p:attrNameLst>
+                                          <p:attrName>style.visibility</p:attrName>
+                                        </p:attrNameLst>
+                                      </p:cBhvr>
+                                      <p:to>
+                                        <p:strVal val="visible"/>
+                                      </p:to>
+                                    </p:set>
+                                  </p:childTnLst>
+                                </p:cTn>
+                              </p:par>
+                            </p:childTnLst>
+                          </p:cTn>
+                        </p:par>
+                      </p:childTnLst>
+                    </p:cTn>
+                  </p:par>
+                  <p:par>
+                    <p:cTn id="172" fill="hold">
+                      <p:stCondLst>
+                        <p:cond delay="indefinite"/>
+                      </p:stCondLst>
+                      <p:childTnLst>
+                        <p:par>
+                          <p:cTn id="173" fill="hold">
+                            <p:stCondLst>
+                              <p:cond delay="0"/>
+                            </p:stCondLst>
+                            <p:childTnLst>
+                              <p:par>
+                                <p:cTn id="174" presetID="6" presetClass="emph" presetSubtype="0" fill="hold" nodeType="clickEffect">
+                                  <p:stCondLst>
+                                    <p:cond delay="0"/>
+                                  </p:stCondLst>
+                                  <p:childTnLst>
+                                    <p:animScale>
+                                      <p:cBhvr>
+                                        <p:cTn id="175" dur="2000" fill="hold"/>
+                                        <p:tgtEl>
+                                          <p:spTgt spid="7"/>
+                                        </p:tgtEl>
+                                      </p:cBhvr>
+                                      <p:by x="200000" y="200000"/>
+                                    </p:animScale>
+                                  </p:childTnLst>
+                                </p:cTn>
+                              </p:par>
+                              <p:par>
+                                <p:cTn id="176" presetID="49" presetClass="path" presetSubtype="0" accel="50000" decel="50000" fill="hold" nodeType="withEffect">
+                                  <p:stCondLst>
+                                    <p:cond delay="0"/>
+                                  </p:stCondLst>
+                                  <p:childTnLst>
+                                    <p:animMotion origin="layout" path="M -8.66142E-7 -3.44393E-6 L -0.24268 -0.36098 " pathEditMode="relative" rAng="0" ptsTypes="AA">
+                                      <p:cBhvr>
+                                        <p:cTn id="177" dur="2000" fill="hold"/>
+                                        <p:tgtEl>
+                                          <p:spTgt spid="7"/>
+                                        </p:tgtEl>
+                                        <p:attrNameLst>
+                                          <p:attrName>ppt_x</p:attrName>
+                                          <p:attrName>ppt_y</p:attrName>
+                                        </p:attrNameLst>
+                                      </p:cBhvr>
+                                      <p:rCtr x="-12220" y="-18165"/>
+                                    </p:animMotion>
+                                  </p:childTnLst>
+                                </p:cTn>
+                              </p:par>
+                              <p:par>
+                                <p:cTn id="178" presetID="1" presetClass="exit" presetSubtype="0" fill="hold" nodeType="withEffect">
+                                  <p:stCondLst>
+                                    <p:cond delay="0"/>
+                                  </p:stCondLst>
+                                  <p:childTnLst>
+                                    <p:set>
+                                      <p:cBhvr>
+                                        <p:cTn id="179" dur="1" fill="hold">
+                                          <p:stCondLst>
+                                            <p:cond delay="0"/>
+                                          </p:stCondLst>
+                                        </p:cTn>
+                                        <p:tgtEl>
+                                          <p:spTgt spid="5"/>
+                                        </p:tgtEl>
+                                        <p:attrNameLst>
+                                          <p:attrName>style.visibility</p:attrName>
+                                        </p:attrNameLst>
+                                      </p:cBhvr>
+                                      <p:to>
+                                        <p:strVal val="hidden"/>
+                                      </p:to>
+                                    </p:set>
+                                  </p:childTnLst>
+                                </p:cTn>
+                              </p:par>
+                              <p:par>
+                                <p:cTn id="180" presetID="1" presetClass="exit" presetSubtype="0" fill="hold" nodeType="withEffect">
+                                  <p:stCondLst>
+                                    <p:cond delay="0"/>
+                                  </p:stCondLst>
+                                  <p:childTnLst>
+                                    <p:set>
+                                      <p:cBhvr>
+                                        <p:cTn id="181" dur="1" fill="hold">
+                                          <p:stCondLst>
+                                            <p:cond delay="0"/>
+                                          </p:stCondLst>
+                                        </p:cTn>
+                                        <p:tgtEl>
+                                          <p:spTgt spid="11"/>
+                                        </p:tgtEl>
+                                        <p:attrNameLst>
+                                          <p:attrName>style.visibility</p:attrName>
+                                        </p:attrNameLst>
+                                      </p:cBhvr>
+                                      <p:to>
+                                        <p:strVal val="hidden"/>
+                                      </p:to>
+                                    </p:set>
+                                  </p:childTnLst>
+                                </p:cTn>
+                              </p:par>
+                              <p:par>
+                                <p:cTn id="182" presetID="1" presetClass="exit" presetSubtype="0" fill="hold" nodeType="withEffect">
+                                  <p:stCondLst>
+                                    <p:cond delay="0"/>
+                                  </p:stCondLst>
+                                  <p:childTnLst>
+                                    <p:set>
+                                      <p:cBhvr>
+                                        <p:cTn id="183" dur="1" fill="hold">
+                                          <p:stCondLst>
+                                            <p:cond delay="0"/>
+                                          </p:stCondLst>
+                                        </p:cTn>
+                                        <p:tgtEl>
+                                          <p:spTgt spid="9"/>
+                                        </p:tgtEl>
+                                        <p:attrNameLst>
+                                          <p:attrName>style.visibility</p:attrName>
+                                        </p:attrNameLst>
+                                      </p:cBhvr>
+                                      <p:to>
+                                        <p:strVal val="hidden"/>
+                                      </p:to>
+                                    </p:set>
+                                  </p:childTnLst>
+                                </p:cTn>
+                              </p:par>
+                              <p:par>
+                                <p:cTn id="184" presetID="1" presetClass="exit" presetSubtype="0" fill="hold" nodeType="withEffect">
+                                  <p:stCondLst>
+                                    <p:cond delay="0"/>
+                                  </p:stCondLst>
+                                  <p:childTnLst>
+                                    <p:set>
+                                      <p:cBhvr>
+                                        <p:cTn id="185" dur="1" fill="hold">
+                                          <p:stCondLst>
+                                            <p:cond delay="0"/>
+                                          </p:stCondLst>
+                                        </p:cTn>
+                                        <p:tgtEl>
+                                          <p:spTgt spid="15"/>
+                                        </p:tgtEl>
+                                        <p:attrNameLst>
+                                          <p:attrName>style.visibility</p:attrName>
+                                        </p:attrNameLst>
+                                      </p:cBhvr>
+                                      <p:to>
+                                        <p:strVal val="hidden"/>
+                                      </p:to>
+                                    </p:set>
+                                  </p:childTnLst>
+                                </p:cTn>
+                              </p:par>
+                              <p:par>
+                                <p:cTn id="186" presetID="1" presetClass="exit" presetSubtype="0" fill="hold" nodeType="withEffect">
+                                  <p:stCondLst>
+                                    <p:cond delay="0"/>
+                                  </p:stCondLst>
+                                  <p:childTnLst>
+                                    <p:set>
+                                      <p:cBhvr>
+                                        <p:cTn id="187" dur="1" fill="hold">
+                                          <p:stCondLst>
+                                            <p:cond delay="0"/>
+                                          </p:stCondLst>
+                                        </p:cTn>
+                                        <p:tgtEl>
+                                          <p:spTgt spid="13"/>
+                                        </p:tgtEl>
+                                        <p:attrNameLst>
+                                          <p:attrName>style.visibility</p:attrName>
+                                        </p:attrNameLst>
+                                      </p:cBhvr>
+                                      <p:to>
+                                        <p:strVal val="hidden"/>
+                                      </p:to>
+                                    </p:set>
+                                  </p:childTnLst>
+                                </p:cTn>
+                              </p:par>
+                            </p:childTnLst>
+                          </p:cTn>
+                        </p:par>
+                      </p:childTnLst>
+                    </p:cTn>
+                  </p:par>
+                  <p:par>
+                    <p:cTn id="188" fill="hold">
+                      <p:stCondLst>
+                        <p:cond delay="indefinite"/>
+                      </p:stCondLst>
+                      <p:childTnLst>
+                        <p:par>
+                          <p:cTn id="189" fill="hold">
+                            <p:stCondLst>
+                              <p:cond delay="0"/>
+                            </p:stCondLst>
+                            <p:childTnLst>
+                              <p:par>
+                                <p:cTn id="190" presetID="56" presetClass="path" presetSubtype="0" accel="50000" decel="50000" fill="hold" nodeType="clickEffect">
+                                  <p:stCondLst>
+                                    <p:cond delay="0"/>
+                                  </p:stCondLst>
+                                  <p:childTnLst>
+                                    <p:animMotion origin="layout" path="M -0.24268 -0.36098 L -8.66142E-7 -3.44393E-6 " pathEditMode="relative" rAng="0" ptsTypes="AA">
+                                      <p:cBhvr>
+                                        <p:cTn id="191" dur="2000" fill="hold"/>
+                                        <p:tgtEl>
+                                          <p:spTgt spid="7"/>
+                                        </p:tgtEl>
+                                        <p:attrNameLst>
+                                          <p:attrName>ppt_x</p:attrName>
+                                          <p:attrName>ppt_y</p:attrName>
+                                        </p:attrNameLst>
+                                      </p:cBhvr>
+                                      <p:rCtr x="12205" y="17556"/>
+                                    </p:animMotion>
+                                  </p:childTnLst>
+                                </p:cTn>
+                              </p:par>
+                              <p:par>
+                                <p:cTn id="192" presetID="6" presetClass="emph" presetSubtype="0" fill="hold" nodeType="withEffect">
+                                  <p:stCondLst>
+                                    <p:cond delay="0"/>
+                                  </p:stCondLst>
+                                  <p:childTnLst>
+                                    <p:animScale>
+                                      <p:cBhvr>
+                                        <p:cTn id="193" dur="2000" fill="hold"/>
+                                        <p:tgtEl>
+                                          <p:spTgt spid="7"/>
+                                        </p:tgtEl>
+                                      </p:cBhvr>
+                                      <p:by x="50000" y="50000"/>
+                                    </p:animScale>
+                                  </p:childTnLst>
+                                </p:cTn>
+                              </p:par>
+                            </p:childTnLst>
+                          </p:cTn>
+                        </p:par>
+                        <p:par>
+                          <p:cTn id="194" fill="hold">
+                            <p:stCondLst>
+                              <p:cond delay="2000"/>
+                            </p:stCondLst>
+                            <p:childTnLst>
+                              <p:par>
+                                <p:cTn id="195" presetID="1" presetClass="entr" presetSubtype="0" fill="hold" nodeType="afterEffect">
+                                  <p:stCondLst>
+                                    <p:cond delay="0"/>
+                                  </p:stCondLst>
+                                  <p:childTnLst>
+                                    <p:set>
+                                      <p:cBhvr>
+                                        <p:cTn id="196" dur="1" fill="hold">
+                                          <p:stCondLst>
+                                            <p:cond delay="0"/>
+                                          </p:stCondLst>
+                                        </p:cTn>
+                                        <p:tgtEl>
+                                          <p:spTgt spid="5"/>
+                                        </p:tgtEl>
+                                        <p:attrNameLst>
+                                          <p:attrName>style.visibility</p:attrName>
+                                        </p:attrNameLst>
+                                      </p:cBhvr>
+                                      <p:to>
+                                        <p:strVal val="visible"/>
+                                      </p:to>
+                                    </p:set>
+                                  </p:childTnLst>
+                                </p:cTn>
+                              </p:par>
+                              <p:par>
+                                <p:cTn id="197" presetID="1" presetClass="entr" presetSubtype="0" fill="hold" nodeType="withEffect">
+                                  <p:stCondLst>
+                                    <p:cond delay="0"/>
+                                  </p:stCondLst>
+                                  <p:childTnLst>
+                                    <p:set>
+                                      <p:cBhvr>
+                                        <p:cTn id="198" dur="1" fill="hold">
+                                          <p:stCondLst>
+                                            <p:cond delay="0"/>
+                                          </p:stCondLst>
+                                        </p:cTn>
+                                        <p:tgtEl>
+                                          <p:spTgt spid="11"/>
+                                        </p:tgtEl>
+                                        <p:attrNameLst>
+                                          <p:attrName>style.visibility</p:attrName>
+                                        </p:attrNameLst>
+                                      </p:cBhvr>
+                                      <p:to>
+                                        <p:strVal val="visible"/>
+                                      </p:to>
+                                    </p:set>
+                                  </p:childTnLst>
+                                </p:cTn>
+                              </p:par>
+                              <p:par>
+                                <p:cTn id="199" presetID="1" presetClass="entr" presetSubtype="0" fill="hold" nodeType="withEffect">
+                                  <p:stCondLst>
+                                    <p:cond delay="0"/>
+                                  </p:stCondLst>
+                                  <p:childTnLst>
+                                    <p:set>
+                                      <p:cBhvr>
+                                        <p:cTn id="200" dur="1" fill="hold">
+                                          <p:stCondLst>
+                                            <p:cond delay="0"/>
+                                          </p:stCondLst>
+                                        </p:cTn>
+                                        <p:tgtEl>
+                                          <p:spTgt spid="9"/>
+                                        </p:tgtEl>
+                                        <p:attrNameLst>
+                                          <p:attrName>style.visibility</p:attrName>
+                                        </p:attrNameLst>
+                                      </p:cBhvr>
+                                      <p:to>
+                                        <p:strVal val="visible"/>
+                                      </p:to>
+                                    </p:set>
+                                  </p:childTnLst>
+                                </p:cTn>
+                              </p:par>
+                              <p:par>
+                                <p:cTn id="201" presetID="1" presetClass="entr" presetSubtype="0" fill="hold" nodeType="withEffect">
+                                  <p:stCondLst>
+                                    <p:cond delay="0"/>
+                                  </p:stCondLst>
+                                  <p:childTnLst>
+                                    <p:set>
+                                      <p:cBhvr>
+                                        <p:cTn id="202" dur="1" fill="hold">
+                                          <p:stCondLst>
+                                            <p:cond delay="0"/>
+                                          </p:stCondLst>
+                                        </p:cTn>
+                                        <p:tgtEl>
+                                          <p:spTgt spid="15"/>
+                                        </p:tgtEl>
+                                        <p:attrNameLst>
+                                          <p:attrName>style.visibility</p:attrName>
+                                        </p:attrNameLst>
+                                      </p:cBhvr>
+                                      <p:to>
+                                        <p:strVal val="visible"/>
+                                      </p:to>
+                                    </p:set>
+                                  </p:childTnLst>
+                                </p:cTn>
+                              </p:par>
+                              <p:par>
+                                <p:cTn id="203" presetID="1" presetClass="entr" presetSubtype="0" fill="hold" nodeType="withEffect">
+                                  <p:stCondLst>
+                                    <p:cond delay="0"/>
+                                  </p:stCondLst>
+                                  <p:childTnLst>
+                                    <p:set>
+                                      <p:cBhvr>
+                                        <p:cTn id="204" dur="1" fill="hold">
+                                          <p:stCondLst>
+                                            <p:cond delay="0"/>
+                                          </p:stCondLst>
+                                        </p:cTn>
+                                        <p:tgtEl>
+                                          <p:spTgt spid="13"/>
+                                        </p:tgtEl>
+                                        <p:attrNameLst>
+                                          <p:attrName>style.visibility</p:attrName>
+                                        </p:attrNameLst>
+                                      </p:cBhvr>
+                                      <p:to>
+                                        <p:strVal val="visible"/>
+                                      </p:to>
+                                    </p:set>
+                                  </p:childTnLst>
+                                </p:cTn>
+                              </p:par>
+                            </p:childTnLst>
+                          </p:cTn>
+                        </p:par>
+                      </p:childTnLst>
+                    </p:cTn>
+                  </p:par>
+                </p:childTnLst>
+              </p:cTn>
+              <p:prevCondLst>
+                <p:cond evt="onPrev" delay="0">
+                  <p:tgtEl>
+                    <p:sldTgt/>
+                  </p:tgtEl>
+                </p:cond>
+              </p:prevCondLst>
+              <p:nextCondLst>
+                <p:cond evt="onNext" delay="0">
+                  <p:tgtEl>
+                    <p:sldTgt/>
+                  </p:tgtEl>
+                </p:cond>
+              </p:nextCondLst>
+            </p:seq>
+          </p:childTnLst>
+        </p:cTn>
+      </p:par>
+    </p:tnLst>
+  </p:timing>
+</p:sld>
+</file>
+
+<file path=ppt/slides/slide4.xml><?xml version="1.0" encoding="utf-8"?>
+<p:sld xmlns:a="http://schemas.openxmlformats.org/drawingml/2006/main" xmlns:r="http://schemas.openxmlformats.org/officeDocument/2006/relationships" xmlns:p="http://schemas.openxmlformats.org/presentationml/2006/main">
+  <p:cSld>
+    <p:spTree>
+      <p:nvGrpSpPr>
+        <p:cNvPr id="1" name=""/>
+        <p:cNvGrpSpPr/>
+        <p:nvPr/>
+      </p:nvGrpSpPr>
+      <p:grpSpPr>
+        <a:xfrm>
+          <a:off x="0" y="0"/>
+          <a:ext cx="0" cy="0"/>
+          <a:chOff x="0" y="0"/>
+          <a:chExt cx="0" cy="0"/>
+        </a:xfrm>
+      </p:grpSpPr>
+      <p:pic>
+        <p:nvPicPr>
+          <p:cNvPr id="5" name="Picture 4">
+            <a:extLst>
+              <a:ext uri="{FF2B5EF4-FFF2-40B4-BE49-F238E27FC236}">
+                <a16:creationId xmlns:a16="http://schemas.microsoft.com/office/drawing/2014/main" id="{B6D1E6C4-B5BC-4107-B992-B43444C39AF8}"/>
+              </a:ext>
+            </a:extLst>
+          </p:cNvPr>
+          <p:cNvPicPr>
+            <a:picLocks noChangeAspect="1"/>
+          </p:cNvPicPr>
+          <p:nvPr/>
+        </p:nvPicPr>
+        <p:blipFill>
+          <a:blip r:embed="rId2">
+            <a:extLst>
+              <a:ext uri="{28A0092B-C50C-407E-A947-70E740481C1C}">
+                <a14:useLocalDpi xmlns:a14="http://schemas.microsoft.com/office/drawing/2010/main" val="0"/>
+              </a:ext>
+            </a:extLst>
+          </a:blip>
+          <a:stretch>
+            <a:fillRect/>
+          </a:stretch>
+        </p:blipFill>
+        <p:spPr>
+          <a:xfrm>
+            <a:off x="0" y="1287"/>
+            <a:ext cx="5104799" cy="2552400"/>
+          </a:xfrm>
+          <a:prstGeom prst="rect">
+            <a:avLst/>
+          </a:prstGeom>
+        </p:spPr>
+      </p:pic>
+      <p:pic>
+        <p:nvPicPr>
+          <p:cNvPr id="7" name="Picture 6">
+            <a:extLst>
+              <a:ext uri="{FF2B5EF4-FFF2-40B4-BE49-F238E27FC236}">
+                <a16:creationId xmlns:a16="http://schemas.microsoft.com/office/drawing/2014/main" id="{14DB4EB7-9F72-42DE-B86F-2BA286357473}"/>
+              </a:ext>
+            </a:extLst>
+          </p:cNvPr>
+          <p:cNvPicPr>
+            <a:picLocks noChangeAspect="1"/>
+          </p:cNvPicPr>
+          <p:nvPr/>
+        </p:nvPicPr>
+        <p:blipFill>
+          <a:blip r:embed="rId3">
+            <a:extLst>
+              <a:ext uri="{28A0092B-C50C-407E-A947-70E740481C1C}">
+                <a14:useLocalDpi xmlns:a14="http://schemas.microsoft.com/office/drawing/2010/main" val="0"/>
+              </a:ext>
+            </a:extLst>
+          </a:blip>
+          <a:stretch>
+            <a:fillRect/>
+          </a:stretch>
+        </p:blipFill>
+        <p:spPr>
+          <a:xfrm>
+            <a:off x="4962242" y="4997164"/>
+            <a:ext cx="5104800" cy="2552400"/>
+          </a:xfrm>
+          <a:prstGeom prst="rect">
+            <a:avLst/>
+          </a:prstGeom>
+        </p:spPr>
+      </p:pic>
+      <p:pic>
+        <p:nvPicPr>
+          <p:cNvPr id="9" name="Picture 8">
+            <a:extLst>
+              <a:ext uri="{FF2B5EF4-FFF2-40B4-BE49-F238E27FC236}">
+                <a16:creationId xmlns:a16="http://schemas.microsoft.com/office/drawing/2014/main" id="{020C5F39-6004-4284-8D7E-44C5C9216058}"/>
+              </a:ext>
+            </a:extLst>
+          </p:cNvPr>
+          <p:cNvPicPr>
+            <a:picLocks noChangeAspect="1"/>
+          </p:cNvPicPr>
+          <p:nvPr/>
+        </p:nvPicPr>
+        <p:blipFill>
+          <a:blip r:embed="rId4">
+            <a:extLst>
+              <a:ext uri="{28A0092B-C50C-407E-A947-70E740481C1C}">
+                <a14:useLocalDpi xmlns:a14="http://schemas.microsoft.com/office/drawing/2010/main" val="0"/>
+              </a:ext>
+            </a:extLst>
+          </a:blip>
+          <a:stretch>
+            <a:fillRect/>
+          </a:stretch>
+        </p:blipFill>
+        <p:spPr>
+          <a:xfrm>
+            <a:off x="4962241" y="2562510"/>
+            <a:ext cx="5104800" cy="2552400"/>
+          </a:xfrm>
+          <a:prstGeom prst="rect">
+            <a:avLst/>
+          </a:prstGeom>
+        </p:spPr>
+      </p:pic>
+      <p:pic>
+        <p:nvPicPr>
+          <p:cNvPr id="11" name="Picture 10">
+            <a:extLst>
+              <a:ext uri="{FF2B5EF4-FFF2-40B4-BE49-F238E27FC236}">
+                <a16:creationId xmlns:a16="http://schemas.microsoft.com/office/drawing/2014/main" id="{476E62A0-D9EB-4E3B-942C-2EB56F12B71A}"/>
+              </a:ext>
+            </a:extLst>
+          </p:cNvPr>
+          <p:cNvPicPr>
+            <a:picLocks noChangeAspect="1"/>
+          </p:cNvPicPr>
+          <p:nvPr/>
+        </p:nvPicPr>
+        <p:blipFill>
+          <a:blip r:embed="rId5">
+            <a:extLst>
+              <a:ext uri="{28A0092B-C50C-407E-A947-70E740481C1C}">
+                <a14:useLocalDpi xmlns:a14="http://schemas.microsoft.com/office/drawing/2010/main" val="0"/>
+              </a:ext>
+            </a:extLst>
+          </a:blip>
+          <a:stretch>
+            <a:fillRect/>
+          </a:stretch>
+        </p:blipFill>
+        <p:spPr>
+          <a:xfrm>
+            <a:off x="4972609" y="-680"/>
+            <a:ext cx="5104800" cy="2552400"/>
+          </a:xfrm>
+          <a:prstGeom prst="rect">
+            <a:avLst/>
+          </a:prstGeom>
+        </p:spPr>
+      </p:pic>
+      <p:pic>
+        <p:nvPicPr>
+          <p:cNvPr id="13" name="Picture 12">
+            <a:extLst>
+              <a:ext uri="{FF2B5EF4-FFF2-40B4-BE49-F238E27FC236}">
+                <a16:creationId xmlns:a16="http://schemas.microsoft.com/office/drawing/2014/main" id="{DA91EE0C-55C2-465E-8080-E9A95EDBE8B5}"/>
+              </a:ext>
+            </a:extLst>
+          </p:cNvPr>
+          <p:cNvPicPr>
+            <a:picLocks noChangeAspect="1"/>
+          </p:cNvPicPr>
+          <p:nvPr/>
+        </p:nvPicPr>
+        <p:blipFill>
+          <a:blip r:embed="rId6">
+            <a:extLst>
+              <a:ext uri="{28A0092B-C50C-407E-A947-70E740481C1C}">
+                <a14:useLocalDpi xmlns:a14="http://schemas.microsoft.com/office/drawing/2010/main" val="0"/>
+              </a:ext>
+            </a:extLst>
+          </a:blip>
+          <a:stretch>
+            <a:fillRect/>
+          </a:stretch>
+        </p:blipFill>
+        <p:spPr>
+          <a:xfrm>
+            <a:off x="-1" y="5013230"/>
+            <a:ext cx="5104800" cy="2552400"/>
+          </a:xfrm>
+          <a:prstGeom prst="rect">
+            <a:avLst/>
+          </a:prstGeom>
+        </p:spPr>
+      </p:pic>
+      <p:pic>
+        <p:nvPicPr>
+          <p:cNvPr id="15" name="Picture 14">
+            <a:extLst>
+              <a:ext uri="{FF2B5EF4-FFF2-40B4-BE49-F238E27FC236}">
+                <a16:creationId xmlns:a16="http://schemas.microsoft.com/office/drawing/2014/main" id="{5F9699F5-2C8D-4E84-BA6A-2C285A190391}"/>
+              </a:ext>
+            </a:extLst>
+          </p:cNvPr>
+          <p:cNvPicPr>
+            <a:picLocks noChangeAspect="1"/>
+          </p:cNvPicPr>
+          <p:nvPr/>
+        </p:nvPicPr>
+        <p:blipFill>
+          <a:blip r:embed="rId7">
+            <a:extLst>
+              <a:ext uri="{28A0092B-C50C-407E-A947-70E740481C1C}">
+                <a14:useLocalDpi xmlns:a14="http://schemas.microsoft.com/office/drawing/2010/main" val="0"/>
+              </a:ext>
+            </a:extLst>
+          </a:blip>
+          <a:stretch>
+            <a:fillRect/>
+          </a:stretch>
+        </p:blipFill>
+        <p:spPr>
+          <a:xfrm>
+            <a:off x="13584" y="2433974"/>
+            <a:ext cx="5104800" cy="2552400"/>
+          </a:xfrm>
+          <a:prstGeom prst="rect">
+            <a:avLst/>
+          </a:prstGeom>
+        </p:spPr>
+      </p:pic>
+    </p:spTree>
+    <p:extLst>
+      <p:ext uri="{BB962C8B-B14F-4D97-AF65-F5344CB8AC3E}">
+        <p14:creationId xmlns:p14="http://schemas.microsoft.com/office/powerpoint/2010/main" val="168327848"/>
+      </p:ext>
+    </p:extLst>
+  </p:cSld>
+  <p:clrMapOvr>
+    <a:masterClrMapping/>
+  </p:clrMapOvr>
+  <p:timing>
+    <p:tnLst>
+      <p:par>
+        <p:cTn id="1" dur="indefinite" restart="never" nodeType="tmRoot">
+          <p:childTnLst>
+            <p:seq concurrent="1" nextAc="seek">
+              <p:cTn id="2" dur="indefinite" nodeType="mainSeq">
+                <p:childTnLst>
+                  <p:par>
+                    <p:cTn id="3" fill="hold">
+                      <p:stCondLst>
+                        <p:cond delay="indefinite"/>
+                      </p:stCondLst>
+                      <p:childTnLst>
+                        <p:par>
+                          <p:cTn id="4" fill="hold">
+                            <p:stCondLst>
+                              <p:cond delay="0"/>
+                            </p:stCondLst>
+                            <p:childTnLst>
+                              <p:par>
+                                <p:cTn id="5" presetID="49" presetClass="path" presetSubtype="0" accel="50000" decel="50000" fill="hold" nodeType="clickEffect">
+                                  <p:stCondLst>
+                                    <p:cond delay="0"/>
+                                  </p:stCondLst>
+                                  <p:childTnLst>
+                                    <p:animMotion origin="layout" path="M 1.65354E-6 3.38093E-6 L 0.25323 0.33095 " pathEditMode="relative" rAng="0" ptsTypes="AA">
+                                      <p:cBhvr>
+                                        <p:cTn id="6" dur="2000" fill="hold"/>
+                                        <p:tgtEl>
+                                          <p:spTgt spid="5"/>
+                                        </p:tgtEl>
+                                        <p:attrNameLst>
+                                          <p:attrName>ppt_x</p:attrName>
+                                          <p:attrName>ppt_y</p:attrName>
+                                        </p:attrNameLst>
+                                      </p:cBhvr>
+                                      <p:rCtr x="12661" y="16548"/>
+                                    </p:animMotion>
+                                  </p:childTnLst>
+                                </p:cTn>
+                              </p:par>
+                              <p:par>
+                                <p:cTn id="7" presetID="6" presetClass="emph" presetSubtype="0" fill="hold" nodeType="withEffect">
+                                  <p:stCondLst>
+                                    <p:cond delay="0"/>
+                                  </p:stCondLst>
+                                  <p:childTnLst>
+                                    <p:animScale>
+                                      <p:cBhvr>
+                                        <p:cTn id="8" dur="2000" fill="hold"/>
+                                        <p:tgtEl>
+                                          <p:spTgt spid="5"/>
+                                        </p:tgtEl>
+                                      </p:cBhvr>
+                                      <p:by x="200000" y="200000"/>
+                                    </p:animScale>
+                                  </p:childTnLst>
+                                </p:cTn>
+                              </p:par>
+                              <p:par>
+                                <p:cTn id="9" presetID="1" presetClass="exit" presetSubtype="0" fill="hold" nodeType="withEffect">
+                                  <p:stCondLst>
+                                    <p:cond delay="0"/>
+                                  </p:stCondLst>
+                                  <p:childTnLst>
+                                    <p:set>
+                                      <p:cBhvr>
+                                        <p:cTn id="10" dur="1" fill="hold">
+                                          <p:stCondLst>
+                                            <p:cond delay="0"/>
+                                          </p:stCondLst>
+                                        </p:cTn>
+                                        <p:tgtEl>
+                                          <p:spTgt spid="15"/>
+                                        </p:tgtEl>
+                                        <p:attrNameLst>
+                                          <p:attrName>style.visibility</p:attrName>
+                                        </p:attrNameLst>
+                                      </p:cBhvr>
+                                      <p:to>
+                                        <p:strVal val="hidden"/>
+                                      </p:to>
+                                    </p:set>
+                                  </p:childTnLst>
+                                </p:cTn>
+                              </p:par>
+                              <p:par>
+                                <p:cTn id="11" presetID="1" presetClass="exit" presetSubtype="0" fill="hold" nodeType="withEffect">
+                                  <p:stCondLst>
+                                    <p:cond delay="0"/>
+                                  </p:stCondLst>
+                                  <p:childTnLst>
+                                    <p:set>
+                                      <p:cBhvr>
+                                        <p:cTn id="12" dur="1" fill="hold">
+                                          <p:stCondLst>
+                                            <p:cond delay="0"/>
+                                          </p:stCondLst>
+                                        </p:cTn>
+                                        <p:tgtEl>
+                                          <p:spTgt spid="13"/>
+                                        </p:tgtEl>
+                                        <p:attrNameLst>
+                                          <p:attrName>style.visibility</p:attrName>
+                                        </p:attrNameLst>
+                                      </p:cBhvr>
+                                      <p:to>
+                                        <p:strVal val="hidden"/>
+                                      </p:to>
+                                    </p:set>
+                                  </p:childTnLst>
+                                </p:cTn>
+                              </p:par>
+                              <p:par>
+                                <p:cTn id="13" presetID="1" presetClass="exit" presetSubtype="0" fill="hold" nodeType="withEffect">
+                                  <p:stCondLst>
+                                    <p:cond delay="0"/>
+                                  </p:stCondLst>
+                                  <p:childTnLst>
+                                    <p:set>
+                                      <p:cBhvr>
+                                        <p:cTn id="14" dur="1" fill="hold">
+                                          <p:stCondLst>
+                                            <p:cond delay="0"/>
+                                          </p:stCondLst>
+                                        </p:cTn>
+                                        <p:tgtEl>
+                                          <p:spTgt spid="7"/>
+                                        </p:tgtEl>
+                                        <p:attrNameLst>
+                                          <p:attrName>style.visibility</p:attrName>
+                                        </p:attrNameLst>
+                                      </p:cBhvr>
+                                      <p:to>
+                                        <p:strVal val="hidden"/>
+                                      </p:to>
+                                    </p:set>
+                                  </p:childTnLst>
+                                </p:cTn>
+                              </p:par>
+                              <p:par>
+                                <p:cTn id="15" presetID="1" presetClass="exit" presetSubtype="0" fill="hold" nodeType="withEffect">
+                                  <p:stCondLst>
+                                    <p:cond delay="0"/>
+                                  </p:stCondLst>
+                                  <p:childTnLst>
+                                    <p:set>
+                                      <p:cBhvr>
+                                        <p:cTn id="16" dur="1" fill="hold">
+                                          <p:stCondLst>
+                                            <p:cond delay="0"/>
+                                          </p:stCondLst>
+                                        </p:cTn>
+                                        <p:tgtEl>
+                                          <p:spTgt spid="9"/>
+                                        </p:tgtEl>
+                                        <p:attrNameLst>
+                                          <p:attrName>style.visibility</p:attrName>
+                                        </p:attrNameLst>
+                                      </p:cBhvr>
+                                      <p:to>
+                                        <p:strVal val="hidden"/>
+                                      </p:to>
+                                    </p:set>
+                                  </p:childTnLst>
+                                </p:cTn>
+                              </p:par>
+                              <p:par>
+                                <p:cTn id="17" presetID="1" presetClass="exit" presetSubtype="0" fill="hold" nodeType="withEffect">
+                                  <p:stCondLst>
+                                    <p:cond delay="0"/>
+                                  </p:stCondLst>
+                                  <p:childTnLst>
+                                    <p:set>
+                                      <p:cBhvr>
+                                        <p:cTn id="18" dur="1" fill="hold">
+                                          <p:stCondLst>
+                                            <p:cond delay="0"/>
+                                          </p:stCondLst>
+                                        </p:cTn>
+                                        <p:tgtEl>
+                                          <p:spTgt spid="11"/>
+                                        </p:tgtEl>
+                                        <p:attrNameLst>
+                                          <p:attrName>style.visibility</p:attrName>
+                                        </p:attrNameLst>
+                                      </p:cBhvr>
+                                      <p:to>
+                                        <p:strVal val="hidden"/>
+                                      </p:to>
+                                    </p:set>
+                                  </p:childTnLst>
+                                </p:cTn>
+                              </p:par>
+                            </p:childTnLst>
+                          </p:cTn>
+                        </p:par>
+                      </p:childTnLst>
+                    </p:cTn>
+                  </p:par>
+                  <p:par>
+                    <p:cTn id="19" fill="hold">
+                      <p:stCondLst>
+                        <p:cond delay="indefinite"/>
+                      </p:stCondLst>
+                      <p:childTnLst>
+                        <p:par>
+                          <p:cTn id="20" fill="hold">
+                            <p:stCondLst>
+                              <p:cond delay="0"/>
+                            </p:stCondLst>
+                            <p:childTnLst>
+                              <p:par>
+                                <p:cTn id="21" presetID="56" presetClass="path" presetSubtype="0" accel="50000" decel="50000" fill="hold" nodeType="clickEffect">
+                                  <p:stCondLst>
+                                    <p:cond delay="0"/>
+                                  </p:stCondLst>
+                                  <p:childTnLst>
+                                    <p:animMotion origin="layout" path="M 0.25323 0.33095 L 1.81102E-6 3.24654E-6 " pathEditMode="relative" rAng="0" ptsTypes="AA">
+                                      <p:cBhvr>
+                                        <p:cTn id="22" dur="2000" fill="hold"/>
+                                        <p:tgtEl>
+                                          <p:spTgt spid="5"/>
+                                        </p:tgtEl>
+                                        <p:attrNameLst>
+                                          <p:attrName>ppt_x</p:attrName>
+                                          <p:attrName>ppt_y</p:attrName>
+                                        </p:attrNameLst>
+                                      </p:cBhvr>
+                                      <p:rCtr x="-12598" y="-16884"/>
+                                    </p:animMotion>
+                                  </p:childTnLst>
+                                </p:cTn>
+                              </p:par>
+                              <p:par>
+                                <p:cTn id="23" presetID="6" presetClass="emph" presetSubtype="0" fill="hold" nodeType="withEffect">
+                                  <p:stCondLst>
+                                    <p:cond delay="0"/>
+                                  </p:stCondLst>
+                                  <p:childTnLst>
+                                    <p:animScale>
+                                      <p:cBhvr>
+                                        <p:cTn id="24" dur="2000" fill="hold"/>
+                                        <p:tgtEl>
+                                          <p:spTgt spid="5"/>
+                                        </p:tgtEl>
+                                      </p:cBhvr>
+                                      <p:by x="50000" y="50000"/>
+                                    </p:animScale>
+                                  </p:childTnLst>
+                                </p:cTn>
+                              </p:par>
+                            </p:childTnLst>
+                          </p:cTn>
+                        </p:par>
+                        <p:par>
+                          <p:cTn id="25" fill="hold">
+                            <p:stCondLst>
+                              <p:cond delay="2000"/>
+                            </p:stCondLst>
+                            <p:childTnLst>
+                              <p:par>
+                                <p:cTn id="26" presetID="1" presetClass="entr" presetSubtype="0" fill="hold" nodeType="afterEffect">
+                                  <p:stCondLst>
+                                    <p:cond delay="0"/>
+                                  </p:stCondLst>
+                                  <p:childTnLst>
+                                    <p:set>
+                                      <p:cBhvr>
+                                        <p:cTn id="27" dur="1" fill="hold">
+                                          <p:stCondLst>
+                                            <p:cond delay="0"/>
+                                          </p:stCondLst>
+                                        </p:cTn>
+                                        <p:tgtEl>
+                                          <p:spTgt spid="15"/>
+                                        </p:tgtEl>
+                                        <p:attrNameLst>
+                                          <p:attrName>style.visibility</p:attrName>
+                                        </p:attrNameLst>
+                                      </p:cBhvr>
+                                      <p:to>
+                                        <p:strVal val="visible"/>
+                                      </p:to>
+                                    </p:set>
+                                  </p:childTnLst>
+                                </p:cTn>
+                              </p:par>
+                              <p:par>
+                                <p:cTn id="28" presetID="1" presetClass="entr" presetSubtype="0" fill="hold" nodeType="withEffect">
+                                  <p:stCondLst>
+                                    <p:cond delay="0"/>
+                                  </p:stCondLst>
+                                  <p:childTnLst>
+                                    <p:set>
+                                      <p:cBhvr>
+                                        <p:cTn id="29" dur="1" fill="hold">
+                                          <p:stCondLst>
+                                            <p:cond delay="0"/>
+                                          </p:stCondLst>
+                                        </p:cTn>
+                                        <p:tgtEl>
+                                          <p:spTgt spid="13"/>
+                                        </p:tgtEl>
+                                        <p:attrNameLst>
+                                          <p:attrName>style.visibility</p:attrName>
+                                        </p:attrNameLst>
+                                      </p:cBhvr>
+                                      <p:to>
+                                        <p:strVal val="visible"/>
+                                      </p:to>
+                                    </p:set>
+                                  </p:childTnLst>
+                                </p:cTn>
+                              </p:par>
+                              <p:par>
+                                <p:cTn id="30" presetID="1" presetClass="entr" presetSubtype="0" fill="hold" nodeType="withEffect">
+                                  <p:stCondLst>
+                                    <p:cond delay="0"/>
+                                  </p:stCondLst>
+                                  <p:childTnLst>
+                                    <p:set>
+                                      <p:cBhvr>
+                                        <p:cTn id="31" dur="1" fill="hold">
+                                          <p:stCondLst>
+                                            <p:cond delay="0"/>
+                                          </p:stCondLst>
+                                        </p:cTn>
+                                        <p:tgtEl>
+                                          <p:spTgt spid="7"/>
+                                        </p:tgtEl>
+                                        <p:attrNameLst>
+                                          <p:attrName>style.visibility</p:attrName>
+                                        </p:attrNameLst>
+                                      </p:cBhvr>
+                                      <p:to>
+                                        <p:strVal val="visible"/>
+                                      </p:to>
+                                    </p:set>
+                                  </p:childTnLst>
+                                </p:cTn>
+                              </p:par>
+                              <p:par>
+                                <p:cTn id="32" presetID="1" presetClass="entr" presetSubtype="0" fill="hold" nodeType="withEffect">
+                                  <p:stCondLst>
+                                    <p:cond delay="0"/>
+                                  </p:stCondLst>
+                                  <p:childTnLst>
+                                    <p:set>
+                                      <p:cBhvr>
+                                        <p:cTn id="33" dur="1" fill="hold">
+                                          <p:stCondLst>
+                                            <p:cond delay="0"/>
+                                          </p:stCondLst>
+                                        </p:cTn>
+                                        <p:tgtEl>
+                                          <p:spTgt spid="9"/>
+                                        </p:tgtEl>
+                                        <p:attrNameLst>
+                                          <p:attrName>style.visibility</p:attrName>
+                                        </p:attrNameLst>
+                                      </p:cBhvr>
+                                      <p:to>
+                                        <p:strVal val="visible"/>
+                                      </p:to>
+                                    </p:set>
+                                  </p:childTnLst>
+                                </p:cTn>
+                              </p:par>
+                              <p:par>
+                                <p:cTn id="34" presetID="1" presetClass="entr" presetSubtype="0" fill="hold" nodeType="withEffect">
+                                  <p:stCondLst>
+                                    <p:cond delay="0"/>
+                                  </p:stCondLst>
+                                  <p:childTnLst>
+                                    <p:set>
+                                      <p:cBhvr>
+                                        <p:cTn id="35" dur="1" fill="hold">
+                                          <p:stCondLst>
+                                            <p:cond delay="0"/>
+                                          </p:stCondLst>
+                                        </p:cTn>
+                                        <p:tgtEl>
+                                          <p:spTgt spid="11"/>
+                                        </p:tgtEl>
+                                        <p:attrNameLst>
+                                          <p:attrName>style.visibility</p:attrName>
+                                        </p:attrNameLst>
+                                      </p:cBhvr>
+                                      <p:to>
+                                        <p:strVal val="visible"/>
+                                      </p:to>
+                                    </p:set>
+                                  </p:childTnLst>
+                                </p:cTn>
+                              </p:par>
+                            </p:childTnLst>
+                          </p:cTn>
+                        </p:par>
+                      </p:childTnLst>
+                    </p:cTn>
+                  </p:par>
+                  <p:par>
+                    <p:cTn id="36" fill="hold">
+                      <p:stCondLst>
+                        <p:cond delay="indefinite"/>
+                      </p:stCondLst>
+                      <p:childTnLst>
+                        <p:par>
+                          <p:cTn id="37" fill="hold">
+                            <p:stCondLst>
+                              <p:cond delay="0"/>
+                            </p:stCondLst>
+                            <p:childTnLst>
+                              <p:par>
+                                <p:cTn id="38" presetID="63" presetClass="path" presetSubtype="0" accel="50000" decel="50000" fill="hold" nodeType="clickEffect">
+                                  <p:stCondLst>
+                                    <p:cond delay="0"/>
+                                  </p:stCondLst>
+                                  <p:childTnLst>
+                                    <p:animMotion origin="layout" path="M 1.81102E-6 -1.84796E-7 L 0.25197 0.00924 " pathEditMode="relative" rAng="0" ptsTypes="AA">
+                                      <p:cBhvr>
+                                        <p:cTn id="39" dur="2000" fill="hold"/>
+                                        <p:tgtEl>
+                                          <p:spTgt spid="15"/>
+                                        </p:tgtEl>
+                                        <p:attrNameLst>
+                                          <p:attrName>ppt_x</p:attrName>
+                                          <p:attrName>ppt_y</p:attrName>
+                                        </p:attrNameLst>
+                                      </p:cBhvr>
+                                      <p:rCtr x="12268" y="462"/>
+                                    </p:animMotion>
+                                  </p:childTnLst>
+                                </p:cTn>
+                              </p:par>
+                              <p:par>
+                                <p:cTn id="40" presetID="6" presetClass="emph" presetSubtype="0" fill="hold" nodeType="withEffect">
+                                  <p:stCondLst>
+                                    <p:cond delay="0"/>
+                                  </p:stCondLst>
+                                  <p:childTnLst>
+                                    <p:animScale>
+                                      <p:cBhvr>
+                                        <p:cTn id="41" dur="2000" fill="hold"/>
+                                        <p:tgtEl>
+                                          <p:spTgt spid="15"/>
+                                        </p:tgtEl>
+                                      </p:cBhvr>
+                                      <p:by x="200000" y="200000"/>
+                                    </p:animScale>
+                                  </p:childTnLst>
+                                </p:cTn>
+                              </p:par>
+                              <p:par>
+                                <p:cTn id="42" presetID="1" presetClass="exit" presetSubtype="0" fill="hold" nodeType="withEffect">
+                                  <p:stCondLst>
+                                    <p:cond delay="0"/>
+                                  </p:stCondLst>
+                                  <p:childTnLst>
+                                    <p:set>
+                                      <p:cBhvr>
+                                        <p:cTn id="43" dur="1" fill="hold">
+                                          <p:stCondLst>
+                                            <p:cond delay="0"/>
+                                          </p:stCondLst>
+                                        </p:cTn>
+                                        <p:tgtEl>
+                                          <p:spTgt spid="5"/>
+                                        </p:tgtEl>
+                                        <p:attrNameLst>
+                                          <p:attrName>style.visibility</p:attrName>
+                                        </p:attrNameLst>
+                                      </p:cBhvr>
+                                      <p:to>
+                                        <p:strVal val="hidden"/>
+                                      </p:to>
+                                    </p:set>
+                                  </p:childTnLst>
+                                </p:cTn>
+                              </p:par>
+                              <p:par>
+                                <p:cTn id="44" presetID="1" presetClass="exit" presetSubtype="0" fill="hold" nodeType="withEffect">
+                                  <p:stCondLst>
+                                    <p:cond delay="0"/>
+                                  </p:stCondLst>
+                                  <p:childTnLst>
+                                    <p:set>
+                                      <p:cBhvr>
+                                        <p:cTn id="45" dur="1" fill="hold">
+                                          <p:stCondLst>
+                                            <p:cond delay="0"/>
+                                          </p:stCondLst>
+                                        </p:cTn>
+                                        <p:tgtEl>
+                                          <p:spTgt spid="13"/>
+                                        </p:tgtEl>
+                                        <p:attrNameLst>
+                                          <p:attrName>style.visibility</p:attrName>
+                                        </p:attrNameLst>
+                                      </p:cBhvr>
+                                      <p:to>
+                                        <p:strVal val="hidden"/>
+                                      </p:to>
+                                    </p:set>
+                                  </p:childTnLst>
+                                </p:cTn>
+                              </p:par>
+                              <p:par>
+                                <p:cTn id="46" presetID="1" presetClass="exit" presetSubtype="0" fill="hold" nodeType="withEffect">
+                                  <p:stCondLst>
+                                    <p:cond delay="0"/>
+                                  </p:stCondLst>
+                                  <p:childTnLst>
+                                    <p:set>
+                                      <p:cBhvr>
+                                        <p:cTn id="47" dur="1" fill="hold">
+                                          <p:stCondLst>
+                                            <p:cond delay="0"/>
+                                          </p:stCondLst>
+                                        </p:cTn>
+                                        <p:tgtEl>
+                                          <p:spTgt spid="7"/>
+                                        </p:tgtEl>
+                                        <p:attrNameLst>
+                                          <p:attrName>style.visibility</p:attrName>
+                                        </p:attrNameLst>
+                                      </p:cBhvr>
+                                      <p:to>
+                                        <p:strVal val="hidden"/>
+                                      </p:to>
+                                    </p:set>
+                                  </p:childTnLst>
+                                </p:cTn>
+                              </p:par>
+                              <p:par>
+                                <p:cTn id="48" presetID="1" presetClass="exit" presetSubtype="0" fill="hold" nodeType="withEffect">
+                                  <p:stCondLst>
+                                    <p:cond delay="0"/>
+                                  </p:stCondLst>
+                                  <p:childTnLst>
+                                    <p:set>
+                                      <p:cBhvr>
+                                        <p:cTn id="49" dur="1" fill="hold">
+                                          <p:stCondLst>
+                                            <p:cond delay="0"/>
+                                          </p:stCondLst>
+                                        </p:cTn>
+                                        <p:tgtEl>
+                                          <p:spTgt spid="9"/>
+                                        </p:tgtEl>
+                                        <p:attrNameLst>
+                                          <p:attrName>style.visibility</p:attrName>
+                                        </p:attrNameLst>
+                                      </p:cBhvr>
+                                      <p:to>
+                                        <p:strVal val="hidden"/>
+                                      </p:to>
+                                    </p:set>
+                                  </p:childTnLst>
+                                </p:cTn>
+                              </p:par>
+                              <p:par>
+                                <p:cTn id="50" presetID="1" presetClass="exit" presetSubtype="0" fill="hold" nodeType="withEffect">
+                                  <p:stCondLst>
+                                    <p:cond delay="0"/>
+                                  </p:stCondLst>
+                                  <p:childTnLst>
+                                    <p:set>
+                                      <p:cBhvr>
+                                        <p:cTn id="51" dur="1" fill="hold">
+                                          <p:stCondLst>
+                                            <p:cond delay="0"/>
+                                          </p:stCondLst>
+                                        </p:cTn>
+                                        <p:tgtEl>
+                                          <p:spTgt spid="11"/>
+                                        </p:tgtEl>
+                                        <p:attrNameLst>
+                                          <p:attrName>style.visibility</p:attrName>
+                                        </p:attrNameLst>
+                                      </p:cBhvr>
+                                      <p:to>
+                                        <p:strVal val="hidden"/>
+                                      </p:to>
+                                    </p:set>
+                                  </p:childTnLst>
+                                </p:cTn>
+                              </p:par>
+                            </p:childTnLst>
+                          </p:cTn>
+                        </p:par>
+                      </p:childTnLst>
+                    </p:cTn>
+                  </p:par>
+                  <p:par>
+                    <p:cTn id="52" fill="hold">
+                      <p:stCondLst>
+                        <p:cond delay="indefinite"/>
+                      </p:stCondLst>
+                      <p:childTnLst>
+                        <p:par>
+                          <p:cTn id="53" fill="hold">
+                            <p:stCondLst>
+                              <p:cond delay="0"/>
+                            </p:stCondLst>
+                            <p:childTnLst>
+                              <p:par>
+                                <p:cTn id="54" presetID="35" presetClass="path" presetSubtype="0" accel="50000" decel="50000" fill="hold" nodeType="clickEffect">
+                                  <p:stCondLst>
+                                    <p:cond delay="0"/>
+                                  </p:stCondLst>
+                                  <p:childTnLst>
+                                    <p:animMotion origin="layout" path="M 0.25197 0.00924 L -5.51181E-7 -2.64595E-7 " pathEditMode="relative" rAng="0" ptsTypes="AA">
+                                      <p:cBhvr>
+                                        <p:cTn id="55" dur="2000" fill="hold"/>
+                                        <p:tgtEl>
+                                          <p:spTgt spid="15"/>
+                                        </p:tgtEl>
+                                        <p:attrNameLst>
+                                          <p:attrName>ppt_x</p:attrName>
+                                          <p:attrName>ppt_y</p:attrName>
+                                        </p:attrNameLst>
+                                      </p:cBhvr>
+                                      <p:rCtr x="-12551" y="-672"/>
+                                    </p:animMotion>
+                                  </p:childTnLst>
+                                </p:cTn>
+                              </p:par>
+                              <p:par>
+                                <p:cTn id="56" presetID="6" presetClass="emph" presetSubtype="0" fill="hold" nodeType="withEffect">
+                                  <p:stCondLst>
+                                    <p:cond delay="0"/>
+                                  </p:stCondLst>
+                                  <p:childTnLst>
+                                    <p:animScale>
+                                      <p:cBhvr>
+                                        <p:cTn id="57" dur="2000" fill="hold"/>
+                                        <p:tgtEl>
+                                          <p:spTgt spid="15"/>
+                                        </p:tgtEl>
+                                      </p:cBhvr>
+                                      <p:by x="50000" y="50000"/>
+                                    </p:animScale>
+                                  </p:childTnLst>
+                                </p:cTn>
+                              </p:par>
+                            </p:childTnLst>
+                          </p:cTn>
+                        </p:par>
+                        <p:par>
+                          <p:cTn id="58" fill="hold">
+                            <p:stCondLst>
+                              <p:cond delay="2000"/>
+                            </p:stCondLst>
+                            <p:childTnLst>
+                              <p:par>
+                                <p:cTn id="59" presetID="1" presetClass="entr" presetSubtype="0" fill="hold" nodeType="afterEffect">
+                                  <p:stCondLst>
+                                    <p:cond delay="0"/>
+                                  </p:stCondLst>
+                                  <p:childTnLst>
+                                    <p:set>
+                                      <p:cBhvr>
+                                        <p:cTn id="60" dur="1" fill="hold">
+                                          <p:stCondLst>
+                                            <p:cond delay="0"/>
+                                          </p:stCondLst>
+                                        </p:cTn>
+                                        <p:tgtEl>
+                                          <p:spTgt spid="5"/>
+                                        </p:tgtEl>
+                                        <p:attrNameLst>
+                                          <p:attrName>style.visibility</p:attrName>
+                                        </p:attrNameLst>
+                                      </p:cBhvr>
+                                      <p:to>
+                                        <p:strVal val="visible"/>
+                                      </p:to>
+                                    </p:set>
+                                  </p:childTnLst>
+                                </p:cTn>
+                              </p:par>
+                              <p:par>
+                                <p:cTn id="61" presetID="1" presetClass="entr" presetSubtype="0" fill="hold" nodeType="withEffect">
+                                  <p:stCondLst>
+                                    <p:cond delay="0"/>
+                                  </p:stCondLst>
+                                  <p:childTnLst>
+                                    <p:set>
+                                      <p:cBhvr>
+                                        <p:cTn id="62" dur="1" fill="hold">
+                                          <p:stCondLst>
+                                            <p:cond delay="0"/>
+                                          </p:stCondLst>
+                                        </p:cTn>
+                                        <p:tgtEl>
+                                          <p:spTgt spid="13"/>
+                                        </p:tgtEl>
+                                        <p:attrNameLst>
+                                          <p:attrName>style.visibility</p:attrName>
+                                        </p:attrNameLst>
+                                      </p:cBhvr>
+                                      <p:to>
+                                        <p:strVal val="visible"/>
+                                      </p:to>
+                                    </p:set>
+                                  </p:childTnLst>
+                                </p:cTn>
+                              </p:par>
+                              <p:par>
+                                <p:cTn id="63" presetID="1" presetClass="entr" presetSubtype="0" fill="hold" nodeType="withEffect">
+                                  <p:stCondLst>
+                                    <p:cond delay="0"/>
+                                  </p:stCondLst>
+                                  <p:childTnLst>
+                                    <p:set>
+                                      <p:cBhvr>
+                                        <p:cTn id="64" dur="1" fill="hold">
+                                          <p:stCondLst>
+                                            <p:cond delay="0"/>
+                                          </p:stCondLst>
+                                        </p:cTn>
+                                        <p:tgtEl>
+                                          <p:spTgt spid="7"/>
+                                        </p:tgtEl>
+                                        <p:attrNameLst>
+                                          <p:attrName>style.visibility</p:attrName>
+                                        </p:attrNameLst>
+                                      </p:cBhvr>
+                                      <p:to>
+                                        <p:strVal val="visible"/>
+                                      </p:to>
+                                    </p:set>
+                                  </p:childTnLst>
+                                </p:cTn>
+                              </p:par>
+                              <p:par>
+                                <p:cTn id="65" presetID="1" presetClass="entr" presetSubtype="0" fill="hold" nodeType="withEffect">
+                                  <p:stCondLst>
+                                    <p:cond delay="0"/>
+                                  </p:stCondLst>
+                                  <p:childTnLst>
+                                    <p:set>
+                                      <p:cBhvr>
+                                        <p:cTn id="66" dur="1" fill="hold">
+                                          <p:stCondLst>
+                                            <p:cond delay="0"/>
+                                          </p:stCondLst>
+                                        </p:cTn>
+                                        <p:tgtEl>
+                                          <p:spTgt spid="9"/>
+                                        </p:tgtEl>
+                                        <p:attrNameLst>
+                                          <p:attrName>style.visibility</p:attrName>
+                                        </p:attrNameLst>
+                                      </p:cBhvr>
+                                      <p:to>
+                                        <p:strVal val="visible"/>
+                                      </p:to>
+                                    </p:set>
+                                  </p:childTnLst>
+                                </p:cTn>
+                              </p:par>
+                              <p:par>
+                                <p:cTn id="67" presetID="1" presetClass="entr" presetSubtype="0" fill="hold" nodeType="withEffect">
+                                  <p:stCondLst>
+                                    <p:cond delay="0"/>
+                                  </p:stCondLst>
+                                  <p:childTnLst>
+                                    <p:set>
+                                      <p:cBhvr>
+                                        <p:cTn id="68" dur="1" fill="hold">
+                                          <p:stCondLst>
+                                            <p:cond delay="0"/>
+                                          </p:stCondLst>
+                                        </p:cTn>
+                                        <p:tgtEl>
+                                          <p:spTgt spid="11"/>
+                                        </p:tgtEl>
+                                        <p:attrNameLst>
+                                          <p:attrName>style.visibility</p:attrName>
+                                        </p:attrNameLst>
+                                      </p:cBhvr>
+                                      <p:to>
+                                        <p:strVal val="visible"/>
+                                      </p:to>
+                                    </p:set>
+                                  </p:childTnLst>
+                                </p:cTn>
+                              </p:par>
+                            </p:childTnLst>
+                          </p:cTn>
+                        </p:par>
+                      </p:childTnLst>
+                    </p:cTn>
+                  </p:par>
+                  <p:par>
+                    <p:cTn id="69" fill="hold">
+                      <p:stCondLst>
+                        <p:cond delay="indefinite"/>
+                      </p:stCondLst>
+                      <p:childTnLst>
+                        <p:par>
+                          <p:cTn id="70" fill="hold">
+                            <p:stCondLst>
+                              <p:cond delay="0"/>
+                            </p:stCondLst>
+                            <p:childTnLst>
+                              <p:par>
+                                <p:cTn id="71" presetID="56" presetClass="path" presetSubtype="0" accel="50000" decel="50000" fill="hold" nodeType="clickEffect">
+                                  <p:stCondLst>
+                                    <p:cond delay="0"/>
+                                  </p:stCondLst>
+                                  <p:childTnLst>
+                                    <p:animMotion origin="layout" path="M 1.65354E-6 -3.35993E-6 L 0.25323 -0.332 " pathEditMode="relative" rAng="0" ptsTypes="AA">
+                                      <p:cBhvr>
+                                        <p:cTn id="72" dur="2000" fill="hold"/>
+                                        <p:tgtEl>
+                                          <p:spTgt spid="13"/>
+                                        </p:tgtEl>
+                                        <p:attrNameLst>
+                                          <p:attrName>ppt_x</p:attrName>
+                                          <p:attrName>ppt_y</p:attrName>
+                                        </p:attrNameLst>
+                                      </p:cBhvr>
+                                      <p:rCtr x="12331" y="-16611"/>
+                                    </p:animMotion>
+                                  </p:childTnLst>
+                                </p:cTn>
+                              </p:par>
+                              <p:par>
+                                <p:cTn id="73" presetID="6" presetClass="emph" presetSubtype="0" fill="hold" nodeType="withEffect">
+                                  <p:stCondLst>
+                                    <p:cond delay="0"/>
+                                  </p:stCondLst>
+                                  <p:childTnLst>
+                                    <p:animScale>
+                                      <p:cBhvr>
+                                        <p:cTn id="74" dur="2000" fill="hold"/>
+                                        <p:tgtEl>
+                                          <p:spTgt spid="13"/>
+                                        </p:tgtEl>
+                                      </p:cBhvr>
+                                      <p:by x="200000" y="200000"/>
+                                    </p:animScale>
+                                  </p:childTnLst>
+                                </p:cTn>
+                              </p:par>
+                              <p:par>
+                                <p:cTn id="75" presetID="1" presetClass="exit" presetSubtype="0" fill="hold" nodeType="withEffect">
+                                  <p:stCondLst>
+                                    <p:cond delay="0"/>
+                                  </p:stCondLst>
+                                  <p:childTnLst>
+                                    <p:set>
+                                      <p:cBhvr>
+                                        <p:cTn id="76" dur="1" fill="hold">
+                                          <p:stCondLst>
+                                            <p:cond delay="0"/>
+                                          </p:stCondLst>
+                                        </p:cTn>
+                                        <p:tgtEl>
+                                          <p:spTgt spid="5"/>
+                                        </p:tgtEl>
+                                        <p:attrNameLst>
+                                          <p:attrName>style.visibility</p:attrName>
+                                        </p:attrNameLst>
+                                      </p:cBhvr>
+                                      <p:to>
+                                        <p:strVal val="hidden"/>
+                                      </p:to>
+                                    </p:set>
+                                  </p:childTnLst>
+                                </p:cTn>
+                              </p:par>
+                              <p:par>
+                                <p:cTn id="77" presetID="1" presetClass="exit" presetSubtype="0" fill="hold" nodeType="withEffect">
+                                  <p:stCondLst>
+                                    <p:cond delay="0"/>
+                                  </p:stCondLst>
+                                  <p:childTnLst>
+                                    <p:set>
+                                      <p:cBhvr>
+                                        <p:cTn id="78" dur="1" fill="hold">
+                                          <p:stCondLst>
+                                            <p:cond delay="0"/>
+                                          </p:stCondLst>
+                                        </p:cTn>
+                                        <p:tgtEl>
+                                          <p:spTgt spid="15"/>
+                                        </p:tgtEl>
+                                        <p:attrNameLst>
+                                          <p:attrName>style.visibility</p:attrName>
+                                        </p:attrNameLst>
+                                      </p:cBhvr>
+                                      <p:to>
+                                        <p:strVal val="hidden"/>
+                                      </p:to>
+                                    </p:set>
+                                  </p:childTnLst>
+                                </p:cTn>
+                              </p:par>
+                              <p:par>
+                                <p:cTn id="79" presetID="1" presetClass="exit" presetSubtype="0" fill="hold" nodeType="withEffect">
+                                  <p:stCondLst>
+                                    <p:cond delay="0"/>
+                                  </p:stCondLst>
+                                  <p:childTnLst>
+                                    <p:set>
+                                      <p:cBhvr>
+                                        <p:cTn id="80" dur="1" fill="hold">
+                                          <p:stCondLst>
+                                            <p:cond delay="0"/>
+                                          </p:stCondLst>
+                                        </p:cTn>
+                                        <p:tgtEl>
+                                          <p:spTgt spid="7"/>
+                                        </p:tgtEl>
+                                        <p:attrNameLst>
+                                          <p:attrName>style.visibility</p:attrName>
+                                        </p:attrNameLst>
+                                      </p:cBhvr>
+                                      <p:to>
+                                        <p:strVal val="hidden"/>
+                                      </p:to>
+                                    </p:set>
+                                  </p:childTnLst>
+                                </p:cTn>
+                              </p:par>
+                              <p:par>
+                                <p:cTn id="81" presetID="1" presetClass="exit" presetSubtype="0" fill="hold" nodeType="withEffect">
+                                  <p:stCondLst>
+                                    <p:cond delay="0"/>
+                                  </p:stCondLst>
+                                  <p:childTnLst>
+                                    <p:set>
+                                      <p:cBhvr>
+                                        <p:cTn id="82" dur="1" fill="hold">
+                                          <p:stCondLst>
+                                            <p:cond delay="0"/>
+                                          </p:stCondLst>
+                                        </p:cTn>
+                                        <p:tgtEl>
+                                          <p:spTgt spid="9"/>
+                                        </p:tgtEl>
+                                        <p:attrNameLst>
+                                          <p:attrName>style.visibility</p:attrName>
+                                        </p:attrNameLst>
+                                      </p:cBhvr>
+                                      <p:to>
+                                        <p:strVal val="hidden"/>
+                                      </p:to>
+                                    </p:set>
+                                  </p:childTnLst>
+                                </p:cTn>
+                              </p:par>
+                              <p:par>
+                                <p:cTn id="83" presetID="1" presetClass="exit" presetSubtype="0" fill="hold" nodeType="withEffect">
+                                  <p:stCondLst>
+                                    <p:cond delay="0"/>
+                                  </p:stCondLst>
+                                  <p:childTnLst>
+                                    <p:set>
+                                      <p:cBhvr>
+                                        <p:cTn id="84" dur="1" fill="hold">
+                                          <p:stCondLst>
+                                            <p:cond delay="0"/>
+                                          </p:stCondLst>
+                                        </p:cTn>
+                                        <p:tgtEl>
+                                          <p:spTgt spid="11"/>
+                                        </p:tgtEl>
+                                        <p:attrNameLst>
+                                          <p:attrName>style.visibility</p:attrName>
+                                        </p:attrNameLst>
+                                      </p:cBhvr>
+                                      <p:to>
+                                        <p:strVal val="hidden"/>
+                                      </p:to>
+                                    </p:set>
+                                  </p:childTnLst>
+                                </p:cTn>
+                              </p:par>
+                            </p:childTnLst>
+                          </p:cTn>
+                        </p:par>
+                      </p:childTnLst>
+                    </p:cTn>
+                  </p:par>
+                  <p:par>
+                    <p:cTn id="85" fill="hold">
+                      <p:stCondLst>
+                        <p:cond delay="indefinite"/>
+                      </p:stCondLst>
+                      <p:childTnLst>
+                        <p:par>
+                          <p:cTn id="86" fill="hold">
+                            <p:stCondLst>
+                              <p:cond delay="0"/>
+                            </p:stCondLst>
+                            <p:childTnLst>
+                              <p:par>
+                                <p:cTn id="87" presetID="49" presetClass="path" presetSubtype="0" accel="50000" decel="50000" fill="hold" nodeType="clickEffect">
+                                  <p:stCondLst>
+                                    <p:cond delay="0"/>
+                                  </p:stCondLst>
+                                  <p:childTnLst>
+                                    <p:animMotion origin="layout" path="M 0.25323 -0.332 L -1.10236E-6 -3.24654E-6 " pathEditMode="relative" rAng="0" ptsTypes="AA">
+                                      <p:cBhvr>
+                                        <p:cTn id="88" dur="2000" fill="hold"/>
+                                        <p:tgtEl>
+                                          <p:spTgt spid="13"/>
+                                        </p:tgtEl>
+                                        <p:attrNameLst>
+                                          <p:attrName>ppt_x</p:attrName>
+                                          <p:attrName>ppt_y</p:attrName>
+                                        </p:attrNameLst>
+                                      </p:cBhvr>
+                                      <p:rCtr x="-12772" y="16884"/>
+                                    </p:animMotion>
+                                  </p:childTnLst>
+                                </p:cTn>
+                              </p:par>
+                              <p:par>
+                                <p:cTn id="89" presetID="6" presetClass="emph" presetSubtype="0" fill="hold" nodeType="withEffect">
+                                  <p:stCondLst>
+                                    <p:cond delay="0"/>
+                                  </p:stCondLst>
+                                  <p:childTnLst>
+                                    <p:animScale>
+                                      <p:cBhvr>
+                                        <p:cTn id="90" dur="2000" fill="hold"/>
+                                        <p:tgtEl>
+                                          <p:spTgt spid="13"/>
+                                        </p:tgtEl>
+                                      </p:cBhvr>
+                                      <p:by x="50000" y="50000"/>
+                                    </p:animScale>
+                                  </p:childTnLst>
+                                </p:cTn>
+                              </p:par>
+                            </p:childTnLst>
+                          </p:cTn>
+                        </p:par>
+                        <p:par>
+                          <p:cTn id="91" fill="hold">
+                            <p:stCondLst>
+                              <p:cond delay="2000"/>
+                            </p:stCondLst>
+                            <p:childTnLst>
+                              <p:par>
+                                <p:cTn id="92" presetID="1" presetClass="entr" presetSubtype="0" fill="hold" nodeType="afterEffect">
+                                  <p:stCondLst>
+                                    <p:cond delay="0"/>
+                                  </p:stCondLst>
+                                  <p:childTnLst>
+                                    <p:set>
+                                      <p:cBhvr>
+                                        <p:cTn id="93" dur="1" fill="hold">
+                                          <p:stCondLst>
+                                            <p:cond delay="0"/>
+                                          </p:stCondLst>
+                                        </p:cTn>
+                                        <p:tgtEl>
+                                          <p:spTgt spid="5"/>
+                                        </p:tgtEl>
+                                        <p:attrNameLst>
+                                          <p:attrName>style.visibility</p:attrName>
+                                        </p:attrNameLst>
+                                      </p:cBhvr>
+                                      <p:to>
+                                        <p:strVal val="visible"/>
+                                      </p:to>
+                                    </p:set>
+                                  </p:childTnLst>
+                                </p:cTn>
+                              </p:par>
+                              <p:par>
+                                <p:cTn id="94" presetID="1" presetClass="entr" presetSubtype="0" fill="hold" nodeType="withEffect">
+                                  <p:stCondLst>
+                                    <p:cond delay="0"/>
+                                  </p:stCondLst>
+                                  <p:childTnLst>
+                                    <p:set>
+                                      <p:cBhvr>
+                                        <p:cTn id="95" dur="1" fill="hold">
+                                          <p:stCondLst>
+                                            <p:cond delay="0"/>
+                                          </p:stCondLst>
+                                        </p:cTn>
+                                        <p:tgtEl>
+                                          <p:spTgt spid="15"/>
+                                        </p:tgtEl>
+                                        <p:attrNameLst>
+                                          <p:attrName>style.visibility</p:attrName>
+                                        </p:attrNameLst>
+                                      </p:cBhvr>
+                                      <p:to>
+                                        <p:strVal val="visible"/>
+                                      </p:to>
+                                    </p:set>
+                                  </p:childTnLst>
+                                </p:cTn>
+                              </p:par>
+                              <p:par>
+                                <p:cTn id="96" presetID="1" presetClass="entr" presetSubtype="0" fill="hold" nodeType="withEffect">
+                                  <p:stCondLst>
+                                    <p:cond delay="0"/>
+                                  </p:stCondLst>
+                                  <p:childTnLst>
+                                    <p:set>
+                                      <p:cBhvr>
+                                        <p:cTn id="97" dur="1" fill="hold">
+                                          <p:stCondLst>
+                                            <p:cond delay="0"/>
+                                          </p:stCondLst>
+                                        </p:cTn>
+                                        <p:tgtEl>
+                                          <p:spTgt spid="7"/>
+                                        </p:tgtEl>
+                                        <p:attrNameLst>
+                                          <p:attrName>style.visibility</p:attrName>
+                                        </p:attrNameLst>
+                                      </p:cBhvr>
+                                      <p:to>
+                                        <p:strVal val="visible"/>
+                                      </p:to>
+                                    </p:set>
+                                  </p:childTnLst>
+                                </p:cTn>
+                              </p:par>
+                              <p:par>
+                                <p:cTn id="98" presetID="1" presetClass="entr" presetSubtype="0" fill="hold" nodeType="withEffect">
+                                  <p:stCondLst>
+                                    <p:cond delay="0"/>
+                                  </p:stCondLst>
+                                  <p:childTnLst>
+                                    <p:set>
+                                      <p:cBhvr>
+                                        <p:cTn id="99" dur="1" fill="hold">
+                                          <p:stCondLst>
+                                            <p:cond delay="0"/>
+                                          </p:stCondLst>
+                                        </p:cTn>
+                                        <p:tgtEl>
+                                          <p:spTgt spid="9"/>
+                                        </p:tgtEl>
+                                        <p:attrNameLst>
+                                          <p:attrName>style.visibility</p:attrName>
+                                        </p:attrNameLst>
+                                      </p:cBhvr>
+                                      <p:to>
+                                        <p:strVal val="visible"/>
+                                      </p:to>
+                                    </p:set>
+                                  </p:childTnLst>
+                                </p:cTn>
+                              </p:par>
+                              <p:par>
+                                <p:cTn id="100" presetID="1" presetClass="entr" presetSubtype="0" fill="hold" nodeType="withEffect">
+                                  <p:stCondLst>
+                                    <p:cond delay="0"/>
+                                  </p:stCondLst>
+                                  <p:childTnLst>
+                                    <p:set>
+                                      <p:cBhvr>
+                                        <p:cTn id="101" dur="1" fill="hold">
+                                          <p:stCondLst>
+                                            <p:cond delay="0"/>
+                                          </p:stCondLst>
+                                        </p:cTn>
+                                        <p:tgtEl>
+                                          <p:spTgt spid="11"/>
+                                        </p:tgtEl>
+                                        <p:attrNameLst>
+                                          <p:attrName>style.visibility</p:attrName>
+                                        </p:attrNameLst>
+                                      </p:cBhvr>
+                                      <p:to>
+                                        <p:strVal val="visible"/>
+                                      </p:to>
+                                    </p:set>
+                                  </p:childTnLst>
+                                </p:cTn>
+                              </p:par>
+                            </p:childTnLst>
+                          </p:cTn>
+                        </p:par>
+                      </p:childTnLst>
+                    </p:cTn>
+                  </p:par>
+                  <p:par>
+                    <p:cTn id="102" fill="hold">
+                      <p:stCondLst>
+                        <p:cond delay="indefinite"/>
+                      </p:stCondLst>
+                      <p:childTnLst>
+                        <p:par>
+                          <p:cTn id="103" fill="hold">
+                            <p:stCondLst>
+                              <p:cond delay="0"/>
+                            </p:stCondLst>
+                            <p:childTnLst>
+                              <p:par>
+                                <p:cTn id="104" presetID="49" presetClass="path" presetSubtype="0" accel="50000" decel="50000" fill="hold" nodeType="clickEffect">
+                                  <p:stCondLst>
+                                    <p:cond delay="0"/>
+                                  </p:stCondLst>
+                                  <p:childTnLst>
+                                    <p:animMotion origin="layout" path="M 3.30709E-6 3.37253E-6 L -0.24 0.33137 " pathEditMode="relative" rAng="0" ptsTypes="AA">
+                                      <p:cBhvr>
+                                        <p:cTn id="105" dur="2000" fill="hold"/>
+                                        <p:tgtEl>
+                                          <p:spTgt spid="11"/>
+                                        </p:tgtEl>
+                                        <p:attrNameLst>
+                                          <p:attrName>ppt_x</p:attrName>
+                                          <p:attrName>ppt_y</p:attrName>
+                                        </p:attrNameLst>
+                                      </p:cBhvr>
+                                      <p:rCtr x="-12331" y="16884"/>
+                                    </p:animMotion>
+                                  </p:childTnLst>
+                                </p:cTn>
+                              </p:par>
+                              <p:par>
+                                <p:cTn id="106" presetID="6" presetClass="emph" presetSubtype="0" fill="hold" nodeType="withEffect">
+                                  <p:stCondLst>
+                                    <p:cond delay="0"/>
+                                  </p:stCondLst>
+                                  <p:childTnLst>
+                                    <p:animScale>
+                                      <p:cBhvr>
+                                        <p:cTn id="107" dur="2000" fill="hold"/>
+                                        <p:tgtEl>
+                                          <p:spTgt spid="11"/>
+                                        </p:tgtEl>
+                                      </p:cBhvr>
+                                      <p:by x="200000" y="200000"/>
+                                    </p:animScale>
+                                  </p:childTnLst>
+                                </p:cTn>
+                              </p:par>
+                              <p:par>
+                                <p:cTn id="108" presetID="1" presetClass="exit" presetSubtype="0" fill="hold" nodeType="withEffect">
+                                  <p:stCondLst>
+                                    <p:cond delay="0"/>
+                                  </p:stCondLst>
+                                  <p:childTnLst>
+                                    <p:set>
+                                      <p:cBhvr>
+                                        <p:cTn id="109" dur="1" fill="hold">
+                                          <p:stCondLst>
+                                            <p:cond delay="0"/>
+                                          </p:stCondLst>
+                                        </p:cTn>
+                                        <p:tgtEl>
+                                          <p:spTgt spid="5"/>
+                                        </p:tgtEl>
+                                        <p:attrNameLst>
+                                          <p:attrName>style.visibility</p:attrName>
+                                        </p:attrNameLst>
+                                      </p:cBhvr>
+                                      <p:to>
+                                        <p:strVal val="hidden"/>
+                                      </p:to>
+                                    </p:set>
+                                  </p:childTnLst>
+                                </p:cTn>
+                              </p:par>
+                              <p:par>
+                                <p:cTn id="110" presetID="1" presetClass="exit" presetSubtype="0" fill="hold" nodeType="withEffect">
+                                  <p:stCondLst>
+                                    <p:cond delay="0"/>
+                                  </p:stCondLst>
+                                  <p:childTnLst>
+                                    <p:set>
+                                      <p:cBhvr>
+                                        <p:cTn id="111" dur="1" fill="hold">
+                                          <p:stCondLst>
+                                            <p:cond delay="0"/>
+                                          </p:stCondLst>
+                                        </p:cTn>
+                                        <p:tgtEl>
+                                          <p:spTgt spid="15"/>
+                                        </p:tgtEl>
+                                        <p:attrNameLst>
+                                          <p:attrName>style.visibility</p:attrName>
+                                        </p:attrNameLst>
+                                      </p:cBhvr>
+                                      <p:to>
+                                        <p:strVal val="hidden"/>
+                                      </p:to>
+                                    </p:set>
+                                  </p:childTnLst>
+                                </p:cTn>
+                              </p:par>
+                              <p:par>
+                                <p:cTn id="112" presetID="1" presetClass="exit" presetSubtype="0" fill="hold" nodeType="withEffect">
+                                  <p:stCondLst>
+                                    <p:cond delay="0"/>
+                                  </p:stCondLst>
+                                  <p:childTnLst>
+                                    <p:set>
+                                      <p:cBhvr>
+                                        <p:cTn id="113" dur="1" fill="hold">
+                                          <p:stCondLst>
+                                            <p:cond delay="0"/>
+                                          </p:stCondLst>
+                                        </p:cTn>
+                                        <p:tgtEl>
+                                          <p:spTgt spid="13"/>
+                                        </p:tgtEl>
+                                        <p:attrNameLst>
+                                          <p:attrName>style.visibility</p:attrName>
+                                        </p:attrNameLst>
+                                      </p:cBhvr>
+                                      <p:to>
+                                        <p:strVal val="hidden"/>
+                                      </p:to>
+                                    </p:set>
+                                  </p:childTnLst>
+                                </p:cTn>
+                              </p:par>
+                              <p:par>
+                                <p:cTn id="114" presetID="1" presetClass="exit" presetSubtype="0" fill="hold" nodeType="withEffect">
+                                  <p:stCondLst>
+                                    <p:cond delay="0"/>
+                                  </p:stCondLst>
+                                  <p:childTnLst>
+                                    <p:set>
+                                      <p:cBhvr>
+                                        <p:cTn id="115" dur="1" fill="hold">
+                                          <p:stCondLst>
+                                            <p:cond delay="0"/>
+                                          </p:stCondLst>
+                                        </p:cTn>
+                                        <p:tgtEl>
+                                          <p:spTgt spid="7"/>
+                                        </p:tgtEl>
+                                        <p:attrNameLst>
+                                          <p:attrName>style.visibility</p:attrName>
+                                        </p:attrNameLst>
+                                      </p:cBhvr>
+                                      <p:to>
+                                        <p:strVal val="hidden"/>
+                                      </p:to>
+                                    </p:set>
+                                  </p:childTnLst>
+                                </p:cTn>
+                              </p:par>
+                              <p:par>
+                                <p:cTn id="116" presetID="1" presetClass="exit" presetSubtype="0" fill="hold" nodeType="withEffect">
+                                  <p:stCondLst>
+                                    <p:cond delay="0"/>
+                                  </p:stCondLst>
+                                  <p:childTnLst>
+                                    <p:set>
+                                      <p:cBhvr>
+                                        <p:cTn id="117" dur="1" fill="hold">
+                                          <p:stCondLst>
+                                            <p:cond delay="0"/>
+                                          </p:stCondLst>
+                                        </p:cTn>
+                                        <p:tgtEl>
+                                          <p:spTgt spid="9"/>
+                                        </p:tgtEl>
+                                        <p:attrNameLst>
+                                          <p:attrName>style.visibility</p:attrName>
+                                        </p:attrNameLst>
+                                      </p:cBhvr>
+                                      <p:to>
+                                        <p:strVal val="hidden"/>
+                                      </p:to>
+                                    </p:set>
+                                  </p:childTnLst>
+                                </p:cTn>
+                              </p:par>
+                            </p:childTnLst>
+                          </p:cTn>
+                        </p:par>
+                      </p:childTnLst>
+                    </p:cTn>
+                  </p:par>
+                  <p:par>
+                    <p:cTn id="118" fill="hold">
+                      <p:stCondLst>
+                        <p:cond delay="indefinite"/>
+                      </p:stCondLst>
+                      <p:childTnLst>
+                        <p:par>
+                          <p:cTn id="119" fill="hold">
+                            <p:stCondLst>
+                              <p:cond delay="0"/>
+                            </p:stCondLst>
+                            <p:childTnLst>
+                              <p:par>
+                                <p:cTn id="120" presetID="56" presetClass="path" presetSubtype="0" accel="50000" decel="50000" fill="hold" nodeType="clickEffect">
+                                  <p:stCondLst>
+                                    <p:cond delay="0"/>
+                                  </p:stCondLst>
+                                  <p:childTnLst>
+                                    <p:animMotion origin="layout" path="M -0.24 0.33137 L 3.62205E-6 3.24654E-6 " pathEditMode="relative" rAng="0" ptsTypes="AA">
+                                      <p:cBhvr>
+                                        <p:cTn id="121" dur="2000" fill="hold"/>
+                                        <p:tgtEl>
+                                          <p:spTgt spid="11"/>
+                                        </p:tgtEl>
+                                        <p:attrNameLst>
+                                          <p:attrName>ppt_x</p:attrName>
+                                          <p:attrName>ppt_y</p:attrName>
+                                        </p:attrNameLst>
+                                      </p:cBhvr>
+                                      <p:rCtr x="12126" y="-16884"/>
+                                    </p:animMotion>
+                                  </p:childTnLst>
+                                </p:cTn>
+                              </p:par>
+                              <p:par>
+                                <p:cTn id="122" presetID="6" presetClass="emph" presetSubtype="0" fill="hold" nodeType="withEffect">
+                                  <p:stCondLst>
+                                    <p:cond delay="0"/>
+                                  </p:stCondLst>
+                                  <p:childTnLst>
+                                    <p:animScale>
+                                      <p:cBhvr>
+                                        <p:cTn id="123" dur="2000" fill="hold"/>
+                                        <p:tgtEl>
+                                          <p:spTgt spid="11"/>
+                                        </p:tgtEl>
+                                      </p:cBhvr>
+                                      <p:by x="50000" y="50000"/>
+                                    </p:animScale>
+                                  </p:childTnLst>
+                                </p:cTn>
+                              </p:par>
+                            </p:childTnLst>
+                          </p:cTn>
+                        </p:par>
+                        <p:par>
+                          <p:cTn id="124" fill="hold">
+                            <p:stCondLst>
+                              <p:cond delay="2000"/>
+                            </p:stCondLst>
+                            <p:childTnLst>
+                              <p:par>
+                                <p:cTn id="125" presetID="1" presetClass="entr" presetSubtype="0" fill="hold" nodeType="afterEffect">
+                                  <p:stCondLst>
+                                    <p:cond delay="0"/>
+                                  </p:stCondLst>
+                                  <p:childTnLst>
+                                    <p:set>
+                                      <p:cBhvr>
+                                        <p:cTn id="126" dur="1" fill="hold">
+                                          <p:stCondLst>
+                                            <p:cond delay="0"/>
+                                          </p:stCondLst>
+                                        </p:cTn>
+                                        <p:tgtEl>
+                                          <p:spTgt spid="5"/>
+                                        </p:tgtEl>
+                                        <p:attrNameLst>
+                                          <p:attrName>style.visibility</p:attrName>
+                                        </p:attrNameLst>
+                                      </p:cBhvr>
+                                      <p:to>
+                                        <p:strVal val="visible"/>
+                                      </p:to>
+                                    </p:set>
+                                  </p:childTnLst>
+                                </p:cTn>
+                              </p:par>
+                              <p:par>
+                                <p:cTn id="127" presetID="1" presetClass="entr" presetSubtype="0" fill="hold" nodeType="withEffect">
+                                  <p:stCondLst>
+                                    <p:cond delay="0"/>
+                                  </p:stCondLst>
+                                  <p:childTnLst>
+                                    <p:set>
+                                      <p:cBhvr>
+                                        <p:cTn id="128" dur="1" fill="hold">
+                                          <p:stCondLst>
+                                            <p:cond delay="0"/>
+                                          </p:stCondLst>
+                                        </p:cTn>
+                                        <p:tgtEl>
+                                          <p:spTgt spid="15"/>
+                                        </p:tgtEl>
+                                        <p:attrNameLst>
+                                          <p:attrName>style.visibility</p:attrName>
+                                        </p:attrNameLst>
+                                      </p:cBhvr>
+                                      <p:to>
+                                        <p:strVal val="visible"/>
+                                      </p:to>
+                                    </p:set>
+                                  </p:childTnLst>
+                                </p:cTn>
+                              </p:par>
+                              <p:par>
+                                <p:cTn id="129" presetID="1" presetClass="entr" presetSubtype="0" fill="hold" nodeType="withEffect">
+                                  <p:stCondLst>
+                                    <p:cond delay="0"/>
+                                  </p:stCondLst>
+                                  <p:childTnLst>
+                                    <p:set>
+                                      <p:cBhvr>
+                                        <p:cTn id="130" dur="1" fill="hold">
+                                          <p:stCondLst>
+                                            <p:cond delay="0"/>
+                                          </p:stCondLst>
+                                        </p:cTn>
+                                        <p:tgtEl>
+                                          <p:spTgt spid="13"/>
+                                        </p:tgtEl>
+                                        <p:attrNameLst>
+                                          <p:attrName>style.visibility</p:attrName>
+                                        </p:attrNameLst>
+                                      </p:cBhvr>
+                                      <p:to>
+                                        <p:strVal val="visible"/>
+                                      </p:to>
+                                    </p:set>
+                                  </p:childTnLst>
+                                </p:cTn>
+                              </p:par>
+                              <p:par>
+                                <p:cTn id="131" presetID="1" presetClass="entr" presetSubtype="0" fill="hold" nodeType="withEffect">
+                                  <p:stCondLst>
+                                    <p:cond delay="0"/>
+                                  </p:stCondLst>
+                                  <p:childTnLst>
+                                    <p:set>
+                                      <p:cBhvr>
+                                        <p:cTn id="132" dur="1" fill="hold">
+                                          <p:stCondLst>
+                                            <p:cond delay="0"/>
+                                          </p:stCondLst>
+                                        </p:cTn>
+                                        <p:tgtEl>
+                                          <p:spTgt spid="7"/>
+                                        </p:tgtEl>
+                                        <p:attrNameLst>
+                                          <p:attrName>style.visibility</p:attrName>
+                                        </p:attrNameLst>
+                                      </p:cBhvr>
+                                      <p:to>
+                                        <p:strVal val="visible"/>
+                                      </p:to>
+                                    </p:set>
+                                  </p:childTnLst>
+                                </p:cTn>
+                              </p:par>
+                              <p:par>
+                                <p:cTn id="133" presetID="1" presetClass="entr" presetSubtype="0" fill="hold" nodeType="withEffect">
+                                  <p:stCondLst>
+                                    <p:cond delay="0"/>
+                                  </p:stCondLst>
+                                  <p:childTnLst>
+                                    <p:set>
+                                      <p:cBhvr>
+                                        <p:cTn id="134" dur="1" fill="hold">
+                                          <p:stCondLst>
+                                            <p:cond delay="0"/>
+                                          </p:stCondLst>
+                                        </p:cTn>
+                                        <p:tgtEl>
+                                          <p:spTgt spid="9"/>
+                                        </p:tgtEl>
+                                        <p:attrNameLst>
+                                          <p:attrName>style.visibility</p:attrName>
+                                        </p:attrNameLst>
+                                      </p:cBhvr>
+                                      <p:to>
+                                        <p:strVal val="visible"/>
+                                      </p:to>
+                                    </p:set>
+                                  </p:childTnLst>
+                                </p:cTn>
+                              </p:par>
+                            </p:childTnLst>
+                          </p:cTn>
+                        </p:par>
+                      </p:childTnLst>
+                    </p:cTn>
+                  </p:par>
+                  <p:par>
+                    <p:cTn id="135" fill="hold">
+                      <p:stCondLst>
+                        <p:cond delay="indefinite"/>
+                      </p:stCondLst>
+                      <p:childTnLst>
+                        <p:par>
+                          <p:cTn id="136" fill="hold">
+                            <p:stCondLst>
+                              <p:cond delay="0"/>
+                            </p:stCondLst>
+                            <p:childTnLst>
+                              <p:par>
+                                <p:cTn id="137" presetID="35" presetClass="path" presetSubtype="0" accel="50000" decel="50000" fill="hold" nodeType="clickEffect">
+                                  <p:stCondLst>
+                                    <p:cond delay="0"/>
+                                  </p:stCondLst>
+                                  <p:childTnLst>
+                                    <p:animMotion origin="layout" path="M -4.33071E-6 1.55397E-7 L -0.23889 -0.00777 " pathEditMode="relative" rAng="0" ptsTypes="AA">
+                                      <p:cBhvr>
+                                        <p:cTn id="138" dur="2000" fill="hold"/>
+                                        <p:tgtEl>
+                                          <p:spTgt spid="9"/>
+                                        </p:tgtEl>
+                                        <p:attrNameLst>
+                                          <p:attrName>ppt_x</p:attrName>
+                                          <p:attrName>ppt_y</p:attrName>
+                                        </p:attrNameLst>
+                                      </p:cBhvr>
+                                      <p:rCtr x="-11953" y="-399"/>
+                                    </p:animMotion>
+                                  </p:childTnLst>
+                                </p:cTn>
+                              </p:par>
+                              <p:par>
+                                <p:cTn id="139" presetID="6" presetClass="emph" presetSubtype="0" fill="hold" nodeType="withEffect">
+                                  <p:stCondLst>
+                                    <p:cond delay="0"/>
+                                  </p:stCondLst>
+                                  <p:childTnLst>
+                                    <p:animScale>
+                                      <p:cBhvr>
+                                        <p:cTn id="140" dur="2000" fill="hold"/>
+                                        <p:tgtEl>
+                                          <p:spTgt spid="9"/>
+                                        </p:tgtEl>
+                                      </p:cBhvr>
+                                      <p:by x="200000" y="200000"/>
+                                    </p:animScale>
+                                  </p:childTnLst>
+                                </p:cTn>
+                              </p:par>
+                              <p:par>
+                                <p:cTn id="141" presetID="1" presetClass="exit" presetSubtype="0" fill="hold" nodeType="withEffect">
+                                  <p:stCondLst>
+                                    <p:cond delay="0"/>
+                                  </p:stCondLst>
+                                  <p:childTnLst>
+                                    <p:set>
+                                      <p:cBhvr>
+                                        <p:cTn id="142" dur="1" fill="hold">
+                                          <p:stCondLst>
+                                            <p:cond delay="0"/>
+                                          </p:stCondLst>
+                                        </p:cTn>
+                                        <p:tgtEl>
+                                          <p:spTgt spid="5"/>
+                                        </p:tgtEl>
+                                        <p:attrNameLst>
+                                          <p:attrName>style.visibility</p:attrName>
+                                        </p:attrNameLst>
+                                      </p:cBhvr>
+                                      <p:to>
+                                        <p:strVal val="hidden"/>
+                                      </p:to>
+                                    </p:set>
+                                  </p:childTnLst>
+                                </p:cTn>
+                              </p:par>
+                              <p:par>
+                                <p:cTn id="143" presetID="1" presetClass="exit" presetSubtype="0" fill="hold" nodeType="withEffect">
+                                  <p:stCondLst>
+                                    <p:cond delay="0"/>
+                                  </p:stCondLst>
+                                  <p:childTnLst>
+                                    <p:set>
+                                      <p:cBhvr>
+                                        <p:cTn id="144" dur="1" fill="hold">
+                                          <p:stCondLst>
+                                            <p:cond delay="0"/>
+                                          </p:stCondLst>
+                                        </p:cTn>
+                                        <p:tgtEl>
+                                          <p:spTgt spid="15"/>
+                                        </p:tgtEl>
+                                        <p:attrNameLst>
+                                          <p:attrName>style.visibility</p:attrName>
+                                        </p:attrNameLst>
+                                      </p:cBhvr>
+                                      <p:to>
+                                        <p:strVal val="hidden"/>
+                                      </p:to>
+                                    </p:set>
+                                  </p:childTnLst>
+                                </p:cTn>
+                              </p:par>
+                              <p:par>
+                                <p:cTn id="145" presetID="1" presetClass="exit" presetSubtype="0" fill="hold" nodeType="withEffect">
+                                  <p:stCondLst>
+                                    <p:cond delay="0"/>
+                                  </p:stCondLst>
+                                  <p:childTnLst>
+                                    <p:set>
+                                      <p:cBhvr>
+                                        <p:cTn id="146" dur="1" fill="hold">
+                                          <p:stCondLst>
+                                            <p:cond delay="0"/>
+                                          </p:stCondLst>
+                                        </p:cTn>
+                                        <p:tgtEl>
+                                          <p:spTgt spid="13"/>
+                                        </p:tgtEl>
+                                        <p:attrNameLst>
+                                          <p:attrName>style.visibility</p:attrName>
+                                        </p:attrNameLst>
+                                      </p:cBhvr>
+                                      <p:to>
+                                        <p:strVal val="hidden"/>
+                                      </p:to>
+                                    </p:set>
+                                  </p:childTnLst>
+                                </p:cTn>
+                              </p:par>
+                              <p:par>
+                                <p:cTn id="147" presetID="1" presetClass="exit" presetSubtype="0" fill="hold" nodeType="withEffect">
+                                  <p:stCondLst>
+                                    <p:cond delay="0"/>
+                                  </p:stCondLst>
+                                  <p:childTnLst>
+                                    <p:set>
+                                      <p:cBhvr>
+                                        <p:cTn id="148" dur="1" fill="hold">
+                                          <p:stCondLst>
+                                            <p:cond delay="0"/>
+                                          </p:stCondLst>
+                                        </p:cTn>
+                                        <p:tgtEl>
+                                          <p:spTgt spid="7"/>
+                                        </p:tgtEl>
+                                        <p:attrNameLst>
+                                          <p:attrName>style.visibility</p:attrName>
+                                        </p:attrNameLst>
+                                      </p:cBhvr>
+                                      <p:to>
+                                        <p:strVal val="hidden"/>
+                                      </p:to>
+                                    </p:set>
+                                  </p:childTnLst>
+                                </p:cTn>
+                              </p:par>
+                              <p:par>
+                                <p:cTn id="149" presetID="1" presetClass="exit" presetSubtype="0" fill="hold" nodeType="withEffect">
+                                  <p:stCondLst>
+                                    <p:cond delay="0"/>
+                                  </p:stCondLst>
+                                  <p:childTnLst>
+                                    <p:set>
+                                      <p:cBhvr>
+                                        <p:cTn id="150" dur="1" fill="hold">
+                                          <p:stCondLst>
+                                            <p:cond delay="0"/>
+                                          </p:stCondLst>
+                                        </p:cTn>
+                                        <p:tgtEl>
+                                          <p:spTgt spid="11"/>
+                                        </p:tgtEl>
+                                        <p:attrNameLst>
+                                          <p:attrName>style.visibility</p:attrName>
+                                        </p:attrNameLst>
+                                      </p:cBhvr>
+                                      <p:to>
+                                        <p:strVal val="hidden"/>
+                                      </p:to>
+                                    </p:set>
+                                  </p:childTnLst>
+                                </p:cTn>
+                              </p:par>
+                            </p:childTnLst>
+                          </p:cTn>
+                        </p:par>
+                      </p:childTnLst>
+                    </p:cTn>
+                  </p:par>
+                  <p:par>
+                    <p:cTn id="151" fill="hold">
+                      <p:stCondLst>
+                        <p:cond delay="indefinite"/>
+                      </p:stCondLst>
+                      <p:childTnLst>
+                        <p:par>
+                          <p:cTn id="152" fill="hold">
+                            <p:stCondLst>
+                              <p:cond delay="0"/>
+                            </p:stCondLst>
+                            <p:childTnLst>
+                              <p:par>
+                                <p:cTn id="153" presetID="63" presetClass="path" presetSubtype="0" accel="50000" decel="50000" fill="hold" nodeType="clickEffect">
+                                  <p:stCondLst>
+                                    <p:cond delay="0"/>
+                                  </p:stCondLst>
+                                  <p:childTnLst>
+                                    <p:animMotion origin="layout" path="M -0.23889 -0.00777 L -1.81102E-6 2.35195E-7 " pathEditMode="relative" rAng="0" ptsTypes="AA">
+                                      <p:cBhvr>
+                                        <p:cTn id="154" dur="2000" fill="hold"/>
+                                        <p:tgtEl>
+                                          <p:spTgt spid="9"/>
+                                        </p:tgtEl>
+                                        <p:attrNameLst>
+                                          <p:attrName>ppt_x</p:attrName>
+                                          <p:attrName>ppt_y</p:attrName>
+                                        </p:attrNameLst>
+                                      </p:cBhvr>
+                                      <p:rCtr x="11953" y="588"/>
+                                    </p:animMotion>
+                                  </p:childTnLst>
+                                </p:cTn>
+                              </p:par>
+                              <p:par>
+                                <p:cTn id="155" presetID="6" presetClass="emph" presetSubtype="0" fill="hold" nodeType="withEffect">
+                                  <p:stCondLst>
+                                    <p:cond delay="0"/>
+                                  </p:stCondLst>
+                                  <p:childTnLst>
+                                    <p:animScale>
+                                      <p:cBhvr>
+                                        <p:cTn id="156" dur="2000" fill="hold"/>
+                                        <p:tgtEl>
+                                          <p:spTgt spid="9"/>
+                                        </p:tgtEl>
+                                      </p:cBhvr>
+                                      <p:by x="50000" y="50000"/>
+                                    </p:animScale>
+                                  </p:childTnLst>
+                                </p:cTn>
+                              </p:par>
+                            </p:childTnLst>
+                          </p:cTn>
+                        </p:par>
+                        <p:par>
+                          <p:cTn id="157" fill="hold">
+                            <p:stCondLst>
+                              <p:cond delay="2000"/>
+                            </p:stCondLst>
+                            <p:childTnLst>
+                              <p:par>
+                                <p:cTn id="158" presetID="1" presetClass="entr" presetSubtype="0" fill="hold" nodeType="afterEffect">
+                                  <p:stCondLst>
+                                    <p:cond delay="0"/>
+                                  </p:stCondLst>
+                                  <p:childTnLst>
+                                    <p:set>
+                                      <p:cBhvr>
+                                        <p:cTn id="159" dur="1" fill="hold">
+                                          <p:stCondLst>
+                                            <p:cond delay="0"/>
+                                          </p:stCondLst>
+                                        </p:cTn>
+                                        <p:tgtEl>
+                                          <p:spTgt spid="5"/>
+                                        </p:tgtEl>
+                                        <p:attrNameLst>
+                                          <p:attrName>style.visibility</p:attrName>
+                                        </p:attrNameLst>
+                                      </p:cBhvr>
+                                      <p:to>
+                                        <p:strVal val="visible"/>
+                                      </p:to>
+                                    </p:set>
+                                  </p:childTnLst>
+                                </p:cTn>
+                              </p:par>
+                              <p:par>
+                                <p:cTn id="160" presetID="1" presetClass="entr" presetSubtype="0" fill="hold" nodeType="withEffect">
+                                  <p:stCondLst>
+                                    <p:cond delay="0"/>
+                                  </p:stCondLst>
+                                  <p:childTnLst>
+                                    <p:set>
+                                      <p:cBhvr>
+                                        <p:cTn id="161" dur="1" fill="hold">
+                                          <p:stCondLst>
+                                            <p:cond delay="0"/>
+                                          </p:stCondLst>
+                                        </p:cTn>
+                                        <p:tgtEl>
+                                          <p:spTgt spid="15"/>
+                                        </p:tgtEl>
+                                        <p:attrNameLst>
+                                          <p:attrName>style.visibility</p:attrName>
+                                        </p:attrNameLst>
+                                      </p:cBhvr>
+                                      <p:to>
+                                        <p:strVal val="visible"/>
+                                      </p:to>
+                                    </p:set>
+                                  </p:childTnLst>
+                                </p:cTn>
+                              </p:par>
+                              <p:par>
+                                <p:cTn id="162" presetID="1" presetClass="entr" presetSubtype="0" fill="hold" nodeType="withEffect">
+                                  <p:stCondLst>
+                                    <p:cond delay="0"/>
+                                  </p:stCondLst>
+                                  <p:childTnLst>
+                                    <p:set>
+                                      <p:cBhvr>
+                                        <p:cTn id="163" dur="1" fill="hold">
+                                          <p:stCondLst>
+                                            <p:cond delay="0"/>
+                                          </p:stCondLst>
+                                        </p:cTn>
+                                        <p:tgtEl>
+                                          <p:spTgt spid="13"/>
+                                        </p:tgtEl>
+                                        <p:attrNameLst>
+                                          <p:attrName>style.visibility</p:attrName>
+                                        </p:attrNameLst>
+                                      </p:cBhvr>
+                                      <p:to>
+                                        <p:strVal val="visible"/>
+                                      </p:to>
+                                    </p:set>
+                                  </p:childTnLst>
+                                </p:cTn>
+                              </p:par>
+                              <p:par>
+                                <p:cTn id="164" presetID="1" presetClass="entr" presetSubtype="0" fill="hold" nodeType="withEffect">
+                                  <p:stCondLst>
+                                    <p:cond delay="0"/>
+                                  </p:stCondLst>
+                                  <p:childTnLst>
+                                    <p:set>
+                                      <p:cBhvr>
+                                        <p:cTn id="165" dur="1" fill="hold">
+                                          <p:stCondLst>
+                                            <p:cond delay="0"/>
+                                          </p:stCondLst>
+                                        </p:cTn>
+                                        <p:tgtEl>
+                                          <p:spTgt spid="7"/>
+                                        </p:tgtEl>
+                                        <p:attrNameLst>
+                                          <p:attrName>style.visibility</p:attrName>
+                                        </p:attrNameLst>
+                                      </p:cBhvr>
+                                      <p:to>
+                                        <p:strVal val="visible"/>
+                                      </p:to>
+                                    </p:set>
+                                  </p:childTnLst>
+                                </p:cTn>
+                              </p:par>
+                              <p:par>
+                                <p:cTn id="166" presetID="1" presetClass="entr" presetSubtype="0" fill="hold" nodeType="withEffect">
+                                  <p:stCondLst>
+                                    <p:cond delay="0"/>
+                                  </p:stCondLst>
+                                  <p:childTnLst>
+                                    <p:set>
+                                      <p:cBhvr>
+                                        <p:cTn id="167" dur="1" fill="hold">
+                                          <p:stCondLst>
+                                            <p:cond delay="0"/>
+                                          </p:stCondLst>
+                                        </p:cTn>
+                                        <p:tgtEl>
+                                          <p:spTgt spid="11"/>
+                                        </p:tgtEl>
+                                        <p:attrNameLst>
+                                          <p:attrName>style.visibility</p:attrName>
+                                        </p:attrNameLst>
+                                      </p:cBhvr>
+                                      <p:to>
+                                        <p:strVal val="visible"/>
+                                      </p:to>
+                                    </p:set>
+                                  </p:childTnLst>
+                                </p:cTn>
+                              </p:par>
+                            </p:childTnLst>
+                          </p:cTn>
+                        </p:par>
+                      </p:childTnLst>
+                    </p:cTn>
+                  </p:par>
+                  <p:par>
+                    <p:cTn id="168" fill="hold">
+                      <p:stCondLst>
+                        <p:cond delay="indefinite"/>
+                      </p:stCondLst>
+                      <p:childTnLst>
+                        <p:par>
+                          <p:cTn id="169" fill="hold">
+                            <p:stCondLst>
+                              <p:cond delay="0"/>
+                            </p:stCondLst>
+                            <p:childTnLst>
+                              <p:par>
+                                <p:cTn id="170" presetID="56" presetClass="path" presetSubtype="0" accel="50000" decel="50000" fill="hold" nodeType="clickEffect">
+                                  <p:stCondLst>
+                                    <p:cond delay="0"/>
+                                  </p:stCondLst>
+                                  <p:childTnLst>
+                                    <p:animMotion origin="layout" path="M -4.33071E-6 -3.40193E-6 L -0.23889 -0.3299 " pathEditMode="relative" rAng="0" ptsTypes="AA">
+                                      <p:cBhvr>
+                                        <p:cTn id="171" dur="2000" fill="hold"/>
+                                        <p:tgtEl>
+                                          <p:spTgt spid="7"/>
+                                        </p:tgtEl>
+                                        <p:attrNameLst>
+                                          <p:attrName>ppt_x</p:attrName>
+                                          <p:attrName>ppt_y</p:attrName>
+                                        </p:attrNameLst>
+                                      </p:cBhvr>
+                                      <p:rCtr x="-11953" y="-16506"/>
+                                    </p:animMotion>
+                                  </p:childTnLst>
+                                </p:cTn>
+                              </p:par>
+                              <p:par>
+                                <p:cTn id="172" presetID="6" presetClass="emph" presetSubtype="0" fill="hold" nodeType="withEffect">
+                                  <p:stCondLst>
+                                    <p:cond delay="0"/>
+                                  </p:stCondLst>
+                                  <p:childTnLst>
+                                    <p:animScale>
+                                      <p:cBhvr>
+                                        <p:cTn id="173" dur="2000" fill="hold"/>
+                                        <p:tgtEl>
+                                          <p:spTgt spid="7"/>
+                                        </p:tgtEl>
+                                      </p:cBhvr>
+                                      <p:by x="200000" y="200000"/>
+                                    </p:animScale>
+                                  </p:childTnLst>
+                                </p:cTn>
+                              </p:par>
+                              <p:par>
+                                <p:cTn id="174" presetID="1" presetClass="exit" presetSubtype="0" fill="hold" nodeType="withEffect">
+                                  <p:stCondLst>
+                                    <p:cond delay="0"/>
+                                  </p:stCondLst>
+                                  <p:childTnLst>
+                                    <p:set>
+                                      <p:cBhvr>
+                                        <p:cTn id="175" dur="1" fill="hold">
+                                          <p:stCondLst>
+                                            <p:cond delay="0"/>
+                                          </p:stCondLst>
+                                        </p:cTn>
+                                        <p:tgtEl>
+                                          <p:spTgt spid="5"/>
+                                        </p:tgtEl>
+                                        <p:attrNameLst>
+                                          <p:attrName>style.visibility</p:attrName>
+                                        </p:attrNameLst>
+                                      </p:cBhvr>
+                                      <p:to>
+                                        <p:strVal val="hidden"/>
+                                      </p:to>
+                                    </p:set>
+                                  </p:childTnLst>
+                                </p:cTn>
+                              </p:par>
+                              <p:par>
+                                <p:cTn id="176" presetID="1" presetClass="exit" presetSubtype="0" fill="hold" nodeType="withEffect">
+                                  <p:stCondLst>
+                                    <p:cond delay="0"/>
+                                  </p:stCondLst>
+                                  <p:childTnLst>
+                                    <p:set>
+                                      <p:cBhvr>
+                                        <p:cTn id="177" dur="1" fill="hold">
+                                          <p:stCondLst>
+                                            <p:cond delay="0"/>
+                                          </p:stCondLst>
+                                        </p:cTn>
+                                        <p:tgtEl>
+                                          <p:spTgt spid="15"/>
+                                        </p:tgtEl>
+                                        <p:attrNameLst>
+                                          <p:attrName>style.visibility</p:attrName>
+                                        </p:attrNameLst>
+                                      </p:cBhvr>
+                                      <p:to>
+                                        <p:strVal val="hidden"/>
+                                      </p:to>
+                                    </p:set>
+                                  </p:childTnLst>
+                                </p:cTn>
+                              </p:par>
+                              <p:par>
+                                <p:cTn id="178" presetID="1" presetClass="exit" presetSubtype="0" fill="hold" nodeType="withEffect">
+                                  <p:stCondLst>
+                                    <p:cond delay="0"/>
+                                  </p:stCondLst>
+                                  <p:childTnLst>
+                                    <p:set>
+                                      <p:cBhvr>
+                                        <p:cTn id="179" dur="1" fill="hold">
+                                          <p:stCondLst>
+                                            <p:cond delay="0"/>
+                                          </p:stCondLst>
+                                        </p:cTn>
+                                        <p:tgtEl>
+                                          <p:spTgt spid="13"/>
+                                        </p:tgtEl>
+                                        <p:attrNameLst>
+                                          <p:attrName>style.visibility</p:attrName>
+                                        </p:attrNameLst>
+                                      </p:cBhvr>
+                                      <p:to>
+                                        <p:strVal val="hidden"/>
+                                      </p:to>
+                                    </p:set>
+                                  </p:childTnLst>
+                                </p:cTn>
+                              </p:par>
+                              <p:par>
+                                <p:cTn id="180" presetID="1" presetClass="exit" presetSubtype="0" fill="hold" nodeType="withEffect">
+                                  <p:stCondLst>
+                                    <p:cond delay="0"/>
+                                  </p:stCondLst>
+                                  <p:childTnLst>
+                                    <p:set>
+                                      <p:cBhvr>
+                                        <p:cTn id="181" dur="1" fill="hold">
+                                          <p:stCondLst>
+                                            <p:cond delay="0"/>
+                                          </p:stCondLst>
+                                        </p:cTn>
+                                        <p:tgtEl>
+                                          <p:spTgt spid="9"/>
+                                        </p:tgtEl>
+                                        <p:attrNameLst>
+                                          <p:attrName>style.visibility</p:attrName>
+                                        </p:attrNameLst>
+                                      </p:cBhvr>
+                                      <p:to>
+                                        <p:strVal val="hidden"/>
+                                      </p:to>
+                                    </p:set>
+                                  </p:childTnLst>
+                                </p:cTn>
+                              </p:par>
+                              <p:par>
+                                <p:cTn id="182" presetID="1" presetClass="exit" presetSubtype="0" fill="hold" nodeType="withEffect">
+                                  <p:stCondLst>
+                                    <p:cond delay="0"/>
+                                  </p:stCondLst>
+                                  <p:childTnLst>
+                                    <p:set>
+                                      <p:cBhvr>
+                                        <p:cTn id="183" dur="1" fill="hold">
+                                          <p:stCondLst>
+                                            <p:cond delay="0"/>
+                                          </p:stCondLst>
+                                        </p:cTn>
+                                        <p:tgtEl>
+                                          <p:spTgt spid="11"/>
+                                        </p:tgtEl>
+                                        <p:attrNameLst>
+                                          <p:attrName>style.visibility</p:attrName>
+                                        </p:attrNameLst>
+                                      </p:cBhvr>
+                                      <p:to>
+                                        <p:strVal val="hidden"/>
+                                      </p:to>
+                                    </p:set>
+                                  </p:childTnLst>
+                                </p:cTn>
+                              </p:par>
+                            </p:childTnLst>
+                          </p:cTn>
+                        </p:par>
+                      </p:childTnLst>
+                    </p:cTn>
+                  </p:par>
+                  <p:par>
+                    <p:cTn id="184" fill="hold">
+                      <p:stCondLst>
+                        <p:cond delay="indefinite"/>
+                      </p:stCondLst>
+                      <p:childTnLst>
+                        <p:par>
+                          <p:cTn id="185" fill="hold">
+                            <p:stCondLst>
+                              <p:cond delay="0"/>
+                            </p:stCondLst>
+                            <p:childTnLst>
+                              <p:par>
+                                <p:cTn id="186" presetID="49" presetClass="path" presetSubtype="0" accel="50000" decel="50000" fill="hold" nodeType="clickEffect">
+                                  <p:stCondLst>
+                                    <p:cond delay="0"/>
+                                  </p:stCondLst>
+                                  <p:childTnLst>
+                                    <p:animMotion origin="layout" path="M -0.23889 -0.3299 L -1.81102E-6 -3.53633E-6 " pathEditMode="relative" rAng="0" ptsTypes="AA">
+                                      <p:cBhvr>
+                                        <p:cTn id="187" dur="2000" fill="hold"/>
+                                        <p:tgtEl>
+                                          <p:spTgt spid="7"/>
+                                        </p:tgtEl>
+                                        <p:attrNameLst>
+                                          <p:attrName>ppt_x</p:attrName>
+                                          <p:attrName>ppt_y</p:attrName>
+                                        </p:attrNameLst>
+                                      </p:cBhvr>
+                                      <p:rCtr x="11953" y="16149"/>
+                                    </p:animMotion>
+                                  </p:childTnLst>
+                                </p:cTn>
+                              </p:par>
+                              <p:par>
+                                <p:cTn id="188" presetID="6" presetClass="emph" presetSubtype="0" fill="hold" nodeType="withEffect">
+                                  <p:stCondLst>
+                                    <p:cond delay="0"/>
+                                  </p:stCondLst>
+                                  <p:childTnLst>
+                                    <p:animScale>
+                                      <p:cBhvr>
+                                        <p:cTn id="189" dur="2000" fill="hold"/>
+                                        <p:tgtEl>
+                                          <p:spTgt spid="7"/>
+                                        </p:tgtEl>
+                                      </p:cBhvr>
+                                      <p:by x="50000" y="50000"/>
+                                    </p:animScale>
+                                  </p:childTnLst>
+                                </p:cTn>
+                              </p:par>
+                            </p:childTnLst>
+                          </p:cTn>
+                        </p:par>
+                        <p:par>
+                          <p:cTn id="190" fill="hold">
+                            <p:stCondLst>
+                              <p:cond delay="2000"/>
+                            </p:stCondLst>
+                            <p:childTnLst>
+                              <p:par>
+                                <p:cTn id="191" presetID="1" presetClass="entr" presetSubtype="0" fill="hold" nodeType="afterEffect">
+                                  <p:stCondLst>
+                                    <p:cond delay="0"/>
+                                  </p:stCondLst>
+                                  <p:childTnLst>
+                                    <p:set>
+                                      <p:cBhvr>
+                                        <p:cTn id="192" dur="1" fill="hold">
+                                          <p:stCondLst>
+                                            <p:cond delay="0"/>
+                                          </p:stCondLst>
+                                        </p:cTn>
+                                        <p:tgtEl>
+                                          <p:spTgt spid="5"/>
+                                        </p:tgtEl>
+                                        <p:attrNameLst>
+                                          <p:attrName>style.visibility</p:attrName>
+                                        </p:attrNameLst>
+                                      </p:cBhvr>
+                                      <p:to>
+                                        <p:strVal val="visible"/>
+                                      </p:to>
+                                    </p:set>
+                                  </p:childTnLst>
+                                </p:cTn>
+                              </p:par>
+                              <p:par>
+                                <p:cTn id="193" presetID="1" presetClass="entr" presetSubtype="0" fill="hold" nodeType="withEffect">
+                                  <p:stCondLst>
+                                    <p:cond delay="0"/>
+                                  </p:stCondLst>
+                                  <p:childTnLst>
+                                    <p:set>
+                                      <p:cBhvr>
+                                        <p:cTn id="194" dur="1" fill="hold">
+                                          <p:stCondLst>
+                                            <p:cond delay="0"/>
+                                          </p:stCondLst>
+                                        </p:cTn>
+                                        <p:tgtEl>
+                                          <p:spTgt spid="15"/>
+                                        </p:tgtEl>
+                                        <p:attrNameLst>
+                                          <p:attrName>style.visibility</p:attrName>
+                                        </p:attrNameLst>
+                                      </p:cBhvr>
+                                      <p:to>
+                                        <p:strVal val="visible"/>
+                                      </p:to>
+                                    </p:set>
+                                  </p:childTnLst>
+                                </p:cTn>
+                              </p:par>
+                              <p:par>
+                                <p:cTn id="195" presetID="1" presetClass="entr" presetSubtype="0" fill="hold" nodeType="withEffect">
+                                  <p:stCondLst>
+                                    <p:cond delay="0"/>
+                                  </p:stCondLst>
+                                  <p:childTnLst>
+                                    <p:set>
+                                      <p:cBhvr>
+                                        <p:cTn id="196" dur="1" fill="hold">
+                                          <p:stCondLst>
+                                            <p:cond delay="0"/>
+                                          </p:stCondLst>
+                                        </p:cTn>
+                                        <p:tgtEl>
+                                          <p:spTgt spid="13"/>
+                                        </p:tgtEl>
+                                        <p:attrNameLst>
+                                          <p:attrName>style.visibility</p:attrName>
+                                        </p:attrNameLst>
+                                      </p:cBhvr>
+                                      <p:to>
+                                        <p:strVal val="visible"/>
+                                      </p:to>
+                                    </p:set>
+                                  </p:childTnLst>
+                                </p:cTn>
+                              </p:par>
+                              <p:par>
+                                <p:cTn id="197" presetID="1" presetClass="entr" presetSubtype="0" fill="hold" nodeType="withEffect">
+                                  <p:stCondLst>
+                                    <p:cond delay="0"/>
+                                  </p:stCondLst>
+                                  <p:childTnLst>
+                                    <p:set>
+                                      <p:cBhvr>
+                                        <p:cTn id="198" dur="1" fill="hold">
+                                          <p:stCondLst>
+                                            <p:cond delay="0"/>
+                                          </p:stCondLst>
+                                        </p:cTn>
+                                        <p:tgtEl>
+                                          <p:spTgt spid="9"/>
+                                        </p:tgtEl>
+                                        <p:attrNameLst>
+                                          <p:attrName>style.visibility</p:attrName>
+                                        </p:attrNameLst>
+                                      </p:cBhvr>
+                                      <p:to>
+                                        <p:strVal val="visible"/>
+                                      </p:to>
+                                    </p:set>
+                                  </p:childTnLst>
+                                </p:cTn>
+                              </p:par>
+                              <p:par>
+                                <p:cTn id="199" presetID="1" presetClass="entr" presetSubtype="0" fill="hold" nodeType="withEffect">
+                                  <p:stCondLst>
+                                    <p:cond delay="0"/>
+                                  </p:stCondLst>
+                                  <p:childTnLst>
+                                    <p:set>
+                                      <p:cBhvr>
+                                        <p:cTn id="200" dur="1" fill="hold">
+                                          <p:stCondLst>
+                                            <p:cond delay="0"/>
+                                          </p:stCondLst>
+                                        </p:cTn>
+                                        <p:tgtEl>
+                                          <p:spTgt spid="11"/>
+                                        </p:tgtEl>
+                                        <p:attrNameLst>
+                                          <p:attrName>style.visibility</p:attrName>
+                                        </p:attrNameLst>
+                                      </p:cBhvr>
+                                      <p:to>
+                                        <p:strVal val="visible"/>
+                                      </p:to>
+                                    </p:set>
+                                  </p:childTnLst>
+                                </p:cTn>
+                              </p:par>
+                            </p:childTnLst>
+                          </p:cTn>
+                        </p:par>
+                      </p:childTnLst>
+                    </p:cTn>
+                  </p:par>
+                </p:childTnLst>
+              </p:cTn>
+              <p:prevCondLst>
+                <p:cond evt="onPrev" delay="0">
+                  <p:tgtEl>
+                    <p:sldTgt/>
+                  </p:tgtEl>
+                </p:cond>
+              </p:prevCondLst>
+              <p:nextCondLst>
+                <p:cond evt="onNext" delay="0">
                   <p:tgtEl>
                     <p:sldTgt/>
                   </p:tgtEl>
@@ -3525,6 +9173,8 @@
       </a:bgFillStyleLst>
     </a:fmtScheme>
   </a:themeElements>
+  <a:objectDefaults/>
+  <a:extraClrSchemeLst/>
 </a:theme>
 </file>
 
@@ -3748,5 +9398,7 @@
       </a:bgFillStyleLst>
     </a:fmtScheme>
   </a:themeElements>
+  <a:objectDefaults/>
+  <a:extraClrSchemeLst/>
 </a:theme>
 </file>